--- a/Continued use of weak RSA keys.pptx
+++ b/Continued use of weak RSA keys.pptx
@@ -2,11 +2,14 @@
 <file path=ppt/presentation.xml><?xml version="1.0" encoding="utf-8"?>
 <p:presentation xmlns:a="http://schemas.openxmlformats.org/drawingml/2006/main" xmlns:r="http://schemas.openxmlformats.org/officeDocument/2006/relationships" xmlns:p="http://schemas.openxmlformats.org/presentationml/2006/main" saveSubsetFonts="1">
   <p:sldMasterIdLst>
-    <p:sldMasterId id="2147483648" r:id="rId1"/>
+    <p:sldMasterId id="2147483660" r:id="rId1"/>
   </p:sldMasterIdLst>
   <p:sldIdLst>
     <p:sldId id="256" r:id="rId2"/>
     <p:sldId id="257" r:id="rId3"/>
+    <p:sldId id="258" r:id="rId4"/>
+    <p:sldId id="259" r:id="rId5"/>
+    <p:sldId id="260" r:id="rId6"/>
   </p:sldIdLst>
   <p:sldSz cx="12192000" cy="6858000"/>
   <p:notesSz cx="6858000" cy="9144000"/>
@@ -14,7 +17,7 @@
     <a:defPPr>
       <a:defRPr lang="en-US"/>
     </a:defPPr>
-    <a:lvl1pPr marL="0" algn="l" defTabSz="914400" rtl="0" eaLnBrk="1" latinLnBrk="0" hangingPunct="1">
+    <a:lvl1pPr marL="0" algn="l" defTabSz="457200" rtl="0" eaLnBrk="1" latinLnBrk="0" hangingPunct="1">
       <a:defRPr sz="1800" kern="1200">
         <a:solidFill>
           <a:schemeClr val="tx1"/>
@@ -24,7 +27,7 @@
         <a:cs typeface="+mn-cs"/>
       </a:defRPr>
     </a:lvl1pPr>
-    <a:lvl2pPr marL="457200" algn="l" defTabSz="914400" rtl="0" eaLnBrk="1" latinLnBrk="0" hangingPunct="1">
+    <a:lvl2pPr marL="457200" algn="l" defTabSz="457200" rtl="0" eaLnBrk="1" latinLnBrk="0" hangingPunct="1">
       <a:defRPr sz="1800" kern="1200">
         <a:solidFill>
           <a:schemeClr val="tx1"/>
@@ -34,7 +37,7 @@
         <a:cs typeface="+mn-cs"/>
       </a:defRPr>
     </a:lvl2pPr>
-    <a:lvl3pPr marL="914400" algn="l" defTabSz="914400" rtl="0" eaLnBrk="1" latinLnBrk="0" hangingPunct="1">
+    <a:lvl3pPr marL="914400" algn="l" defTabSz="457200" rtl="0" eaLnBrk="1" latinLnBrk="0" hangingPunct="1">
       <a:defRPr sz="1800" kern="1200">
         <a:solidFill>
           <a:schemeClr val="tx1"/>
@@ -44,7 +47,7 @@
         <a:cs typeface="+mn-cs"/>
       </a:defRPr>
     </a:lvl3pPr>
-    <a:lvl4pPr marL="1371600" algn="l" defTabSz="914400" rtl="0" eaLnBrk="1" latinLnBrk="0" hangingPunct="1">
+    <a:lvl4pPr marL="1371600" algn="l" defTabSz="457200" rtl="0" eaLnBrk="1" latinLnBrk="0" hangingPunct="1">
       <a:defRPr sz="1800" kern="1200">
         <a:solidFill>
           <a:schemeClr val="tx1"/>
@@ -54,7 +57,7 @@
         <a:cs typeface="+mn-cs"/>
       </a:defRPr>
     </a:lvl4pPr>
-    <a:lvl5pPr marL="1828800" algn="l" defTabSz="914400" rtl="0" eaLnBrk="1" latinLnBrk="0" hangingPunct="1">
+    <a:lvl5pPr marL="1828800" algn="l" defTabSz="457200" rtl="0" eaLnBrk="1" latinLnBrk="0" hangingPunct="1">
       <a:defRPr sz="1800" kern="1200">
         <a:solidFill>
           <a:schemeClr val="tx1"/>
@@ -64,7 +67,7 @@
         <a:cs typeface="+mn-cs"/>
       </a:defRPr>
     </a:lvl5pPr>
-    <a:lvl6pPr marL="2286000" algn="l" defTabSz="914400" rtl="0" eaLnBrk="1" latinLnBrk="0" hangingPunct="1">
+    <a:lvl6pPr marL="2286000" algn="l" defTabSz="457200" rtl="0" eaLnBrk="1" latinLnBrk="0" hangingPunct="1">
       <a:defRPr sz="1800" kern="1200">
         <a:solidFill>
           <a:schemeClr val="tx1"/>
@@ -74,7 +77,7 @@
         <a:cs typeface="+mn-cs"/>
       </a:defRPr>
     </a:lvl6pPr>
-    <a:lvl7pPr marL="2743200" algn="l" defTabSz="914400" rtl="0" eaLnBrk="1" latinLnBrk="0" hangingPunct="1">
+    <a:lvl7pPr marL="2743200" algn="l" defTabSz="457200" rtl="0" eaLnBrk="1" latinLnBrk="0" hangingPunct="1">
       <a:defRPr sz="1800" kern="1200">
         <a:solidFill>
           <a:schemeClr val="tx1"/>
@@ -84,7 +87,7 @@
         <a:cs typeface="+mn-cs"/>
       </a:defRPr>
     </a:lvl7pPr>
-    <a:lvl8pPr marL="3200400" algn="l" defTabSz="914400" rtl="0" eaLnBrk="1" latinLnBrk="0" hangingPunct="1">
+    <a:lvl8pPr marL="3200400" algn="l" defTabSz="457200" rtl="0" eaLnBrk="1" latinLnBrk="0" hangingPunct="1">
       <a:defRPr sz="1800" kern="1200">
         <a:solidFill>
           <a:schemeClr val="tx1"/>
@@ -94,7 +97,7 @@
         <a:cs typeface="+mn-cs"/>
       </a:defRPr>
     </a:lvl8pPr>
-    <a:lvl9pPr marL="3657600" algn="l" defTabSz="914400" rtl="0" eaLnBrk="1" latinLnBrk="0" hangingPunct="1">
+    <a:lvl9pPr marL="3657600" algn="l" defTabSz="457200" rtl="0" eaLnBrk="1" latinLnBrk="0" hangingPunct="1">
       <a:defRPr sz="1800" kern="1200">
         <a:solidFill>
           <a:schemeClr val="tx1"/>
@@ -105,6 +108,11 @@
       </a:defRPr>
     </a:lvl9pPr>
   </p:defaultTextStyle>
+  <p:extLst>
+    <p:ext uri="{EFAFB233-063F-42B5-8137-9DF3F51BA10A}">
+      <p15:sldGuideLst xmlns:p15="http://schemas.microsoft.com/office/powerpoint/2012/main"/>
+    </p:ext>
+  </p:extLst>
 </p:presentation>
 </file>
 
@@ -127,13 +135,7 @@
       </p:grpSpPr>
       <p:sp>
         <p:nvSpPr>
-          <p:cNvPr id="2" name="Title 1">
-            <a:extLst>
-              <a:ext uri="{FF2B5EF4-FFF2-40B4-BE49-F238E27FC236}">
-                <a16:creationId xmlns:a16="http://schemas.microsoft.com/office/drawing/2014/main" id="{3F251CED-0463-868E-EF06-270EB0C0DAEE}"/>
-              </a:ext>
-            </a:extLst>
-          </p:cNvPr>
+          <p:cNvPr id="2" name="Title 1"/>
           <p:cNvSpPr>
             <a:spLocks noGrp="1"/>
           </p:cNvSpPr>
@@ -159,18 +161,13 @@
               <a:rPr lang="en-US"/>
               <a:t>Click to edit Master title style</a:t>
             </a:r>
-          </a:p>
-        </p:txBody>
-      </p:sp>
-      <p:sp>
-        <p:nvSpPr>
-          <p:cNvPr id="3" name="Subtitle 2">
-            <a:extLst>
-              <a:ext uri="{FF2B5EF4-FFF2-40B4-BE49-F238E27FC236}">
-                <a16:creationId xmlns:a16="http://schemas.microsoft.com/office/drawing/2014/main" id="{7DE19C27-102F-171D-2A0E-DD8CD0E68E2D}"/>
-              </a:ext>
-            </a:extLst>
-          </p:cNvPr>
+            <a:endParaRPr lang="en-US" dirty="0"/>
+          </a:p>
+        </p:txBody>
+      </p:sp>
+      <p:sp>
+        <p:nvSpPr>
+          <p:cNvPr id="3" name="Subtitle 2"/>
           <p:cNvSpPr>
             <a:spLocks noGrp="1"/>
           </p:cNvSpPr>
@@ -229,18 +226,13 @@
               <a:rPr lang="en-US"/>
               <a:t>Click to edit Master subtitle style</a:t>
             </a:r>
-          </a:p>
-        </p:txBody>
-      </p:sp>
-      <p:sp>
-        <p:nvSpPr>
-          <p:cNvPr id="4" name="Date Placeholder 3">
-            <a:extLst>
-              <a:ext uri="{FF2B5EF4-FFF2-40B4-BE49-F238E27FC236}">
-                <a16:creationId xmlns:a16="http://schemas.microsoft.com/office/drawing/2014/main" id="{04D87561-920C-E1A8-74DF-4C60838DABA3}"/>
-              </a:ext>
-            </a:extLst>
-          </p:cNvPr>
+            <a:endParaRPr lang="en-US" dirty="0"/>
+          </a:p>
+        </p:txBody>
+      </p:sp>
+      <p:sp>
+        <p:nvSpPr>
+          <p:cNvPr id="4" name="Date Placeholder 3"/>
           <p:cNvSpPr>
             <a:spLocks noGrp="1"/>
           </p:cNvSpPr>
@@ -255,7 +247,7 @@
           <a:p>
             <a:fld id="{8163C3DD-D8C3-4164-81E8-B3D71247B728}" type="datetimeFigureOut">
               <a:rPr lang="en-US" smtClean="0"/>
-              <a:t>7/10/2023</a:t>
+              <a:t>7/13/2023</a:t>
             </a:fld>
             <a:endParaRPr lang="en-US"/>
           </a:p>
@@ -263,13 +255,7 @@
       </p:sp>
       <p:sp>
         <p:nvSpPr>
-          <p:cNvPr id="5" name="Footer Placeholder 4">
-            <a:extLst>
-              <a:ext uri="{FF2B5EF4-FFF2-40B4-BE49-F238E27FC236}">
-                <a16:creationId xmlns:a16="http://schemas.microsoft.com/office/drawing/2014/main" id="{9BDC049B-7661-EB2B-2920-AAE84D05819F}"/>
-              </a:ext>
-            </a:extLst>
-          </p:cNvPr>
+          <p:cNvPr id="5" name="Footer Placeholder 4"/>
           <p:cNvSpPr>
             <a:spLocks noGrp="1"/>
           </p:cNvSpPr>
@@ -288,13 +274,7 @@
       </p:sp>
       <p:sp>
         <p:nvSpPr>
-          <p:cNvPr id="6" name="Slide Number Placeholder 5">
-            <a:extLst>
-              <a:ext uri="{FF2B5EF4-FFF2-40B4-BE49-F238E27FC236}">
-                <a16:creationId xmlns:a16="http://schemas.microsoft.com/office/drawing/2014/main" id="{AB38D485-B664-5789-3806-77A9D65047C2}"/>
-              </a:ext>
-            </a:extLst>
-          </p:cNvPr>
+          <p:cNvPr id="6" name="Slide Number Placeholder 5"/>
           <p:cNvSpPr>
             <a:spLocks noGrp="1"/>
           </p:cNvSpPr>
@@ -318,7 +298,7 @@
     </p:spTree>
     <p:extLst>
       <p:ext uri="{BB962C8B-B14F-4D97-AF65-F5344CB8AC3E}">
-        <p14:creationId xmlns:p14="http://schemas.microsoft.com/office/powerpoint/2010/main" val="1200265741"/>
+        <p14:creationId xmlns:p14="http://schemas.microsoft.com/office/powerpoint/2010/main" val="105471742"/>
       </p:ext>
     </p:extLst>
   </p:cSld>
@@ -347,13 +327,7 @@
       </p:grpSpPr>
       <p:sp>
         <p:nvSpPr>
-          <p:cNvPr id="2" name="Title 1">
-            <a:extLst>
-              <a:ext uri="{FF2B5EF4-FFF2-40B4-BE49-F238E27FC236}">
-                <a16:creationId xmlns:a16="http://schemas.microsoft.com/office/drawing/2014/main" id="{23C4D6B9-4F5A-8F65-AE46-688E737E5ABB}"/>
-              </a:ext>
-            </a:extLst>
-          </p:cNvPr>
+          <p:cNvPr id="2" name="Title 1"/>
           <p:cNvSpPr>
             <a:spLocks noGrp="1"/>
           </p:cNvSpPr>
@@ -370,18 +344,13 @@
               <a:rPr lang="en-US"/>
               <a:t>Click to edit Master title style</a:t>
             </a:r>
-          </a:p>
-        </p:txBody>
-      </p:sp>
-      <p:sp>
-        <p:nvSpPr>
-          <p:cNvPr id="3" name="Vertical Text Placeholder 2">
-            <a:extLst>
-              <a:ext uri="{FF2B5EF4-FFF2-40B4-BE49-F238E27FC236}">
-                <a16:creationId xmlns:a16="http://schemas.microsoft.com/office/drawing/2014/main" id="{6D5E7CCA-B8B4-BC3B-2D4E-7BA271C550D3}"/>
-              </a:ext>
-            </a:extLst>
-          </p:cNvPr>
+            <a:endParaRPr lang="en-US" dirty="0"/>
+          </a:p>
+        </p:txBody>
+      </p:sp>
+      <p:sp>
+        <p:nvSpPr>
+          <p:cNvPr id="3" name="Vertical Text Placeholder 2"/>
           <p:cNvSpPr>
             <a:spLocks noGrp="1"/>
           </p:cNvSpPr>
@@ -427,18 +396,13 @@
               <a:rPr lang="en-US"/>
               <a:t>Fifth level</a:t>
             </a:r>
-          </a:p>
-        </p:txBody>
-      </p:sp>
-      <p:sp>
-        <p:nvSpPr>
-          <p:cNvPr id="4" name="Date Placeholder 3">
-            <a:extLst>
-              <a:ext uri="{FF2B5EF4-FFF2-40B4-BE49-F238E27FC236}">
-                <a16:creationId xmlns:a16="http://schemas.microsoft.com/office/drawing/2014/main" id="{2A9A48E3-32FC-9BE1-950A-F94A62736F2E}"/>
-              </a:ext>
-            </a:extLst>
-          </p:cNvPr>
+            <a:endParaRPr lang="en-US" dirty="0"/>
+          </a:p>
+        </p:txBody>
+      </p:sp>
+      <p:sp>
+        <p:nvSpPr>
+          <p:cNvPr id="4" name="Date Placeholder 3"/>
           <p:cNvSpPr>
             <a:spLocks noGrp="1"/>
           </p:cNvSpPr>
@@ -453,7 +417,7 @@
           <a:p>
             <a:fld id="{8163C3DD-D8C3-4164-81E8-B3D71247B728}" type="datetimeFigureOut">
               <a:rPr lang="en-US" smtClean="0"/>
-              <a:t>7/10/2023</a:t>
+              <a:t>7/13/2023</a:t>
             </a:fld>
             <a:endParaRPr lang="en-US"/>
           </a:p>
@@ -461,13 +425,7 @@
       </p:sp>
       <p:sp>
         <p:nvSpPr>
-          <p:cNvPr id="5" name="Footer Placeholder 4">
-            <a:extLst>
-              <a:ext uri="{FF2B5EF4-FFF2-40B4-BE49-F238E27FC236}">
-                <a16:creationId xmlns:a16="http://schemas.microsoft.com/office/drawing/2014/main" id="{D7499F74-98A7-C36F-6D6E-2B22AA3B2718}"/>
-              </a:ext>
-            </a:extLst>
-          </p:cNvPr>
+          <p:cNvPr id="5" name="Footer Placeholder 4"/>
           <p:cNvSpPr>
             <a:spLocks noGrp="1"/>
           </p:cNvSpPr>
@@ -486,13 +444,7 @@
       </p:sp>
       <p:sp>
         <p:nvSpPr>
-          <p:cNvPr id="6" name="Slide Number Placeholder 5">
-            <a:extLst>
-              <a:ext uri="{FF2B5EF4-FFF2-40B4-BE49-F238E27FC236}">
-                <a16:creationId xmlns:a16="http://schemas.microsoft.com/office/drawing/2014/main" id="{2D2512CD-CB3C-1A19-8B58-6C1B149CD60E}"/>
-              </a:ext>
-            </a:extLst>
-          </p:cNvPr>
+          <p:cNvPr id="6" name="Slide Number Placeholder 5"/>
           <p:cNvSpPr>
             <a:spLocks noGrp="1"/>
           </p:cNvSpPr>
@@ -516,7 +468,7 @@
     </p:spTree>
     <p:extLst>
       <p:ext uri="{BB962C8B-B14F-4D97-AF65-F5344CB8AC3E}">
-        <p14:creationId xmlns:p14="http://schemas.microsoft.com/office/powerpoint/2010/main" val="2987651694"/>
+        <p14:creationId xmlns:p14="http://schemas.microsoft.com/office/powerpoint/2010/main" val="301988328"/>
       </p:ext>
     </p:extLst>
   </p:cSld>
@@ -545,13 +497,7 @@
       </p:grpSpPr>
       <p:sp>
         <p:nvSpPr>
-          <p:cNvPr id="2" name="Vertical Title 1">
-            <a:extLst>
-              <a:ext uri="{FF2B5EF4-FFF2-40B4-BE49-F238E27FC236}">
-                <a16:creationId xmlns:a16="http://schemas.microsoft.com/office/drawing/2014/main" id="{64BDDCD9-2E04-528F-2CAD-ABD68C845F84}"/>
-              </a:ext>
-            </a:extLst>
-          </p:cNvPr>
+          <p:cNvPr id="2" name="Vertical Title 1"/>
           <p:cNvSpPr>
             <a:spLocks noGrp="1"/>
           </p:cNvSpPr>
@@ -573,18 +519,13 @@
               <a:rPr lang="en-US"/>
               <a:t>Click to edit Master title style</a:t>
             </a:r>
-          </a:p>
-        </p:txBody>
-      </p:sp>
-      <p:sp>
-        <p:nvSpPr>
-          <p:cNvPr id="3" name="Vertical Text Placeholder 2">
-            <a:extLst>
-              <a:ext uri="{FF2B5EF4-FFF2-40B4-BE49-F238E27FC236}">
-                <a16:creationId xmlns:a16="http://schemas.microsoft.com/office/drawing/2014/main" id="{BF76E7D4-94DF-2578-CC3E-493EDB81F4A0}"/>
-              </a:ext>
-            </a:extLst>
-          </p:cNvPr>
+            <a:endParaRPr lang="en-US" dirty="0"/>
+          </a:p>
+        </p:txBody>
+      </p:sp>
+      <p:sp>
+        <p:nvSpPr>
+          <p:cNvPr id="3" name="Vertical Text Placeholder 2"/>
           <p:cNvSpPr>
             <a:spLocks noGrp="1"/>
           </p:cNvSpPr>
@@ -635,18 +576,13 @@
               <a:rPr lang="en-US"/>
               <a:t>Fifth level</a:t>
             </a:r>
-          </a:p>
-        </p:txBody>
-      </p:sp>
-      <p:sp>
-        <p:nvSpPr>
-          <p:cNvPr id="4" name="Date Placeholder 3">
-            <a:extLst>
-              <a:ext uri="{FF2B5EF4-FFF2-40B4-BE49-F238E27FC236}">
-                <a16:creationId xmlns:a16="http://schemas.microsoft.com/office/drawing/2014/main" id="{5427A316-C1BF-0FEA-0A09-4131EA7EE474}"/>
-              </a:ext>
-            </a:extLst>
-          </p:cNvPr>
+            <a:endParaRPr lang="en-US" dirty="0"/>
+          </a:p>
+        </p:txBody>
+      </p:sp>
+      <p:sp>
+        <p:nvSpPr>
+          <p:cNvPr id="4" name="Date Placeholder 3"/>
           <p:cNvSpPr>
             <a:spLocks noGrp="1"/>
           </p:cNvSpPr>
@@ -661,7 +597,7 @@
           <a:p>
             <a:fld id="{8163C3DD-D8C3-4164-81E8-B3D71247B728}" type="datetimeFigureOut">
               <a:rPr lang="en-US" smtClean="0"/>
-              <a:t>7/10/2023</a:t>
+              <a:t>7/13/2023</a:t>
             </a:fld>
             <a:endParaRPr lang="en-US"/>
           </a:p>
@@ -669,13 +605,7 @@
       </p:sp>
       <p:sp>
         <p:nvSpPr>
-          <p:cNvPr id="5" name="Footer Placeholder 4">
-            <a:extLst>
-              <a:ext uri="{FF2B5EF4-FFF2-40B4-BE49-F238E27FC236}">
-                <a16:creationId xmlns:a16="http://schemas.microsoft.com/office/drawing/2014/main" id="{3DD0DA3F-9459-6453-3D48-766324335C80}"/>
-              </a:ext>
-            </a:extLst>
-          </p:cNvPr>
+          <p:cNvPr id="5" name="Footer Placeholder 4"/>
           <p:cNvSpPr>
             <a:spLocks noGrp="1"/>
           </p:cNvSpPr>
@@ -694,13 +624,7 @@
       </p:sp>
       <p:sp>
         <p:nvSpPr>
-          <p:cNvPr id="6" name="Slide Number Placeholder 5">
-            <a:extLst>
-              <a:ext uri="{FF2B5EF4-FFF2-40B4-BE49-F238E27FC236}">
-                <a16:creationId xmlns:a16="http://schemas.microsoft.com/office/drawing/2014/main" id="{5FAAA7FF-1E1C-CA2A-DE17-DE3033182A31}"/>
-              </a:ext>
-            </a:extLst>
-          </p:cNvPr>
+          <p:cNvPr id="6" name="Slide Number Placeholder 5"/>
           <p:cNvSpPr>
             <a:spLocks noGrp="1"/>
           </p:cNvSpPr>
@@ -724,7 +648,7 @@
     </p:spTree>
     <p:extLst>
       <p:ext uri="{BB962C8B-B14F-4D97-AF65-F5344CB8AC3E}">
-        <p14:creationId xmlns:p14="http://schemas.microsoft.com/office/powerpoint/2010/main" val="518659955"/>
+        <p14:creationId xmlns:p14="http://schemas.microsoft.com/office/powerpoint/2010/main" val="2972681002"/>
       </p:ext>
     </p:extLst>
   </p:cSld>
@@ -753,13 +677,7 @@
       </p:grpSpPr>
       <p:sp>
         <p:nvSpPr>
-          <p:cNvPr id="2" name="Title 1">
-            <a:extLst>
-              <a:ext uri="{FF2B5EF4-FFF2-40B4-BE49-F238E27FC236}">
-                <a16:creationId xmlns:a16="http://schemas.microsoft.com/office/drawing/2014/main" id="{74A81ADF-4262-E301-2614-1BE406E115B1}"/>
-              </a:ext>
-            </a:extLst>
-          </p:cNvPr>
+          <p:cNvPr id="2" name="Title 1"/>
           <p:cNvSpPr>
             <a:spLocks noGrp="1"/>
           </p:cNvSpPr>
@@ -776,18 +694,13 @@
               <a:rPr lang="en-US"/>
               <a:t>Click to edit Master title style</a:t>
             </a:r>
-          </a:p>
-        </p:txBody>
-      </p:sp>
-      <p:sp>
-        <p:nvSpPr>
-          <p:cNvPr id="3" name="Content Placeholder 2">
-            <a:extLst>
-              <a:ext uri="{FF2B5EF4-FFF2-40B4-BE49-F238E27FC236}">
-                <a16:creationId xmlns:a16="http://schemas.microsoft.com/office/drawing/2014/main" id="{6E766ACB-DDE9-8886-C842-C9A4ED731460}"/>
-              </a:ext>
-            </a:extLst>
-          </p:cNvPr>
+            <a:endParaRPr lang="en-US" dirty="0"/>
+          </a:p>
+        </p:txBody>
+      </p:sp>
+      <p:sp>
+        <p:nvSpPr>
+          <p:cNvPr id="3" name="Content Placeholder 2"/>
           <p:cNvSpPr>
             <a:spLocks noGrp="1"/>
           </p:cNvSpPr>
@@ -833,18 +746,13 @@
               <a:rPr lang="en-US"/>
               <a:t>Fifth level</a:t>
             </a:r>
-          </a:p>
-        </p:txBody>
-      </p:sp>
-      <p:sp>
-        <p:nvSpPr>
-          <p:cNvPr id="4" name="Date Placeholder 3">
-            <a:extLst>
-              <a:ext uri="{FF2B5EF4-FFF2-40B4-BE49-F238E27FC236}">
-                <a16:creationId xmlns:a16="http://schemas.microsoft.com/office/drawing/2014/main" id="{D4FD9043-1A10-970C-7F8A-EE0A65DA9924}"/>
-              </a:ext>
-            </a:extLst>
-          </p:cNvPr>
+            <a:endParaRPr lang="en-US" dirty="0"/>
+          </a:p>
+        </p:txBody>
+      </p:sp>
+      <p:sp>
+        <p:nvSpPr>
+          <p:cNvPr id="4" name="Date Placeholder 3"/>
           <p:cNvSpPr>
             <a:spLocks noGrp="1"/>
           </p:cNvSpPr>
@@ -859,7 +767,7 @@
           <a:p>
             <a:fld id="{8163C3DD-D8C3-4164-81E8-B3D71247B728}" type="datetimeFigureOut">
               <a:rPr lang="en-US" smtClean="0"/>
-              <a:t>7/10/2023</a:t>
+              <a:t>7/13/2023</a:t>
             </a:fld>
             <a:endParaRPr lang="en-US"/>
           </a:p>
@@ -867,13 +775,7 @@
       </p:sp>
       <p:sp>
         <p:nvSpPr>
-          <p:cNvPr id="5" name="Footer Placeholder 4">
-            <a:extLst>
-              <a:ext uri="{FF2B5EF4-FFF2-40B4-BE49-F238E27FC236}">
-                <a16:creationId xmlns:a16="http://schemas.microsoft.com/office/drawing/2014/main" id="{5D14628E-E33D-5019-A5B2-5903ABA17BDC}"/>
-              </a:ext>
-            </a:extLst>
-          </p:cNvPr>
+          <p:cNvPr id="5" name="Footer Placeholder 4"/>
           <p:cNvSpPr>
             <a:spLocks noGrp="1"/>
           </p:cNvSpPr>
@@ -892,13 +794,7 @@
       </p:sp>
       <p:sp>
         <p:nvSpPr>
-          <p:cNvPr id="6" name="Slide Number Placeholder 5">
-            <a:extLst>
-              <a:ext uri="{FF2B5EF4-FFF2-40B4-BE49-F238E27FC236}">
-                <a16:creationId xmlns:a16="http://schemas.microsoft.com/office/drawing/2014/main" id="{94F7C66F-2FAE-24B3-7EF3-1CDF3D6C293B}"/>
-              </a:ext>
-            </a:extLst>
-          </p:cNvPr>
+          <p:cNvPr id="6" name="Slide Number Placeholder 5"/>
           <p:cNvSpPr>
             <a:spLocks noGrp="1"/>
           </p:cNvSpPr>
@@ -922,7 +818,7 @@
     </p:spTree>
     <p:extLst>
       <p:ext uri="{BB962C8B-B14F-4D97-AF65-F5344CB8AC3E}">
-        <p14:creationId xmlns:p14="http://schemas.microsoft.com/office/powerpoint/2010/main" val="4105971977"/>
+        <p14:creationId xmlns:p14="http://schemas.microsoft.com/office/powerpoint/2010/main" val="1622741911"/>
       </p:ext>
     </p:extLst>
   </p:cSld>
@@ -951,13 +847,7 @@
       </p:grpSpPr>
       <p:sp>
         <p:nvSpPr>
-          <p:cNvPr id="2" name="Title 1">
-            <a:extLst>
-              <a:ext uri="{FF2B5EF4-FFF2-40B4-BE49-F238E27FC236}">
-                <a16:creationId xmlns:a16="http://schemas.microsoft.com/office/drawing/2014/main" id="{DC8D6064-D825-6421-DBCA-6AF25EF5E2D4}"/>
-              </a:ext>
-            </a:extLst>
-          </p:cNvPr>
+          <p:cNvPr id="2" name="Title 1"/>
           <p:cNvSpPr>
             <a:spLocks noGrp="1"/>
           </p:cNvSpPr>
@@ -983,18 +873,13 @@
               <a:rPr lang="en-US"/>
               <a:t>Click to edit Master title style</a:t>
             </a:r>
-          </a:p>
-        </p:txBody>
-      </p:sp>
-      <p:sp>
-        <p:nvSpPr>
-          <p:cNvPr id="3" name="Text Placeholder 2">
-            <a:extLst>
-              <a:ext uri="{FF2B5EF4-FFF2-40B4-BE49-F238E27FC236}">
-                <a16:creationId xmlns:a16="http://schemas.microsoft.com/office/drawing/2014/main" id="{E08224AA-5226-736B-9583-E27DF5DC4B23}"/>
-              </a:ext>
-            </a:extLst>
-          </p:cNvPr>
+            <a:endParaRPr lang="en-US" dirty="0"/>
+          </a:p>
+        </p:txBody>
+      </p:sp>
+      <p:sp>
+        <p:nvSpPr>
+          <p:cNvPr id="3" name="Text Placeholder 2"/>
           <p:cNvSpPr>
             <a:spLocks noGrp="1"/>
           </p:cNvSpPr>
@@ -1113,13 +998,7 @@
       </p:sp>
       <p:sp>
         <p:nvSpPr>
-          <p:cNvPr id="4" name="Date Placeholder 3">
-            <a:extLst>
-              <a:ext uri="{FF2B5EF4-FFF2-40B4-BE49-F238E27FC236}">
-                <a16:creationId xmlns:a16="http://schemas.microsoft.com/office/drawing/2014/main" id="{3BFA579E-ED1B-C4A5-1423-8D6C76977A70}"/>
-              </a:ext>
-            </a:extLst>
-          </p:cNvPr>
+          <p:cNvPr id="4" name="Date Placeholder 3"/>
           <p:cNvSpPr>
             <a:spLocks noGrp="1"/>
           </p:cNvSpPr>
@@ -1134,7 +1013,7 @@
           <a:p>
             <a:fld id="{8163C3DD-D8C3-4164-81E8-B3D71247B728}" type="datetimeFigureOut">
               <a:rPr lang="en-US" smtClean="0"/>
-              <a:t>7/10/2023</a:t>
+              <a:t>7/13/2023</a:t>
             </a:fld>
             <a:endParaRPr lang="en-US"/>
           </a:p>
@@ -1142,13 +1021,7 @@
       </p:sp>
       <p:sp>
         <p:nvSpPr>
-          <p:cNvPr id="5" name="Footer Placeholder 4">
-            <a:extLst>
-              <a:ext uri="{FF2B5EF4-FFF2-40B4-BE49-F238E27FC236}">
-                <a16:creationId xmlns:a16="http://schemas.microsoft.com/office/drawing/2014/main" id="{F5ED07C1-1EFD-FFB6-2C70-BAED106EDAA6}"/>
-              </a:ext>
-            </a:extLst>
-          </p:cNvPr>
+          <p:cNvPr id="5" name="Footer Placeholder 4"/>
           <p:cNvSpPr>
             <a:spLocks noGrp="1"/>
           </p:cNvSpPr>
@@ -1167,13 +1040,7 @@
       </p:sp>
       <p:sp>
         <p:nvSpPr>
-          <p:cNvPr id="6" name="Slide Number Placeholder 5">
-            <a:extLst>
-              <a:ext uri="{FF2B5EF4-FFF2-40B4-BE49-F238E27FC236}">
-                <a16:creationId xmlns:a16="http://schemas.microsoft.com/office/drawing/2014/main" id="{39C4CF6F-0192-1663-B3BB-EB9B6DB5EBB9}"/>
-              </a:ext>
-            </a:extLst>
-          </p:cNvPr>
+          <p:cNvPr id="6" name="Slide Number Placeholder 5"/>
           <p:cNvSpPr>
             <a:spLocks noGrp="1"/>
           </p:cNvSpPr>
@@ -1197,7 +1064,7 @@
     </p:spTree>
     <p:extLst>
       <p:ext uri="{BB962C8B-B14F-4D97-AF65-F5344CB8AC3E}">
-        <p14:creationId xmlns:p14="http://schemas.microsoft.com/office/powerpoint/2010/main" val="3807516055"/>
+        <p14:creationId xmlns:p14="http://schemas.microsoft.com/office/powerpoint/2010/main" val="1712113127"/>
       </p:ext>
     </p:extLst>
   </p:cSld>
@@ -1226,13 +1093,7 @@
       </p:grpSpPr>
       <p:sp>
         <p:nvSpPr>
-          <p:cNvPr id="2" name="Title 1">
-            <a:extLst>
-              <a:ext uri="{FF2B5EF4-FFF2-40B4-BE49-F238E27FC236}">
-                <a16:creationId xmlns:a16="http://schemas.microsoft.com/office/drawing/2014/main" id="{2F9C2826-0BC9-A33E-981E-65685E11CA3E}"/>
-              </a:ext>
-            </a:extLst>
-          </p:cNvPr>
+          <p:cNvPr id="2" name="Title 1"/>
           <p:cNvSpPr>
             <a:spLocks noGrp="1"/>
           </p:cNvSpPr>
@@ -1249,18 +1110,13 @@
               <a:rPr lang="en-US"/>
               <a:t>Click to edit Master title style</a:t>
             </a:r>
-          </a:p>
-        </p:txBody>
-      </p:sp>
-      <p:sp>
-        <p:nvSpPr>
-          <p:cNvPr id="3" name="Content Placeholder 2">
-            <a:extLst>
-              <a:ext uri="{FF2B5EF4-FFF2-40B4-BE49-F238E27FC236}">
-                <a16:creationId xmlns:a16="http://schemas.microsoft.com/office/drawing/2014/main" id="{57AA21D4-16EB-86AB-C849-7EBB67CFFED9}"/>
-              </a:ext>
-            </a:extLst>
-          </p:cNvPr>
+            <a:endParaRPr lang="en-US" dirty="0"/>
+          </a:p>
+        </p:txBody>
+      </p:sp>
+      <p:sp>
+        <p:nvSpPr>
+          <p:cNvPr id="3" name="Content Placeholder 2"/>
           <p:cNvSpPr>
             <a:spLocks noGrp="1"/>
           </p:cNvSpPr>
@@ -1311,18 +1167,13 @@
               <a:rPr lang="en-US"/>
               <a:t>Fifth level</a:t>
             </a:r>
-          </a:p>
-        </p:txBody>
-      </p:sp>
-      <p:sp>
-        <p:nvSpPr>
-          <p:cNvPr id="4" name="Content Placeholder 3">
-            <a:extLst>
-              <a:ext uri="{FF2B5EF4-FFF2-40B4-BE49-F238E27FC236}">
-                <a16:creationId xmlns:a16="http://schemas.microsoft.com/office/drawing/2014/main" id="{363EDDF8-D447-4D25-B409-46632A8A6E5E}"/>
-              </a:ext>
-            </a:extLst>
-          </p:cNvPr>
+            <a:endParaRPr lang="en-US" dirty="0"/>
+          </a:p>
+        </p:txBody>
+      </p:sp>
+      <p:sp>
+        <p:nvSpPr>
+          <p:cNvPr id="4" name="Content Placeholder 3"/>
           <p:cNvSpPr>
             <a:spLocks noGrp="1"/>
           </p:cNvSpPr>
@@ -1373,18 +1224,13 @@
               <a:rPr lang="en-US"/>
               <a:t>Fifth level</a:t>
             </a:r>
-          </a:p>
-        </p:txBody>
-      </p:sp>
-      <p:sp>
-        <p:nvSpPr>
-          <p:cNvPr id="5" name="Date Placeholder 4">
-            <a:extLst>
-              <a:ext uri="{FF2B5EF4-FFF2-40B4-BE49-F238E27FC236}">
-                <a16:creationId xmlns:a16="http://schemas.microsoft.com/office/drawing/2014/main" id="{B5F082C4-B9FD-8413-F63A-4A1B84B59F0E}"/>
-              </a:ext>
-            </a:extLst>
-          </p:cNvPr>
+            <a:endParaRPr lang="en-US" dirty="0"/>
+          </a:p>
+        </p:txBody>
+      </p:sp>
+      <p:sp>
+        <p:nvSpPr>
+          <p:cNvPr id="5" name="Date Placeholder 4"/>
           <p:cNvSpPr>
             <a:spLocks noGrp="1"/>
           </p:cNvSpPr>
@@ -1399,7 +1245,7 @@
           <a:p>
             <a:fld id="{8163C3DD-D8C3-4164-81E8-B3D71247B728}" type="datetimeFigureOut">
               <a:rPr lang="en-US" smtClean="0"/>
-              <a:t>7/10/2023</a:t>
+              <a:t>7/13/2023</a:t>
             </a:fld>
             <a:endParaRPr lang="en-US"/>
           </a:p>
@@ -1407,13 +1253,7 @@
       </p:sp>
       <p:sp>
         <p:nvSpPr>
-          <p:cNvPr id="6" name="Footer Placeholder 5">
-            <a:extLst>
-              <a:ext uri="{FF2B5EF4-FFF2-40B4-BE49-F238E27FC236}">
-                <a16:creationId xmlns:a16="http://schemas.microsoft.com/office/drawing/2014/main" id="{6A042DE6-687A-1992-E2A7-7D96514D5912}"/>
-              </a:ext>
-            </a:extLst>
-          </p:cNvPr>
+          <p:cNvPr id="6" name="Footer Placeholder 5"/>
           <p:cNvSpPr>
             <a:spLocks noGrp="1"/>
           </p:cNvSpPr>
@@ -1432,13 +1272,7 @@
       </p:sp>
       <p:sp>
         <p:nvSpPr>
-          <p:cNvPr id="7" name="Slide Number Placeholder 6">
-            <a:extLst>
-              <a:ext uri="{FF2B5EF4-FFF2-40B4-BE49-F238E27FC236}">
-                <a16:creationId xmlns:a16="http://schemas.microsoft.com/office/drawing/2014/main" id="{8CA9D450-D69A-3EBE-A3E7-B58B0DDF06FA}"/>
-              </a:ext>
-            </a:extLst>
-          </p:cNvPr>
+          <p:cNvPr id="7" name="Slide Number Placeholder 6"/>
           <p:cNvSpPr>
             <a:spLocks noGrp="1"/>
           </p:cNvSpPr>
@@ -1462,7 +1296,7 @@
     </p:spTree>
     <p:extLst>
       <p:ext uri="{BB962C8B-B14F-4D97-AF65-F5344CB8AC3E}">
-        <p14:creationId xmlns:p14="http://schemas.microsoft.com/office/powerpoint/2010/main" val="1207095673"/>
+        <p14:creationId xmlns:p14="http://schemas.microsoft.com/office/powerpoint/2010/main" val="3464776284"/>
       </p:ext>
     </p:extLst>
   </p:cSld>
@@ -1491,13 +1325,7 @@
       </p:grpSpPr>
       <p:sp>
         <p:nvSpPr>
-          <p:cNvPr id="2" name="Title 1">
-            <a:extLst>
-              <a:ext uri="{FF2B5EF4-FFF2-40B4-BE49-F238E27FC236}">
-                <a16:creationId xmlns:a16="http://schemas.microsoft.com/office/drawing/2014/main" id="{91C704D1-8596-539D-2DF9-770307931838}"/>
-              </a:ext>
-            </a:extLst>
-          </p:cNvPr>
+          <p:cNvPr id="2" name="Title 1"/>
           <p:cNvSpPr>
             <a:spLocks noGrp="1"/>
           </p:cNvSpPr>
@@ -1519,18 +1347,13 @@
               <a:rPr lang="en-US"/>
               <a:t>Click to edit Master title style</a:t>
             </a:r>
-          </a:p>
-        </p:txBody>
-      </p:sp>
-      <p:sp>
-        <p:nvSpPr>
-          <p:cNvPr id="3" name="Text Placeholder 2">
-            <a:extLst>
-              <a:ext uri="{FF2B5EF4-FFF2-40B4-BE49-F238E27FC236}">
-                <a16:creationId xmlns:a16="http://schemas.microsoft.com/office/drawing/2014/main" id="{C56DA64C-AE5B-478B-538E-1C83E6688E94}"/>
-              </a:ext>
-            </a:extLst>
-          </p:cNvPr>
+            <a:endParaRPr lang="en-US" dirty="0"/>
+          </a:p>
+        </p:txBody>
+      </p:sp>
+      <p:sp>
+        <p:nvSpPr>
+          <p:cNvPr id="3" name="Text Placeholder 2"/>
           <p:cNvSpPr>
             <a:spLocks noGrp="1"/>
           </p:cNvSpPr>
@@ -1595,13 +1418,7 @@
       </p:sp>
       <p:sp>
         <p:nvSpPr>
-          <p:cNvPr id="4" name="Content Placeholder 3">
-            <a:extLst>
-              <a:ext uri="{FF2B5EF4-FFF2-40B4-BE49-F238E27FC236}">
-                <a16:creationId xmlns:a16="http://schemas.microsoft.com/office/drawing/2014/main" id="{88AC778A-F280-1B90-073C-A0253D5E5226}"/>
-              </a:ext>
-            </a:extLst>
-          </p:cNvPr>
+          <p:cNvPr id="4" name="Content Placeholder 3"/>
           <p:cNvSpPr>
             <a:spLocks noGrp="1"/>
           </p:cNvSpPr>
@@ -1652,18 +1469,13 @@
               <a:rPr lang="en-US"/>
               <a:t>Fifth level</a:t>
             </a:r>
-          </a:p>
-        </p:txBody>
-      </p:sp>
-      <p:sp>
-        <p:nvSpPr>
-          <p:cNvPr id="5" name="Text Placeholder 4">
-            <a:extLst>
-              <a:ext uri="{FF2B5EF4-FFF2-40B4-BE49-F238E27FC236}">
-                <a16:creationId xmlns:a16="http://schemas.microsoft.com/office/drawing/2014/main" id="{80FF5406-0495-CFAC-6E8C-FD25BA85EF4C}"/>
-              </a:ext>
-            </a:extLst>
-          </p:cNvPr>
+            <a:endParaRPr lang="en-US" dirty="0"/>
+          </a:p>
+        </p:txBody>
+      </p:sp>
+      <p:sp>
+        <p:nvSpPr>
+          <p:cNvPr id="5" name="Text Placeholder 4"/>
           <p:cNvSpPr>
             <a:spLocks noGrp="1"/>
           </p:cNvSpPr>
@@ -1728,13 +1540,7 @@
       </p:sp>
       <p:sp>
         <p:nvSpPr>
-          <p:cNvPr id="6" name="Content Placeholder 5">
-            <a:extLst>
-              <a:ext uri="{FF2B5EF4-FFF2-40B4-BE49-F238E27FC236}">
-                <a16:creationId xmlns:a16="http://schemas.microsoft.com/office/drawing/2014/main" id="{99533B10-EDC8-67D0-214B-196E5A258111}"/>
-              </a:ext>
-            </a:extLst>
-          </p:cNvPr>
+          <p:cNvPr id="6" name="Content Placeholder 5"/>
           <p:cNvSpPr>
             <a:spLocks noGrp="1"/>
           </p:cNvSpPr>
@@ -1785,18 +1591,13 @@
               <a:rPr lang="en-US"/>
               <a:t>Fifth level</a:t>
             </a:r>
-          </a:p>
-        </p:txBody>
-      </p:sp>
-      <p:sp>
-        <p:nvSpPr>
-          <p:cNvPr id="7" name="Date Placeholder 6">
-            <a:extLst>
-              <a:ext uri="{FF2B5EF4-FFF2-40B4-BE49-F238E27FC236}">
-                <a16:creationId xmlns:a16="http://schemas.microsoft.com/office/drawing/2014/main" id="{07918273-0F26-2273-511A-F1DEE8B65713}"/>
-              </a:ext>
-            </a:extLst>
-          </p:cNvPr>
+            <a:endParaRPr lang="en-US" dirty="0"/>
+          </a:p>
+        </p:txBody>
+      </p:sp>
+      <p:sp>
+        <p:nvSpPr>
+          <p:cNvPr id="7" name="Date Placeholder 6"/>
           <p:cNvSpPr>
             <a:spLocks noGrp="1"/>
           </p:cNvSpPr>
@@ -1811,7 +1612,7 @@
           <a:p>
             <a:fld id="{8163C3DD-D8C3-4164-81E8-B3D71247B728}" type="datetimeFigureOut">
               <a:rPr lang="en-US" smtClean="0"/>
-              <a:t>7/10/2023</a:t>
+              <a:t>7/13/2023</a:t>
             </a:fld>
             <a:endParaRPr lang="en-US"/>
           </a:p>
@@ -1819,13 +1620,7 @@
       </p:sp>
       <p:sp>
         <p:nvSpPr>
-          <p:cNvPr id="8" name="Footer Placeholder 7">
-            <a:extLst>
-              <a:ext uri="{FF2B5EF4-FFF2-40B4-BE49-F238E27FC236}">
-                <a16:creationId xmlns:a16="http://schemas.microsoft.com/office/drawing/2014/main" id="{414DBA28-A35F-6D5D-8BF3-C1F89B8B314B}"/>
-              </a:ext>
-            </a:extLst>
-          </p:cNvPr>
+          <p:cNvPr id="8" name="Footer Placeholder 7"/>
           <p:cNvSpPr>
             <a:spLocks noGrp="1"/>
           </p:cNvSpPr>
@@ -1844,13 +1639,7 @@
       </p:sp>
       <p:sp>
         <p:nvSpPr>
-          <p:cNvPr id="9" name="Slide Number Placeholder 8">
-            <a:extLst>
-              <a:ext uri="{FF2B5EF4-FFF2-40B4-BE49-F238E27FC236}">
-                <a16:creationId xmlns:a16="http://schemas.microsoft.com/office/drawing/2014/main" id="{0F997DF3-C441-3082-B5E6-6011CC94D668}"/>
-              </a:ext>
-            </a:extLst>
-          </p:cNvPr>
+          <p:cNvPr id="9" name="Slide Number Placeholder 8"/>
           <p:cNvSpPr>
             <a:spLocks noGrp="1"/>
           </p:cNvSpPr>
@@ -1874,7 +1663,7 @@
     </p:spTree>
     <p:extLst>
       <p:ext uri="{BB962C8B-B14F-4D97-AF65-F5344CB8AC3E}">
-        <p14:creationId xmlns:p14="http://schemas.microsoft.com/office/powerpoint/2010/main" val="3143995461"/>
+        <p14:creationId xmlns:p14="http://schemas.microsoft.com/office/powerpoint/2010/main" val="3945653664"/>
       </p:ext>
     </p:extLst>
   </p:cSld>
@@ -1903,13 +1692,7 @@
       </p:grpSpPr>
       <p:sp>
         <p:nvSpPr>
-          <p:cNvPr id="2" name="Title 1">
-            <a:extLst>
-              <a:ext uri="{FF2B5EF4-FFF2-40B4-BE49-F238E27FC236}">
-                <a16:creationId xmlns:a16="http://schemas.microsoft.com/office/drawing/2014/main" id="{FB809815-03BF-D953-F4F4-C19C01CADE77}"/>
-              </a:ext>
-            </a:extLst>
-          </p:cNvPr>
+          <p:cNvPr id="2" name="Title 1"/>
           <p:cNvSpPr>
             <a:spLocks noGrp="1"/>
           </p:cNvSpPr>
@@ -1926,18 +1709,13 @@
               <a:rPr lang="en-US"/>
               <a:t>Click to edit Master title style</a:t>
             </a:r>
-          </a:p>
-        </p:txBody>
-      </p:sp>
-      <p:sp>
-        <p:nvSpPr>
-          <p:cNvPr id="3" name="Date Placeholder 2">
-            <a:extLst>
-              <a:ext uri="{FF2B5EF4-FFF2-40B4-BE49-F238E27FC236}">
-                <a16:creationId xmlns:a16="http://schemas.microsoft.com/office/drawing/2014/main" id="{F549FFE1-5495-7A82-F20F-F023C029715D}"/>
-              </a:ext>
-            </a:extLst>
-          </p:cNvPr>
+            <a:endParaRPr lang="en-US" dirty="0"/>
+          </a:p>
+        </p:txBody>
+      </p:sp>
+      <p:sp>
+        <p:nvSpPr>
+          <p:cNvPr id="3" name="Date Placeholder 2"/>
           <p:cNvSpPr>
             <a:spLocks noGrp="1"/>
           </p:cNvSpPr>
@@ -1952,7 +1730,7 @@
           <a:p>
             <a:fld id="{8163C3DD-D8C3-4164-81E8-B3D71247B728}" type="datetimeFigureOut">
               <a:rPr lang="en-US" smtClean="0"/>
-              <a:t>7/10/2023</a:t>
+              <a:t>7/13/2023</a:t>
             </a:fld>
             <a:endParaRPr lang="en-US"/>
           </a:p>
@@ -1960,13 +1738,7 @@
       </p:sp>
       <p:sp>
         <p:nvSpPr>
-          <p:cNvPr id="4" name="Footer Placeholder 3">
-            <a:extLst>
-              <a:ext uri="{FF2B5EF4-FFF2-40B4-BE49-F238E27FC236}">
-                <a16:creationId xmlns:a16="http://schemas.microsoft.com/office/drawing/2014/main" id="{54E46B19-CB24-4EC9-89E6-A5AC26CFF30C}"/>
-              </a:ext>
-            </a:extLst>
-          </p:cNvPr>
+          <p:cNvPr id="4" name="Footer Placeholder 3"/>
           <p:cNvSpPr>
             <a:spLocks noGrp="1"/>
           </p:cNvSpPr>
@@ -1985,13 +1757,7 @@
       </p:sp>
       <p:sp>
         <p:nvSpPr>
-          <p:cNvPr id="5" name="Slide Number Placeholder 4">
-            <a:extLst>
-              <a:ext uri="{FF2B5EF4-FFF2-40B4-BE49-F238E27FC236}">
-                <a16:creationId xmlns:a16="http://schemas.microsoft.com/office/drawing/2014/main" id="{C8BA75A8-10A4-583A-D6F2-CA4B094B417B}"/>
-              </a:ext>
-            </a:extLst>
-          </p:cNvPr>
+          <p:cNvPr id="5" name="Slide Number Placeholder 4"/>
           <p:cNvSpPr>
             <a:spLocks noGrp="1"/>
           </p:cNvSpPr>
@@ -2015,7 +1781,7 @@
     </p:spTree>
     <p:extLst>
       <p:ext uri="{BB962C8B-B14F-4D97-AF65-F5344CB8AC3E}">
-        <p14:creationId xmlns:p14="http://schemas.microsoft.com/office/powerpoint/2010/main" val="1909667628"/>
+        <p14:creationId xmlns:p14="http://schemas.microsoft.com/office/powerpoint/2010/main" val="1163021217"/>
       </p:ext>
     </p:extLst>
   </p:cSld>
@@ -2044,13 +1810,7 @@
       </p:grpSpPr>
       <p:sp>
         <p:nvSpPr>
-          <p:cNvPr id="2" name="Date Placeholder 1">
-            <a:extLst>
-              <a:ext uri="{FF2B5EF4-FFF2-40B4-BE49-F238E27FC236}">
-                <a16:creationId xmlns:a16="http://schemas.microsoft.com/office/drawing/2014/main" id="{4DC6D2AF-BE63-29D3-542B-4CBAEDBBD28A}"/>
-              </a:ext>
-            </a:extLst>
-          </p:cNvPr>
+          <p:cNvPr id="2" name="Date Placeholder 1"/>
           <p:cNvSpPr>
             <a:spLocks noGrp="1"/>
           </p:cNvSpPr>
@@ -2065,7 +1825,7 @@
           <a:p>
             <a:fld id="{8163C3DD-D8C3-4164-81E8-B3D71247B728}" type="datetimeFigureOut">
               <a:rPr lang="en-US" smtClean="0"/>
-              <a:t>7/10/2023</a:t>
+              <a:t>7/13/2023</a:t>
             </a:fld>
             <a:endParaRPr lang="en-US"/>
           </a:p>
@@ -2073,13 +1833,7 @@
       </p:sp>
       <p:sp>
         <p:nvSpPr>
-          <p:cNvPr id="3" name="Footer Placeholder 2">
-            <a:extLst>
-              <a:ext uri="{FF2B5EF4-FFF2-40B4-BE49-F238E27FC236}">
-                <a16:creationId xmlns:a16="http://schemas.microsoft.com/office/drawing/2014/main" id="{4F931998-174E-7375-DE29-37529FD6EE26}"/>
-              </a:ext>
-            </a:extLst>
-          </p:cNvPr>
+          <p:cNvPr id="3" name="Footer Placeholder 2"/>
           <p:cNvSpPr>
             <a:spLocks noGrp="1"/>
           </p:cNvSpPr>
@@ -2098,13 +1852,7 @@
       </p:sp>
       <p:sp>
         <p:nvSpPr>
-          <p:cNvPr id="4" name="Slide Number Placeholder 3">
-            <a:extLst>
-              <a:ext uri="{FF2B5EF4-FFF2-40B4-BE49-F238E27FC236}">
-                <a16:creationId xmlns:a16="http://schemas.microsoft.com/office/drawing/2014/main" id="{8D999DC4-C5D3-9461-7E56-4983276B4297}"/>
-              </a:ext>
-            </a:extLst>
-          </p:cNvPr>
+          <p:cNvPr id="4" name="Slide Number Placeholder 3"/>
           <p:cNvSpPr>
             <a:spLocks noGrp="1"/>
           </p:cNvSpPr>
@@ -2128,7 +1876,7 @@
     </p:spTree>
     <p:extLst>
       <p:ext uri="{BB962C8B-B14F-4D97-AF65-F5344CB8AC3E}">
-        <p14:creationId xmlns:p14="http://schemas.microsoft.com/office/powerpoint/2010/main" val="161976070"/>
+        <p14:creationId xmlns:p14="http://schemas.microsoft.com/office/powerpoint/2010/main" val="1865216597"/>
       </p:ext>
     </p:extLst>
   </p:cSld>
@@ -2157,13 +1905,7 @@
       </p:grpSpPr>
       <p:sp>
         <p:nvSpPr>
-          <p:cNvPr id="2" name="Title 1">
-            <a:extLst>
-              <a:ext uri="{FF2B5EF4-FFF2-40B4-BE49-F238E27FC236}">
-                <a16:creationId xmlns:a16="http://schemas.microsoft.com/office/drawing/2014/main" id="{F5EAC0EB-6593-5561-F05F-9DC8E3C7D57E}"/>
-              </a:ext>
-            </a:extLst>
-          </p:cNvPr>
+          <p:cNvPr id="2" name="Title 1"/>
           <p:cNvSpPr>
             <a:spLocks noGrp="1"/>
           </p:cNvSpPr>
@@ -2189,18 +1931,13 @@
               <a:rPr lang="en-US"/>
               <a:t>Click to edit Master title style</a:t>
             </a:r>
-          </a:p>
-        </p:txBody>
-      </p:sp>
-      <p:sp>
-        <p:nvSpPr>
-          <p:cNvPr id="3" name="Content Placeholder 2">
-            <a:extLst>
-              <a:ext uri="{FF2B5EF4-FFF2-40B4-BE49-F238E27FC236}">
-                <a16:creationId xmlns:a16="http://schemas.microsoft.com/office/drawing/2014/main" id="{17A187E3-A4CA-8DF3-50F7-D04F33835C3A}"/>
-              </a:ext>
-            </a:extLst>
-          </p:cNvPr>
+            <a:endParaRPr lang="en-US" dirty="0"/>
+          </a:p>
+        </p:txBody>
+      </p:sp>
+      <p:sp>
+        <p:nvSpPr>
+          <p:cNvPr id="3" name="Content Placeholder 2"/>
           <p:cNvSpPr>
             <a:spLocks noGrp="1"/>
           </p:cNvSpPr>
@@ -2279,18 +2016,13 @@
               <a:rPr lang="en-US"/>
               <a:t>Fifth level</a:t>
             </a:r>
-          </a:p>
-        </p:txBody>
-      </p:sp>
-      <p:sp>
-        <p:nvSpPr>
-          <p:cNvPr id="4" name="Text Placeholder 3">
-            <a:extLst>
-              <a:ext uri="{FF2B5EF4-FFF2-40B4-BE49-F238E27FC236}">
-                <a16:creationId xmlns:a16="http://schemas.microsoft.com/office/drawing/2014/main" id="{C7B7744A-744A-0433-399B-57068F66A489}"/>
-              </a:ext>
-            </a:extLst>
-          </p:cNvPr>
+            <a:endParaRPr lang="en-US" dirty="0"/>
+          </a:p>
+        </p:txBody>
+      </p:sp>
+      <p:sp>
+        <p:nvSpPr>
+          <p:cNvPr id="4" name="Text Placeholder 3"/>
           <p:cNvSpPr>
             <a:spLocks noGrp="1"/>
           </p:cNvSpPr>
@@ -2355,13 +2087,7 @@
       </p:sp>
       <p:sp>
         <p:nvSpPr>
-          <p:cNvPr id="5" name="Date Placeholder 4">
-            <a:extLst>
-              <a:ext uri="{FF2B5EF4-FFF2-40B4-BE49-F238E27FC236}">
-                <a16:creationId xmlns:a16="http://schemas.microsoft.com/office/drawing/2014/main" id="{CC4FB6BA-5281-A08A-561C-D023327FDED9}"/>
-              </a:ext>
-            </a:extLst>
-          </p:cNvPr>
+          <p:cNvPr id="5" name="Date Placeholder 4"/>
           <p:cNvSpPr>
             <a:spLocks noGrp="1"/>
           </p:cNvSpPr>
@@ -2376,7 +2102,7 @@
           <a:p>
             <a:fld id="{8163C3DD-D8C3-4164-81E8-B3D71247B728}" type="datetimeFigureOut">
               <a:rPr lang="en-US" smtClean="0"/>
-              <a:t>7/10/2023</a:t>
+              <a:t>7/13/2023</a:t>
             </a:fld>
             <a:endParaRPr lang="en-US"/>
           </a:p>
@@ -2384,13 +2110,7 @@
       </p:sp>
       <p:sp>
         <p:nvSpPr>
-          <p:cNvPr id="6" name="Footer Placeholder 5">
-            <a:extLst>
-              <a:ext uri="{FF2B5EF4-FFF2-40B4-BE49-F238E27FC236}">
-                <a16:creationId xmlns:a16="http://schemas.microsoft.com/office/drawing/2014/main" id="{1FB56EE2-79D0-B62D-35E4-776062123E48}"/>
-              </a:ext>
-            </a:extLst>
-          </p:cNvPr>
+          <p:cNvPr id="6" name="Footer Placeholder 5"/>
           <p:cNvSpPr>
             <a:spLocks noGrp="1"/>
           </p:cNvSpPr>
@@ -2409,13 +2129,7 @@
       </p:sp>
       <p:sp>
         <p:nvSpPr>
-          <p:cNvPr id="7" name="Slide Number Placeholder 6">
-            <a:extLst>
-              <a:ext uri="{FF2B5EF4-FFF2-40B4-BE49-F238E27FC236}">
-                <a16:creationId xmlns:a16="http://schemas.microsoft.com/office/drawing/2014/main" id="{76E319AD-B2AD-015E-BBA7-BAD275948DB5}"/>
-              </a:ext>
-            </a:extLst>
-          </p:cNvPr>
+          <p:cNvPr id="7" name="Slide Number Placeholder 6"/>
           <p:cNvSpPr>
             <a:spLocks noGrp="1"/>
           </p:cNvSpPr>
@@ -2439,7 +2153,7 @@
     </p:spTree>
     <p:extLst>
       <p:ext uri="{BB962C8B-B14F-4D97-AF65-F5344CB8AC3E}">
-        <p14:creationId xmlns:p14="http://schemas.microsoft.com/office/powerpoint/2010/main" val="776621875"/>
+        <p14:creationId xmlns:p14="http://schemas.microsoft.com/office/powerpoint/2010/main" val="3806463261"/>
       </p:ext>
     </p:extLst>
   </p:cSld>
@@ -2468,13 +2182,7 @@
       </p:grpSpPr>
       <p:sp>
         <p:nvSpPr>
-          <p:cNvPr id="2" name="Title 1">
-            <a:extLst>
-              <a:ext uri="{FF2B5EF4-FFF2-40B4-BE49-F238E27FC236}">
-                <a16:creationId xmlns:a16="http://schemas.microsoft.com/office/drawing/2014/main" id="{54FCBFED-50DD-1536-9C5E-6C9BDF7CF422}"/>
-              </a:ext>
-            </a:extLst>
-          </p:cNvPr>
+          <p:cNvPr id="2" name="Title 1"/>
           <p:cNvSpPr>
             <a:spLocks noGrp="1"/>
           </p:cNvSpPr>
@@ -2500,20 +2208,15 @@
               <a:rPr lang="en-US"/>
               <a:t>Click to edit Master title style</a:t>
             </a:r>
-          </a:p>
-        </p:txBody>
-      </p:sp>
-      <p:sp>
-        <p:nvSpPr>
-          <p:cNvPr id="3" name="Picture Placeholder 2">
-            <a:extLst>
-              <a:ext uri="{FF2B5EF4-FFF2-40B4-BE49-F238E27FC236}">
-                <a16:creationId xmlns:a16="http://schemas.microsoft.com/office/drawing/2014/main" id="{CE7CE23C-C28D-DBFA-6B23-7BEC925CF121}"/>
-              </a:ext>
-            </a:extLst>
-          </p:cNvPr>
-          <p:cNvSpPr>
-            <a:spLocks noGrp="1"/>
+            <a:endParaRPr lang="en-US" dirty="0"/>
+          </a:p>
+        </p:txBody>
+      </p:sp>
+      <p:sp>
+        <p:nvSpPr>
+          <p:cNvPr id="3" name="Picture Placeholder 2"/>
+          <p:cNvSpPr>
+            <a:spLocks noGrp="1" noChangeAspect="1"/>
           </p:cNvSpPr>
           <p:nvPr>
             <p:ph type="pic" idx="1"/>
@@ -2526,7 +2229,7 @@
           </a:xfrm>
         </p:spPr>
         <p:txBody>
-          <a:bodyPr/>
+          <a:bodyPr anchor="t"/>
           <a:lstStyle>
             <a:lvl1pPr marL="0" indent="0">
               <a:buNone/>
@@ -2566,19 +2269,17 @@
             </a:lvl9pPr>
           </a:lstStyle>
           <a:p>
-            <a:endParaRPr lang="en-US"/>
-          </a:p>
-        </p:txBody>
-      </p:sp>
-      <p:sp>
-        <p:nvSpPr>
-          <p:cNvPr id="4" name="Text Placeholder 3">
-            <a:extLst>
-              <a:ext uri="{FF2B5EF4-FFF2-40B4-BE49-F238E27FC236}">
-                <a16:creationId xmlns:a16="http://schemas.microsoft.com/office/drawing/2014/main" id="{108688B9-85E3-42E0-5948-B93CA56D019D}"/>
-              </a:ext>
-            </a:extLst>
-          </p:cNvPr>
+            <a:r>
+              <a:rPr lang="en-US"/>
+              <a:t>Click icon to add picture</a:t>
+            </a:r>
+            <a:endParaRPr lang="en-US" dirty="0"/>
+          </a:p>
+        </p:txBody>
+      </p:sp>
+      <p:sp>
+        <p:nvSpPr>
+          <p:cNvPr id="4" name="Text Placeholder 3"/>
           <p:cNvSpPr>
             <a:spLocks noGrp="1"/>
           </p:cNvSpPr>
@@ -2643,13 +2344,7 @@
       </p:sp>
       <p:sp>
         <p:nvSpPr>
-          <p:cNvPr id="5" name="Date Placeholder 4">
-            <a:extLst>
-              <a:ext uri="{FF2B5EF4-FFF2-40B4-BE49-F238E27FC236}">
-                <a16:creationId xmlns:a16="http://schemas.microsoft.com/office/drawing/2014/main" id="{25AD53E7-331C-A880-AB15-FA0AD96CB295}"/>
-              </a:ext>
-            </a:extLst>
-          </p:cNvPr>
+          <p:cNvPr id="5" name="Date Placeholder 4"/>
           <p:cNvSpPr>
             <a:spLocks noGrp="1"/>
           </p:cNvSpPr>
@@ -2664,7 +2359,7 @@
           <a:p>
             <a:fld id="{8163C3DD-D8C3-4164-81E8-B3D71247B728}" type="datetimeFigureOut">
               <a:rPr lang="en-US" smtClean="0"/>
-              <a:t>7/10/2023</a:t>
+              <a:t>7/13/2023</a:t>
             </a:fld>
             <a:endParaRPr lang="en-US"/>
           </a:p>
@@ -2672,13 +2367,7 @@
       </p:sp>
       <p:sp>
         <p:nvSpPr>
-          <p:cNvPr id="6" name="Footer Placeholder 5">
-            <a:extLst>
-              <a:ext uri="{FF2B5EF4-FFF2-40B4-BE49-F238E27FC236}">
-                <a16:creationId xmlns:a16="http://schemas.microsoft.com/office/drawing/2014/main" id="{F97AE816-E60D-DE5F-A90E-D89E908F0649}"/>
-              </a:ext>
-            </a:extLst>
-          </p:cNvPr>
+          <p:cNvPr id="6" name="Footer Placeholder 5"/>
           <p:cNvSpPr>
             <a:spLocks noGrp="1"/>
           </p:cNvSpPr>
@@ -2697,13 +2386,7 @@
       </p:sp>
       <p:sp>
         <p:nvSpPr>
-          <p:cNvPr id="7" name="Slide Number Placeholder 6">
-            <a:extLst>
-              <a:ext uri="{FF2B5EF4-FFF2-40B4-BE49-F238E27FC236}">
-                <a16:creationId xmlns:a16="http://schemas.microsoft.com/office/drawing/2014/main" id="{E48A90BE-EC7C-0126-CCBC-D6997C7E41DB}"/>
-              </a:ext>
-            </a:extLst>
-          </p:cNvPr>
+          <p:cNvPr id="7" name="Slide Number Placeholder 6"/>
           <p:cNvSpPr>
             <a:spLocks noGrp="1"/>
           </p:cNvSpPr>
@@ -2727,7 +2410,7 @@
     </p:spTree>
     <p:extLst>
       <p:ext uri="{BB962C8B-B14F-4D97-AF65-F5344CB8AC3E}">
-        <p14:creationId xmlns:p14="http://schemas.microsoft.com/office/powerpoint/2010/main" val="196988610"/>
+        <p14:creationId xmlns:p14="http://schemas.microsoft.com/office/powerpoint/2010/main" val="2128354896"/>
       </p:ext>
     </p:extLst>
   </p:cSld>
@@ -2741,9 +2424,25 @@
 <p:sldMaster xmlns:a="http://schemas.openxmlformats.org/drawingml/2006/main" xmlns:r="http://schemas.openxmlformats.org/officeDocument/2006/relationships" xmlns:p="http://schemas.openxmlformats.org/presentationml/2006/main">
   <p:cSld>
     <p:bg>
-      <p:bgRef idx="1001">
-        <a:schemeClr val="bg1"/>
-      </p:bgRef>
+      <p:bgPr>
+        <a:gradFill flip="none" rotWithShape="1">
+          <a:gsLst>
+            <a:gs pos="8000">
+              <a:schemeClr val="bg2">
+                <a:lumMod val="50000"/>
+              </a:schemeClr>
+            </a:gs>
+            <a:gs pos="79000">
+              <a:schemeClr val="accent5">
+                <a:lumMod val="75000"/>
+              </a:schemeClr>
+            </a:gs>
+          </a:gsLst>
+          <a:lin ang="5400000" scaled="0"/>
+          <a:tileRect/>
+        </a:gradFill>
+        <a:effectLst/>
+      </p:bgPr>
     </p:bg>
     <p:spTree>
       <p:nvGrpSpPr>
@@ -2761,13 +2460,7 @@
       </p:grpSpPr>
       <p:sp>
         <p:nvSpPr>
-          <p:cNvPr id="2" name="Title Placeholder 1">
-            <a:extLst>
-              <a:ext uri="{FF2B5EF4-FFF2-40B4-BE49-F238E27FC236}">
-                <a16:creationId xmlns:a16="http://schemas.microsoft.com/office/drawing/2014/main" id="{F3C84A9B-9627-D4C0-1A85-70939F1E7215}"/>
-              </a:ext>
-            </a:extLst>
-          </p:cNvPr>
+          <p:cNvPr id="2" name="Title Placeholder 1"/>
           <p:cNvSpPr>
             <a:spLocks noGrp="1"/>
           </p:cNvSpPr>
@@ -2794,18 +2487,13 @@
               <a:rPr lang="en-US"/>
               <a:t>Click to edit Master title style</a:t>
             </a:r>
-          </a:p>
-        </p:txBody>
-      </p:sp>
-      <p:sp>
-        <p:nvSpPr>
-          <p:cNvPr id="3" name="Text Placeholder 2">
-            <a:extLst>
-              <a:ext uri="{FF2B5EF4-FFF2-40B4-BE49-F238E27FC236}">
-                <a16:creationId xmlns:a16="http://schemas.microsoft.com/office/drawing/2014/main" id="{2DCA7EE2-B964-8199-4662-D61FFC74D348}"/>
-              </a:ext>
-            </a:extLst>
-          </p:cNvPr>
+            <a:endParaRPr lang="en-US" dirty="0"/>
+          </a:p>
+        </p:txBody>
+      </p:sp>
+      <p:sp>
+        <p:nvSpPr>
+          <p:cNvPr id="3" name="Text Placeholder 2"/>
           <p:cNvSpPr>
             <a:spLocks noGrp="1"/>
           </p:cNvSpPr>
@@ -2861,18 +2549,13 @@
               <a:rPr lang="en-US"/>
               <a:t>Fifth level</a:t>
             </a:r>
-          </a:p>
-        </p:txBody>
-      </p:sp>
-      <p:sp>
-        <p:nvSpPr>
-          <p:cNvPr id="4" name="Date Placeholder 3">
-            <a:extLst>
-              <a:ext uri="{FF2B5EF4-FFF2-40B4-BE49-F238E27FC236}">
-                <a16:creationId xmlns:a16="http://schemas.microsoft.com/office/drawing/2014/main" id="{536723D7-ACE9-3B07-1C7B-3EAC8E651897}"/>
-              </a:ext>
-            </a:extLst>
-          </p:cNvPr>
+            <a:endParaRPr lang="en-US" dirty="0"/>
+          </a:p>
+        </p:txBody>
+      </p:sp>
+      <p:sp>
+        <p:nvSpPr>
+          <p:cNvPr id="4" name="Date Placeholder 3"/>
           <p:cNvSpPr>
             <a:spLocks noGrp="1"/>
           </p:cNvSpPr>
@@ -2905,7 +2588,7 @@
           <a:p>
             <a:fld id="{8163C3DD-D8C3-4164-81E8-B3D71247B728}" type="datetimeFigureOut">
               <a:rPr lang="en-US" smtClean="0"/>
-              <a:t>7/10/2023</a:t>
+              <a:t>7/13/2023</a:t>
             </a:fld>
             <a:endParaRPr lang="en-US"/>
           </a:p>
@@ -2913,13 +2596,7 @@
       </p:sp>
       <p:sp>
         <p:nvSpPr>
-          <p:cNvPr id="5" name="Footer Placeholder 4">
-            <a:extLst>
-              <a:ext uri="{FF2B5EF4-FFF2-40B4-BE49-F238E27FC236}">
-                <a16:creationId xmlns:a16="http://schemas.microsoft.com/office/drawing/2014/main" id="{AB78D64D-14C4-9034-917D-6B9E4B8BC5CA}"/>
-              </a:ext>
-            </a:extLst>
-          </p:cNvPr>
+          <p:cNvPr id="5" name="Footer Placeholder 4"/>
           <p:cNvSpPr>
             <a:spLocks noGrp="1"/>
           </p:cNvSpPr>
@@ -2956,13 +2633,7 @@
       </p:sp>
       <p:sp>
         <p:nvSpPr>
-          <p:cNvPr id="6" name="Slide Number Placeholder 5">
-            <a:extLst>
-              <a:ext uri="{FF2B5EF4-FFF2-40B4-BE49-F238E27FC236}">
-                <a16:creationId xmlns:a16="http://schemas.microsoft.com/office/drawing/2014/main" id="{A53566DA-B1C7-C43C-A950-DAACE9AAF876}"/>
-              </a:ext>
-            </a:extLst>
-          </p:cNvPr>
+          <p:cNvPr id="6" name="Slide Number Placeholder 5"/>
           <p:cNvSpPr>
             <a:spLocks noGrp="1"/>
           </p:cNvSpPr>
@@ -3004,23 +2675,23 @@
     </p:spTree>
     <p:extLst>
       <p:ext uri="{BB962C8B-B14F-4D97-AF65-F5344CB8AC3E}">
-        <p14:creationId xmlns:p14="http://schemas.microsoft.com/office/powerpoint/2010/main" val="1528405995"/>
+        <p14:creationId xmlns:p14="http://schemas.microsoft.com/office/powerpoint/2010/main" val="2580415525"/>
       </p:ext>
     </p:extLst>
   </p:cSld>
-  <p:clrMap bg1="lt1" tx1="dk1" bg2="lt2" tx2="dk2" accent1="accent1" accent2="accent2" accent3="accent3" accent4="accent4" accent5="accent5" accent6="accent6" hlink="hlink" folHlink="folHlink"/>
+  <p:clrMap bg1="dk1" tx1="lt1" bg2="dk2" tx2="lt2" accent1="accent1" accent2="accent2" accent3="accent3" accent4="accent4" accent5="accent5" accent6="accent6" hlink="hlink" folHlink="folHlink"/>
   <p:sldLayoutIdLst>
-    <p:sldLayoutId id="2147483649" r:id="rId1"/>
-    <p:sldLayoutId id="2147483650" r:id="rId2"/>
-    <p:sldLayoutId id="2147483651" r:id="rId3"/>
-    <p:sldLayoutId id="2147483652" r:id="rId4"/>
-    <p:sldLayoutId id="2147483653" r:id="rId5"/>
-    <p:sldLayoutId id="2147483654" r:id="rId6"/>
-    <p:sldLayoutId id="2147483655" r:id="rId7"/>
-    <p:sldLayoutId id="2147483656" r:id="rId8"/>
-    <p:sldLayoutId id="2147483657" r:id="rId9"/>
-    <p:sldLayoutId id="2147483658" r:id="rId10"/>
-    <p:sldLayoutId id="2147483659" r:id="rId11"/>
+    <p:sldLayoutId id="2147483661" r:id="rId1"/>
+    <p:sldLayoutId id="2147483662" r:id="rId2"/>
+    <p:sldLayoutId id="2147483663" r:id="rId3"/>
+    <p:sldLayoutId id="2147483664" r:id="rId4"/>
+    <p:sldLayoutId id="2147483665" r:id="rId5"/>
+    <p:sldLayoutId id="2147483666" r:id="rId6"/>
+    <p:sldLayoutId id="2147483667" r:id="rId7"/>
+    <p:sldLayoutId id="2147483668" r:id="rId8"/>
+    <p:sldLayoutId id="2147483669" r:id="rId9"/>
+    <p:sldLayoutId id="2147483670" r:id="rId10"/>
+    <p:sldLayoutId id="2147483671" r:id="rId11"/>
   </p:sldLayoutIdLst>
   <p:txStyles>
     <p:titleStyle>
@@ -3346,13 +3017,25 @@
           <a:lstStyle/>
           <a:p>
             <a:r>
-              <a:rPr lang="en-US" dirty="0"/>
+              <a:rPr lang="en-US" dirty="0">
+                <a:latin typeface="Fira Code SemiBold" pitchFamily="1" charset="0"/>
+                <a:ea typeface="Fira Code SemiBold" pitchFamily="1" charset="0"/>
+                <a:cs typeface="Fira Code SemiBold" pitchFamily="1" charset="0"/>
+              </a:rPr>
               <a:t>Continued use of weak RSA keys</a:t>
             </a:r>
             <a:br>
-              <a:rPr lang="en-US" dirty="0"/>
+              <a:rPr lang="en-US" dirty="0">
+                <a:latin typeface="Fira Code SemiBold" pitchFamily="1" charset="0"/>
+                <a:ea typeface="Fira Code SemiBold" pitchFamily="1" charset="0"/>
+                <a:cs typeface="Fira Code SemiBold" pitchFamily="1" charset="0"/>
+              </a:rPr>
             </a:br>
-            <a:endParaRPr lang="en-US" dirty="0"/>
+            <a:endParaRPr lang="en-US" dirty="0">
+              <a:latin typeface="Fira Code SemiBold" pitchFamily="1" charset="0"/>
+              <a:ea typeface="Fira Code SemiBold" pitchFamily="1" charset="0"/>
+              <a:cs typeface="Fira Code SemiBold" pitchFamily="1" charset="0"/>
+            </a:endParaRPr>
           </a:p>
         </p:txBody>
       </p:sp>
@@ -3378,13 +3061,21 @@
           <a:lstStyle/>
           <a:p>
             <a:r>
-              <a:rPr lang="en-US" dirty="0"/>
+              <a:rPr lang="en-US" dirty="0">
+                <a:latin typeface="Fira Code" pitchFamily="1" charset="0"/>
+                <a:ea typeface="Fira Code" pitchFamily="1" charset="0"/>
+                <a:cs typeface="Fira Code" pitchFamily="1" charset="0"/>
+              </a:rPr>
               <a:t>19129163 Mohammad Ali Khan</a:t>
             </a:r>
           </a:p>
           <a:p>
             <a:r>
-              <a:rPr lang="en-US" dirty="0"/>
+              <a:rPr lang="en-US" dirty="0">
+                <a:latin typeface="Fira Code" pitchFamily="1" charset="0"/>
+                <a:ea typeface="Fira Code" pitchFamily="1" charset="0"/>
+                <a:cs typeface="Fira Code" pitchFamily="1" charset="0"/>
+              </a:rPr>
               <a:t>Oxford Brookes University</a:t>
             </a:r>
           </a:p>
@@ -3442,8 +3133,12 @@
           <a:lstStyle/>
           <a:p>
             <a:r>
-              <a:rPr lang="en-US" dirty="0"/>
-              <a:t>Brief overview of RSA and “Textbook RSA”</a:t>
+              <a:rPr lang="en-US" dirty="0">
+                <a:latin typeface="Fira Code SemiBold" pitchFamily="1" charset="0"/>
+                <a:ea typeface="Fira Code SemiBold" pitchFamily="1" charset="0"/>
+                <a:cs typeface="Fira Code SemiBold" pitchFamily="1" charset="0"/>
+              </a:rPr>
+              <a:t>Brief Overview of RSA</a:t>
             </a:r>
           </a:p>
         </p:txBody>
@@ -3467,7 +3162,7 @@
         <p:spPr>
           <a:xfrm>
             <a:off x="838200" y="1851025"/>
-            <a:ext cx="10515600" cy="4351338"/>
+            <a:ext cx="5524500" cy="4351338"/>
           </a:xfrm>
         </p:spPr>
         <p:txBody>
@@ -3475,26 +3170,70 @@
           <a:lstStyle/>
           <a:p>
             <a:r>
-              <a:rPr lang="en-US" dirty="0"/>
-              <a:t>Pick two large primes p and q</a:t>
-            </a:r>
-          </a:p>
-          <a:p>
-            <a:r>
-              <a:rPr lang="en-US" dirty="0"/>
-              <a:t>Find their product n and Euler’s totient phi(n)</a:t>
-            </a:r>
-          </a:p>
-          <a:p>
-            <a:r>
-              <a:rPr lang="en-US" dirty="0"/>
-              <a:t>Fermat’s </a:t>
-            </a:r>
-            <a:r>
-              <a:rPr lang="en-US"/>
-              <a:t>Little Theorem</a:t>
-            </a:r>
-            <a:endParaRPr lang="en-US" dirty="0"/>
+              <a:rPr lang="en-US" dirty="0">
+                <a:latin typeface="Fira Code" pitchFamily="1" charset="0"/>
+                <a:ea typeface="Fira Code" pitchFamily="1" charset="0"/>
+                <a:cs typeface="Fira Code" pitchFamily="1" charset="0"/>
+              </a:rPr>
+              <a:t>Rivest, Shamir, &amp; Adelman (1977)</a:t>
+            </a:r>
+          </a:p>
+          <a:p>
+            <a:r>
+              <a:rPr lang="en-US" dirty="0">
+                <a:latin typeface="Fira Code" pitchFamily="1" charset="0"/>
+                <a:ea typeface="Fira Code" pitchFamily="1" charset="0"/>
+                <a:cs typeface="Fira Code" pitchFamily="1" charset="0"/>
+              </a:rPr>
+              <a:t>Gifford Cocks UKGCHQ (1973)</a:t>
+            </a:r>
+          </a:p>
+          <a:p>
+            <a:r>
+              <a:rPr lang="en-US" dirty="0">
+                <a:latin typeface="Fira Code" pitchFamily="1" charset="0"/>
+                <a:ea typeface="Fira Code" pitchFamily="1" charset="0"/>
+                <a:cs typeface="Fira Code" pitchFamily="1" charset="0"/>
+              </a:rPr>
+              <a:t>Public Key/Asymmetric</a:t>
+            </a:r>
+          </a:p>
+          <a:p>
+            <a:r>
+              <a:rPr lang="en-US" dirty="0">
+                <a:latin typeface="Fira Code" pitchFamily="1" charset="0"/>
+                <a:ea typeface="Fira Code" pitchFamily="1" charset="0"/>
+                <a:cs typeface="Fira Code" pitchFamily="1" charset="0"/>
+              </a:rPr>
+              <a:t>Fermat’s Little Theorem</a:t>
+            </a:r>
+          </a:p>
+          <a:p>
+            <a:r>
+              <a:rPr lang="en-US" dirty="0">
+                <a:latin typeface="Fira Code" pitchFamily="1" charset="0"/>
+                <a:ea typeface="Fira Code" pitchFamily="1" charset="0"/>
+                <a:cs typeface="Fira Code" pitchFamily="1" charset="0"/>
+              </a:rPr>
+              <a:t>Modular Arithmetic</a:t>
+            </a:r>
+          </a:p>
+          <a:p>
+            <a:r>
+              <a:rPr lang="en-US" dirty="0">
+                <a:latin typeface="Fira Code" pitchFamily="1" charset="0"/>
+                <a:ea typeface="Fira Code" pitchFamily="1" charset="0"/>
+                <a:cs typeface="Fira Code" pitchFamily="1" charset="0"/>
+              </a:rPr>
+              <a:t>Modular Exponentiation</a:t>
+            </a:r>
+          </a:p>
+          <a:p>
+            <a:endParaRPr lang="en-US" dirty="0">
+              <a:latin typeface="Fira Code" pitchFamily="1" charset="0"/>
+              <a:ea typeface="Fira Code" pitchFamily="1" charset="0"/>
+              <a:cs typeface="Fira Code" pitchFamily="1" charset="0"/>
+            </a:endParaRPr>
           </a:p>
         </p:txBody>
       </p:sp>
@@ -3511,10 +3250,1120 @@
 </p:sld>
 </file>
 
+<file path=ppt/slides/slide3.xml><?xml version="1.0" encoding="utf-8"?>
+<p:sld xmlns:a="http://schemas.openxmlformats.org/drawingml/2006/main" xmlns:r="http://schemas.openxmlformats.org/officeDocument/2006/relationships" xmlns:p="http://schemas.openxmlformats.org/presentationml/2006/main">
+  <p:cSld>
+    <p:spTree>
+      <p:nvGrpSpPr>
+        <p:cNvPr id="1" name=""/>
+        <p:cNvGrpSpPr/>
+        <p:nvPr/>
+      </p:nvGrpSpPr>
+      <p:grpSpPr>
+        <a:xfrm>
+          <a:off x="0" y="0"/>
+          <a:ext cx="0" cy="0"/>
+          <a:chOff x="0" y="0"/>
+          <a:chExt cx="0" cy="0"/>
+        </a:xfrm>
+      </p:grpSpPr>
+      <p:sp>
+        <p:nvSpPr>
+          <p:cNvPr id="4" name="Title 1">
+            <a:extLst>
+              <a:ext uri="{FF2B5EF4-FFF2-40B4-BE49-F238E27FC236}">
+                <a16:creationId xmlns:a16="http://schemas.microsoft.com/office/drawing/2014/main" id="{E22E4A9C-3262-E62C-67D5-7550084D2628}"/>
+              </a:ext>
+            </a:extLst>
+          </p:cNvPr>
+          <p:cNvSpPr>
+            <a:spLocks noGrp="1"/>
+          </p:cNvSpPr>
+          <p:nvPr>
+            <p:ph type="title"/>
+          </p:nvPr>
+        </p:nvSpPr>
+        <p:spPr/>
+        <p:txBody>
+          <a:bodyPr/>
+          <a:lstStyle/>
+          <a:p>
+            <a:r>
+              <a:rPr lang="en-US" dirty="0">
+                <a:latin typeface="Fira Code SemiBold" pitchFamily="1" charset="0"/>
+                <a:ea typeface="Fira Code SemiBold" pitchFamily="1" charset="0"/>
+                <a:cs typeface="Fira Code SemiBold" pitchFamily="1" charset="0"/>
+              </a:rPr>
+              <a:t>“Textbook” RSA</a:t>
+            </a:r>
+          </a:p>
+        </p:txBody>
+      </p:sp>
+      <p:sp>
+        <p:nvSpPr>
+          <p:cNvPr id="5" name="Content Placeholder 2">
+            <a:extLst>
+              <a:ext uri="{FF2B5EF4-FFF2-40B4-BE49-F238E27FC236}">
+                <a16:creationId xmlns:a16="http://schemas.microsoft.com/office/drawing/2014/main" id="{69386B3D-3BBB-067F-AE99-4DC7E4A3463A}"/>
+              </a:ext>
+            </a:extLst>
+          </p:cNvPr>
+          <p:cNvSpPr>
+            <a:spLocks noGrp="1"/>
+          </p:cNvSpPr>
+          <p:nvPr>
+            <p:ph idx="1"/>
+          </p:nvPr>
+        </p:nvSpPr>
+        <p:spPr>
+          <a:xfrm>
+            <a:off x="838200" y="1825625"/>
+            <a:ext cx="10045700" cy="4351338"/>
+          </a:xfrm>
+        </p:spPr>
+        <p:txBody>
+          <a:bodyPr/>
+          <a:lstStyle/>
+          <a:p>
+            <a:r>
+              <a:rPr lang="en-US" dirty="0">
+                <a:latin typeface="Fira Code" pitchFamily="1" charset="0"/>
+                <a:ea typeface="Fira Code" pitchFamily="1" charset="0"/>
+                <a:cs typeface="Fira Code" pitchFamily="1" charset="0"/>
+              </a:rPr>
+              <a:t>Pick two large primes </a:t>
+            </a:r>
+            <a:r>
+              <a:rPr lang="en-US" b="1" dirty="0">
+                <a:latin typeface="Fira Code" pitchFamily="1" charset="0"/>
+                <a:ea typeface="Fira Code" pitchFamily="1" charset="0"/>
+                <a:cs typeface="Fira Code" pitchFamily="1" charset="0"/>
+              </a:rPr>
+              <a:t>p</a:t>
+            </a:r>
+            <a:r>
+              <a:rPr lang="en-US" dirty="0">
+                <a:latin typeface="Fira Code" pitchFamily="1" charset="0"/>
+                <a:ea typeface="Fira Code" pitchFamily="1" charset="0"/>
+                <a:cs typeface="Fira Code" pitchFamily="1" charset="0"/>
+              </a:rPr>
+              <a:t> and</a:t>
+            </a:r>
+            <a:r>
+              <a:rPr lang="en-US" b="1" dirty="0">
+                <a:latin typeface="Fira Code" pitchFamily="1" charset="0"/>
+                <a:ea typeface="Fira Code" pitchFamily="1" charset="0"/>
+                <a:cs typeface="Fira Code" pitchFamily="1" charset="0"/>
+              </a:rPr>
+              <a:t> q</a:t>
+            </a:r>
+            <a:endParaRPr lang="en-US" dirty="0">
+              <a:latin typeface="Fira Code" pitchFamily="1" charset="0"/>
+              <a:ea typeface="Fira Code" pitchFamily="1" charset="0"/>
+              <a:cs typeface="Fira Code" pitchFamily="1" charset="0"/>
+            </a:endParaRPr>
+          </a:p>
+          <a:p>
+            <a:r>
+              <a:rPr lang="en-US" dirty="0">
+                <a:latin typeface="Fira Code" pitchFamily="1" charset="0"/>
+                <a:ea typeface="Fira Code" pitchFamily="1" charset="0"/>
+                <a:cs typeface="Fira Code" pitchFamily="1" charset="0"/>
+              </a:rPr>
+              <a:t>Find their product </a:t>
+            </a:r>
+            <a:r>
+              <a:rPr lang="en-US" b="1" dirty="0">
+                <a:latin typeface="Fira Code" pitchFamily="1" charset="0"/>
+                <a:ea typeface="Fira Code" pitchFamily="1" charset="0"/>
+                <a:cs typeface="Fira Code" pitchFamily="1" charset="0"/>
+              </a:rPr>
+              <a:t>N</a:t>
+            </a:r>
+            <a:endParaRPr lang="en-US" dirty="0">
+              <a:latin typeface="Fira Code" pitchFamily="1" charset="0"/>
+              <a:ea typeface="Fira Code" pitchFamily="1" charset="0"/>
+              <a:cs typeface="Fira Code" pitchFamily="1" charset="0"/>
+            </a:endParaRPr>
+          </a:p>
+          <a:p>
+            <a:r>
+              <a:rPr lang="en-US" b="0" u="none" strike="noStrike" baseline="0" dirty="0">
+                <a:latin typeface="Fira Code" pitchFamily="1" charset="0"/>
+                <a:ea typeface="Fira Code" pitchFamily="1" charset="0"/>
+                <a:cs typeface="Fira Code" pitchFamily="1" charset="0"/>
+              </a:rPr>
+              <a:t>Use </a:t>
+            </a:r>
+            <a:r>
+              <a:rPr lang="en-US" b="1" u="none" strike="noStrike" baseline="0" dirty="0">
+                <a:latin typeface="Fira Code" pitchFamily="1" charset="0"/>
+                <a:ea typeface="Fira Code" pitchFamily="1" charset="0"/>
+                <a:cs typeface="Fira Code" pitchFamily="1" charset="0"/>
+              </a:rPr>
+              <a:t>Euler totient function</a:t>
+            </a:r>
+            <a:r>
+              <a:rPr lang="en-US" b="1" dirty="0">
+                <a:latin typeface="Fira Code" pitchFamily="1" charset="0"/>
+                <a:ea typeface="Fira Code" pitchFamily="1" charset="0"/>
+                <a:cs typeface="Fira Code" pitchFamily="1" charset="0"/>
+              </a:rPr>
+              <a:t>,</a:t>
+            </a:r>
+            <a:r>
+              <a:rPr lang="en-US" b="0" u="none" strike="noStrike" baseline="0" dirty="0">
+                <a:latin typeface="Fira Code" pitchFamily="1" charset="0"/>
+                <a:ea typeface="Fira Code" pitchFamily="1" charset="0"/>
+                <a:cs typeface="Fira Code" pitchFamily="1" charset="0"/>
+              </a:rPr>
+              <a:t> get </a:t>
+            </a:r>
+            <a:r>
+              <a:rPr lang="el-GR" b="1" u="none" strike="noStrike" baseline="0" dirty="0">
+                <a:latin typeface="Fira Code" pitchFamily="1" charset="0"/>
+                <a:ea typeface="Fira Code" pitchFamily="1" charset="0"/>
+                <a:cs typeface="Fira Code" pitchFamily="1" charset="0"/>
+              </a:rPr>
+              <a:t>φ</a:t>
+            </a:r>
+            <a:r>
+              <a:rPr lang="en-US" b="1" u="none" strike="noStrike" baseline="0" dirty="0">
+                <a:latin typeface="Fira Code" pitchFamily="1" charset="0"/>
+                <a:ea typeface="Fira Code" pitchFamily="1" charset="0"/>
+                <a:cs typeface="Fira Code" pitchFamily="1" charset="0"/>
+              </a:rPr>
+              <a:t>(N)</a:t>
+            </a:r>
+            <a:r>
+              <a:rPr lang="en-US" b="0" u="none" strike="noStrike" baseline="0" dirty="0">
+                <a:latin typeface="Fira Code" pitchFamily="1" charset="0"/>
+                <a:ea typeface="Fira Code" pitchFamily="1" charset="0"/>
+                <a:cs typeface="Fira Code" pitchFamily="1" charset="0"/>
+              </a:rPr>
+              <a:t> </a:t>
+            </a:r>
+          </a:p>
+          <a:p>
+            <a:r>
+              <a:rPr lang="en-US" dirty="0">
+                <a:latin typeface="Fira Code" pitchFamily="1" charset="0"/>
+                <a:ea typeface="Fira Code" pitchFamily="1" charset="0"/>
+                <a:cs typeface="Fira Code" pitchFamily="1" charset="0"/>
+              </a:rPr>
+              <a:t>Select </a:t>
+            </a:r>
+            <a:r>
+              <a:rPr lang="en-US" b="1" dirty="0">
+                <a:latin typeface="Fira Code" pitchFamily="1" charset="0"/>
+                <a:ea typeface="Fira Code" pitchFamily="1" charset="0"/>
+                <a:cs typeface="Fira Code" pitchFamily="1" charset="0"/>
+              </a:rPr>
+              <a:t>e</a:t>
+            </a:r>
+            <a:r>
+              <a:rPr lang="en-US" dirty="0">
+                <a:latin typeface="Fira Code" pitchFamily="1" charset="0"/>
+                <a:ea typeface="Fira Code" pitchFamily="1" charset="0"/>
+                <a:cs typeface="Fira Code" pitchFamily="1" charset="0"/>
+              </a:rPr>
+              <a:t> such that </a:t>
+            </a:r>
+            <a:r>
+              <a:rPr lang="el-GR" b="1" u="none" strike="noStrike" baseline="0" dirty="0">
+                <a:latin typeface="Fira Code" pitchFamily="1" charset="0"/>
+                <a:ea typeface="Fira Code" pitchFamily="1" charset="0"/>
+                <a:cs typeface="Fira Code" pitchFamily="1" charset="0"/>
+              </a:rPr>
+              <a:t>φ</a:t>
+            </a:r>
+            <a:r>
+              <a:rPr lang="en-US" b="1" u="none" strike="noStrike" baseline="0" dirty="0">
+                <a:latin typeface="Fira Code" pitchFamily="1" charset="0"/>
+                <a:ea typeface="Fira Code" pitchFamily="1" charset="0"/>
+                <a:cs typeface="Fira Code" pitchFamily="1" charset="0"/>
+              </a:rPr>
+              <a:t>(N)</a:t>
+            </a:r>
+            <a:r>
+              <a:rPr lang="en-US" dirty="0">
+                <a:latin typeface="Fira Code" pitchFamily="1" charset="0"/>
+                <a:ea typeface="Fira Code" pitchFamily="1" charset="0"/>
+                <a:cs typeface="Fira Code" pitchFamily="1" charset="0"/>
+              </a:rPr>
+              <a:t> and </a:t>
+            </a:r>
+            <a:r>
+              <a:rPr lang="en-US" b="1" dirty="0">
+                <a:latin typeface="Fira Code" pitchFamily="1" charset="0"/>
+                <a:ea typeface="Fira Code" pitchFamily="1" charset="0"/>
+                <a:cs typeface="Fira Code" pitchFamily="1" charset="0"/>
+              </a:rPr>
+              <a:t>e </a:t>
+            </a:r>
+            <a:r>
+              <a:rPr lang="en-US" dirty="0">
+                <a:latin typeface="Fira Code" pitchFamily="1" charset="0"/>
+                <a:ea typeface="Fira Code" pitchFamily="1" charset="0"/>
+                <a:cs typeface="Fira Code" pitchFamily="1" charset="0"/>
+              </a:rPr>
+              <a:t>are coprime</a:t>
+            </a:r>
+          </a:p>
+          <a:p>
+            <a:r>
+              <a:rPr lang="en-US" dirty="0">
+                <a:latin typeface="Fira Code" pitchFamily="1" charset="0"/>
+                <a:ea typeface="Fira Code" pitchFamily="1" charset="0"/>
+                <a:cs typeface="Fira Code" pitchFamily="1" charset="0"/>
+              </a:rPr>
+              <a:t>Calculate </a:t>
+            </a:r>
+            <a:r>
+              <a:rPr lang="en-US" b="1" dirty="0">
+                <a:latin typeface="Fira Code" pitchFamily="1" charset="0"/>
+                <a:ea typeface="Fira Code" pitchFamily="1" charset="0"/>
+                <a:cs typeface="Fira Code" pitchFamily="1" charset="0"/>
+              </a:rPr>
+              <a:t>d</a:t>
+            </a:r>
+            <a:r>
+              <a:rPr lang="en-US" dirty="0">
+                <a:latin typeface="Fira Code" pitchFamily="1" charset="0"/>
+                <a:ea typeface="Fira Code" pitchFamily="1" charset="0"/>
+                <a:cs typeface="Fira Code" pitchFamily="1" charset="0"/>
+              </a:rPr>
+              <a:t> such that </a:t>
+            </a:r>
+            <a:r>
+              <a:rPr lang="en-US" b="1" dirty="0">
+                <a:latin typeface="Fira Code" pitchFamily="1" charset="0"/>
+                <a:ea typeface="Fira Code" pitchFamily="1" charset="0"/>
+                <a:cs typeface="Fira Code" pitchFamily="1" charset="0"/>
+              </a:rPr>
+              <a:t>e</a:t>
+            </a:r>
+            <a:r>
+              <a:rPr lang="en-US" dirty="0">
+                <a:latin typeface="Fira Code" pitchFamily="1" charset="0"/>
+                <a:ea typeface="Fira Code" pitchFamily="1" charset="0"/>
+                <a:cs typeface="Fira Code" pitchFamily="1" charset="0"/>
+              </a:rPr>
+              <a:t> x </a:t>
+            </a:r>
+            <a:r>
+              <a:rPr lang="en-US" b="1" dirty="0">
+                <a:latin typeface="Fira Code" pitchFamily="1" charset="0"/>
+                <a:ea typeface="Fira Code" pitchFamily="1" charset="0"/>
+                <a:cs typeface="Fira Code" pitchFamily="1" charset="0"/>
+              </a:rPr>
+              <a:t>d </a:t>
+            </a:r>
+            <a:r>
+              <a:rPr lang="en-US" dirty="0">
+                <a:latin typeface="Fira Code" pitchFamily="1" charset="0"/>
+                <a:ea typeface="Fira Code" pitchFamily="1" charset="0"/>
+                <a:cs typeface="Fira Code" pitchFamily="1" charset="0"/>
+              </a:rPr>
+              <a:t>= </a:t>
+            </a:r>
+            <a:r>
+              <a:rPr lang="en-US" b="1" dirty="0">
+                <a:latin typeface="Fira Code" pitchFamily="1" charset="0"/>
+                <a:ea typeface="Fira Code" pitchFamily="1" charset="0"/>
+                <a:cs typeface="Fira Code" pitchFamily="1" charset="0"/>
+              </a:rPr>
+              <a:t>1</a:t>
+            </a:r>
+            <a:r>
+              <a:rPr lang="en-US" dirty="0">
+                <a:latin typeface="Fira Code" pitchFamily="1" charset="0"/>
+                <a:ea typeface="Fira Code" pitchFamily="1" charset="0"/>
+                <a:cs typeface="Fira Code" pitchFamily="1" charset="0"/>
+              </a:rPr>
+              <a:t> (mod </a:t>
+            </a:r>
+            <a:r>
+              <a:rPr lang="el-GR" b="1" u="none" strike="noStrike" baseline="0" dirty="0">
+                <a:latin typeface="Fira Code" pitchFamily="1" charset="0"/>
+                <a:ea typeface="Fira Code" pitchFamily="1" charset="0"/>
+                <a:cs typeface="Fira Code" pitchFamily="1" charset="0"/>
+              </a:rPr>
+              <a:t>φ</a:t>
+            </a:r>
+            <a:r>
+              <a:rPr lang="en-US" b="1" u="none" strike="noStrike" baseline="0" dirty="0">
+                <a:latin typeface="Fira Code" pitchFamily="1" charset="0"/>
+                <a:ea typeface="Fira Code" pitchFamily="1" charset="0"/>
+                <a:cs typeface="Fira Code" pitchFamily="1" charset="0"/>
+              </a:rPr>
+              <a:t>(N)</a:t>
+            </a:r>
+            <a:r>
+              <a:rPr lang="en-US" u="none" strike="noStrike" baseline="0" dirty="0">
+                <a:latin typeface="Fira Code" pitchFamily="1" charset="0"/>
+                <a:ea typeface="Fira Code" pitchFamily="1" charset="0"/>
+                <a:cs typeface="Fira Code" pitchFamily="1" charset="0"/>
+              </a:rPr>
+              <a:t>)</a:t>
+            </a:r>
+          </a:p>
+          <a:p>
+            <a:r>
+              <a:rPr lang="en-US" b="1" dirty="0">
+                <a:latin typeface="Fira Code" pitchFamily="1" charset="0"/>
+                <a:ea typeface="Fira Code" pitchFamily="1" charset="0"/>
+                <a:cs typeface="Fira Code" pitchFamily="1" charset="0"/>
+              </a:rPr>
+              <a:t>C = P</a:t>
+            </a:r>
+            <a:r>
+              <a:rPr lang="en-US" b="1" baseline="30000" dirty="0">
+                <a:latin typeface="Fira Code" pitchFamily="1" charset="0"/>
+                <a:ea typeface="Fira Code" pitchFamily="1" charset="0"/>
+                <a:cs typeface="Fira Code" pitchFamily="1" charset="0"/>
+              </a:rPr>
+              <a:t>e</a:t>
+            </a:r>
+            <a:r>
+              <a:rPr lang="en-US" dirty="0">
+                <a:latin typeface="Fira Code" pitchFamily="1" charset="0"/>
+                <a:ea typeface="Fira Code" pitchFamily="1" charset="0"/>
+                <a:cs typeface="Fira Code" pitchFamily="1" charset="0"/>
+              </a:rPr>
+              <a:t>(mod </a:t>
+            </a:r>
+            <a:r>
+              <a:rPr lang="en-US" b="1" u="none" strike="noStrike" baseline="0" dirty="0">
+                <a:latin typeface="Fira Code" pitchFamily="1" charset="0"/>
+                <a:ea typeface="Fira Code" pitchFamily="1" charset="0"/>
+                <a:cs typeface="Fira Code" pitchFamily="1" charset="0"/>
+              </a:rPr>
+              <a:t>N</a:t>
+            </a:r>
+            <a:r>
+              <a:rPr lang="en-US" u="none" strike="noStrike" baseline="0" dirty="0">
+                <a:latin typeface="Fira Code" pitchFamily="1" charset="0"/>
+                <a:ea typeface="Fira Code" pitchFamily="1" charset="0"/>
+                <a:cs typeface="Fira Code" pitchFamily="1" charset="0"/>
+              </a:rPr>
+              <a:t>)</a:t>
+            </a:r>
+          </a:p>
+          <a:p>
+            <a:r>
+              <a:rPr lang="en-US" b="1" dirty="0">
+                <a:latin typeface="Fira Code" pitchFamily="1" charset="0"/>
+                <a:ea typeface="Fira Code" pitchFamily="1" charset="0"/>
+                <a:cs typeface="Fira Code" pitchFamily="1" charset="0"/>
+              </a:rPr>
+              <a:t>P = C</a:t>
+            </a:r>
+            <a:r>
+              <a:rPr lang="en-US" b="1" baseline="30000" dirty="0">
+                <a:latin typeface="Fira Code" pitchFamily="1" charset="0"/>
+                <a:ea typeface="Fira Code" pitchFamily="1" charset="0"/>
+                <a:cs typeface="Fira Code" pitchFamily="1" charset="0"/>
+              </a:rPr>
+              <a:t>d</a:t>
+            </a:r>
+            <a:r>
+              <a:rPr lang="en-US" dirty="0">
+                <a:latin typeface="Fira Code" pitchFamily="1" charset="0"/>
+                <a:ea typeface="Fira Code" pitchFamily="1" charset="0"/>
+                <a:cs typeface="Fira Code" pitchFamily="1" charset="0"/>
+              </a:rPr>
+              <a:t>(mod </a:t>
+            </a:r>
+            <a:r>
+              <a:rPr lang="en-US" b="1" u="none" strike="noStrike" baseline="0" dirty="0">
+                <a:latin typeface="Fira Code" pitchFamily="1" charset="0"/>
+                <a:ea typeface="Fira Code" pitchFamily="1" charset="0"/>
+                <a:cs typeface="Fira Code" pitchFamily="1" charset="0"/>
+              </a:rPr>
+              <a:t>N</a:t>
+            </a:r>
+            <a:r>
+              <a:rPr lang="en-US" u="none" strike="noStrike" baseline="0" dirty="0">
+                <a:latin typeface="Fira Code" pitchFamily="1" charset="0"/>
+                <a:ea typeface="Fira Code" pitchFamily="1" charset="0"/>
+                <a:cs typeface="Fira Code" pitchFamily="1" charset="0"/>
+              </a:rPr>
+              <a:t>)</a:t>
+            </a:r>
+          </a:p>
+          <a:p>
+            <a:endParaRPr lang="en-US" u="none" strike="noStrike" baseline="0" dirty="0">
+              <a:latin typeface="Fira Code" pitchFamily="1" charset="0"/>
+              <a:ea typeface="Fira Code" pitchFamily="1" charset="0"/>
+              <a:cs typeface="Fira Code" pitchFamily="1" charset="0"/>
+            </a:endParaRPr>
+          </a:p>
+          <a:p>
+            <a:endParaRPr lang="en-US" b="1" dirty="0">
+              <a:latin typeface="Fira Code" pitchFamily="1" charset="0"/>
+              <a:ea typeface="Fira Code" pitchFamily="1" charset="0"/>
+              <a:cs typeface="Fira Code" pitchFamily="1" charset="0"/>
+            </a:endParaRPr>
+          </a:p>
+        </p:txBody>
+      </p:sp>
+    </p:spTree>
+    <p:extLst>
+      <p:ext uri="{BB962C8B-B14F-4D97-AF65-F5344CB8AC3E}">
+        <p14:creationId xmlns:p14="http://schemas.microsoft.com/office/powerpoint/2010/main" val="1706342277"/>
+      </p:ext>
+    </p:extLst>
+  </p:cSld>
+  <p:clrMapOvr>
+    <a:masterClrMapping/>
+  </p:clrMapOvr>
+</p:sld>
+</file>
+
+<file path=ppt/slides/slide4.xml><?xml version="1.0" encoding="utf-8"?>
+<p:sld xmlns:a="http://schemas.openxmlformats.org/drawingml/2006/main" xmlns:r="http://schemas.openxmlformats.org/officeDocument/2006/relationships" xmlns:p="http://schemas.openxmlformats.org/presentationml/2006/main">
+  <p:cSld>
+    <p:bg>
+      <p:bgPr>
+        <a:gradFill>
+          <a:gsLst>
+            <a:gs pos="8000">
+              <a:schemeClr val="bg2">
+                <a:lumMod val="50000"/>
+              </a:schemeClr>
+            </a:gs>
+            <a:gs pos="79000">
+              <a:schemeClr val="accent5">
+                <a:lumMod val="75000"/>
+              </a:schemeClr>
+            </a:gs>
+          </a:gsLst>
+          <a:lin ang="5400000" scaled="0"/>
+        </a:gradFill>
+        <a:effectLst/>
+      </p:bgPr>
+    </p:bg>
+    <p:spTree>
+      <p:nvGrpSpPr>
+        <p:cNvPr id="1" name=""/>
+        <p:cNvGrpSpPr/>
+        <p:nvPr/>
+      </p:nvGrpSpPr>
+      <p:grpSpPr>
+        <a:xfrm>
+          <a:off x="0" y="0"/>
+          <a:ext cx="0" cy="0"/>
+          <a:chOff x="0" y="0"/>
+          <a:chExt cx="0" cy="0"/>
+        </a:xfrm>
+      </p:grpSpPr>
+      <p:sp>
+        <p:nvSpPr>
+          <p:cNvPr id="4" name="Title 1">
+            <a:extLst>
+              <a:ext uri="{FF2B5EF4-FFF2-40B4-BE49-F238E27FC236}">
+                <a16:creationId xmlns:a16="http://schemas.microsoft.com/office/drawing/2014/main" id="{9F98250A-136B-883D-00B2-E48BA019F49A}"/>
+              </a:ext>
+            </a:extLst>
+          </p:cNvPr>
+          <p:cNvSpPr>
+            <a:spLocks noGrp="1"/>
+          </p:cNvSpPr>
+          <p:nvPr>
+            <p:ph type="title"/>
+          </p:nvPr>
+        </p:nvSpPr>
+        <p:spPr/>
+        <p:txBody>
+          <a:bodyPr/>
+          <a:lstStyle/>
+          <a:p>
+            <a:r>
+              <a:rPr lang="en-US" dirty="0">
+                <a:latin typeface="Fira Code SemiBold" pitchFamily="1" charset="0"/>
+                <a:ea typeface="Fira Code SemiBold" pitchFamily="1" charset="0"/>
+                <a:cs typeface="Fira Code SemiBold" pitchFamily="1" charset="0"/>
+              </a:rPr>
+              <a:t>RSA in the real world</a:t>
+            </a:r>
+          </a:p>
+        </p:txBody>
+      </p:sp>
+      <p:sp>
+        <p:nvSpPr>
+          <p:cNvPr id="3" name="Content Placeholder 2">
+            <a:extLst>
+              <a:ext uri="{FF2B5EF4-FFF2-40B4-BE49-F238E27FC236}">
+                <a16:creationId xmlns:a16="http://schemas.microsoft.com/office/drawing/2014/main" id="{E51D34EC-CE77-3522-E865-814E643B0A43}"/>
+              </a:ext>
+            </a:extLst>
+          </p:cNvPr>
+          <p:cNvSpPr>
+            <a:spLocks noGrp="1"/>
+          </p:cNvSpPr>
+          <p:nvPr>
+            <p:ph idx="1"/>
+          </p:nvPr>
+        </p:nvSpPr>
+        <p:spPr/>
+        <p:txBody>
+          <a:bodyPr/>
+          <a:lstStyle/>
+          <a:p>
+            <a:r>
+              <a:rPr lang="en-US" dirty="0">
+                <a:latin typeface="Fira Code" pitchFamily="1" charset="0"/>
+                <a:ea typeface="Fira Code" pitchFamily="1" charset="0"/>
+                <a:cs typeface="Fira Code" pitchFamily="1" charset="0"/>
+              </a:rPr>
+              <a:t>The product </a:t>
+            </a:r>
+            <a:r>
+              <a:rPr lang="en-US" b="1" dirty="0">
+                <a:latin typeface="Fira Code" pitchFamily="1" charset="0"/>
+                <a:ea typeface="Fira Code" pitchFamily="1" charset="0"/>
+                <a:cs typeface="Fira Code" pitchFamily="1" charset="0"/>
+              </a:rPr>
+              <a:t>N</a:t>
+            </a:r>
+            <a:r>
+              <a:rPr lang="en-US" dirty="0">
+                <a:latin typeface="Fira Code" pitchFamily="1" charset="0"/>
+                <a:ea typeface="Fira Code" pitchFamily="1" charset="0"/>
+                <a:cs typeface="Fira Code" pitchFamily="1" charset="0"/>
+              </a:rPr>
+              <a:t> of </a:t>
+            </a:r>
+            <a:r>
+              <a:rPr lang="en-US" b="1" dirty="0">
+                <a:latin typeface="Fira Code" pitchFamily="1" charset="0"/>
+                <a:ea typeface="Fira Code" pitchFamily="1" charset="0"/>
+                <a:cs typeface="Fira Code" pitchFamily="1" charset="0"/>
+              </a:rPr>
+              <a:t>p </a:t>
+            </a:r>
+            <a:r>
+              <a:rPr lang="en-US" dirty="0">
+                <a:latin typeface="Fira Code" pitchFamily="1" charset="0"/>
+                <a:ea typeface="Fira Code" pitchFamily="1" charset="0"/>
+                <a:cs typeface="Fira Code" pitchFamily="1" charset="0"/>
+              </a:rPr>
+              <a:t>and </a:t>
+            </a:r>
+            <a:r>
+              <a:rPr lang="en-US" b="1" dirty="0">
+                <a:latin typeface="Fira Code" pitchFamily="1" charset="0"/>
+                <a:ea typeface="Fira Code" pitchFamily="1" charset="0"/>
+                <a:cs typeface="Fira Code" pitchFamily="1" charset="0"/>
+              </a:rPr>
+              <a:t>q</a:t>
+            </a:r>
+            <a:r>
+              <a:rPr lang="en-US" dirty="0">
+                <a:latin typeface="Fira Code" pitchFamily="1" charset="0"/>
+                <a:ea typeface="Fira Code" pitchFamily="1" charset="0"/>
+                <a:cs typeface="Fira Code" pitchFamily="1" charset="0"/>
+              </a:rPr>
+              <a:t> is typically a </a:t>
+            </a:r>
+            <a:r>
+              <a:rPr lang="en-US" b="1" dirty="0">
+                <a:latin typeface="Fira Code" pitchFamily="1" charset="0"/>
+                <a:ea typeface="Fira Code" pitchFamily="1" charset="0"/>
+                <a:cs typeface="Fira Code" pitchFamily="1" charset="0"/>
+              </a:rPr>
+              <a:t>2048-bit </a:t>
+            </a:r>
+            <a:r>
+              <a:rPr lang="en-US" dirty="0">
+                <a:latin typeface="Fira Code" pitchFamily="1" charset="0"/>
+                <a:ea typeface="Fira Code" pitchFamily="1" charset="0"/>
+                <a:cs typeface="Fira Code" pitchFamily="1" charset="0"/>
+              </a:rPr>
+              <a:t>or </a:t>
+            </a:r>
+            <a:r>
+              <a:rPr lang="en-US" b="1" dirty="0">
+                <a:latin typeface="Fira Code" pitchFamily="1" charset="0"/>
+                <a:ea typeface="Fira Code" pitchFamily="1" charset="0"/>
+                <a:cs typeface="Fira Code" pitchFamily="1" charset="0"/>
+              </a:rPr>
+              <a:t>1024-bit </a:t>
+            </a:r>
+            <a:r>
+              <a:rPr lang="en-US" dirty="0">
+                <a:latin typeface="Fira Code" pitchFamily="1" charset="0"/>
+                <a:ea typeface="Fira Code" pitchFamily="1" charset="0"/>
+                <a:cs typeface="Fira Code" pitchFamily="1" charset="0"/>
+              </a:rPr>
+              <a:t>number</a:t>
+            </a:r>
+          </a:p>
+          <a:p>
+            <a:r>
+              <a:rPr lang="en-US" dirty="0">
+                <a:latin typeface="Fira Code" pitchFamily="1" charset="0"/>
+                <a:ea typeface="Fira Code" pitchFamily="1" charset="0"/>
+                <a:cs typeface="Fira Code" pitchFamily="1" charset="0"/>
+              </a:rPr>
+              <a:t>A lot of RSA implementations use a value of </a:t>
+            </a:r>
+            <a:r>
+              <a:rPr lang="en-US" b="1" dirty="0">
+                <a:latin typeface="Fira Code" pitchFamily="1" charset="0"/>
+                <a:ea typeface="Fira Code" pitchFamily="1" charset="0"/>
+                <a:cs typeface="Fira Code" pitchFamily="1" charset="0"/>
+              </a:rPr>
+              <a:t>3</a:t>
+            </a:r>
+            <a:r>
+              <a:rPr lang="en-US" dirty="0">
+                <a:latin typeface="Fira Code" pitchFamily="1" charset="0"/>
+                <a:ea typeface="Fira Code" pitchFamily="1" charset="0"/>
+                <a:cs typeface="Fira Code" pitchFamily="1" charset="0"/>
+              </a:rPr>
+              <a:t> for </a:t>
+            </a:r>
+            <a:r>
+              <a:rPr lang="en-US" b="1" dirty="0">
+                <a:latin typeface="Fira Code" pitchFamily="1" charset="0"/>
+                <a:ea typeface="Fira Code" pitchFamily="1" charset="0"/>
+                <a:cs typeface="Fira Code" pitchFamily="1" charset="0"/>
+              </a:rPr>
+              <a:t>e</a:t>
+            </a:r>
+            <a:r>
+              <a:rPr lang="en-US" dirty="0">
+                <a:latin typeface="Fira Code" pitchFamily="1" charset="0"/>
+                <a:ea typeface="Fira Code" pitchFamily="1" charset="0"/>
+                <a:cs typeface="Fira Code" pitchFamily="1" charset="0"/>
+              </a:rPr>
+              <a:t>, </a:t>
+            </a:r>
+          </a:p>
+          <a:p>
+            <a:r>
+              <a:rPr lang="en-US" dirty="0">
+                <a:latin typeface="Fira Code" pitchFamily="1" charset="0"/>
+                <a:ea typeface="Fira Code" pitchFamily="1" charset="0"/>
+                <a:cs typeface="Fira Code" pitchFamily="1" charset="0"/>
+              </a:rPr>
+              <a:t>Prime reuse</a:t>
+            </a:r>
+          </a:p>
+          <a:p>
+            <a:r>
+              <a:rPr lang="en-US" dirty="0">
+                <a:latin typeface="Fira Code" pitchFamily="1" charset="0"/>
+                <a:ea typeface="Fira Code" pitchFamily="1" charset="0"/>
+                <a:cs typeface="Fira Code" pitchFamily="1" charset="0"/>
+              </a:rPr>
+              <a:t>Random Number Generation issues</a:t>
+            </a:r>
+          </a:p>
+          <a:p>
+            <a:endParaRPr lang="en-US" dirty="0">
+              <a:latin typeface="Fira Code" pitchFamily="1" charset="0"/>
+              <a:ea typeface="Fira Code" pitchFamily="1" charset="0"/>
+              <a:cs typeface="Fira Code" pitchFamily="1" charset="0"/>
+            </a:endParaRPr>
+          </a:p>
+          <a:p>
+            <a:endParaRPr lang="en-US" dirty="0">
+              <a:latin typeface="Fira Code" pitchFamily="1" charset="0"/>
+              <a:ea typeface="Fira Code" pitchFamily="1" charset="0"/>
+              <a:cs typeface="Fira Code" pitchFamily="1" charset="0"/>
+            </a:endParaRPr>
+          </a:p>
+          <a:p>
+            <a:endParaRPr lang="en-US" b="1" dirty="0">
+              <a:latin typeface="Fira Code" pitchFamily="1" charset="0"/>
+              <a:ea typeface="Fira Code" pitchFamily="1" charset="0"/>
+              <a:cs typeface="Fira Code" pitchFamily="1" charset="0"/>
+            </a:endParaRPr>
+          </a:p>
+          <a:p>
+            <a:endParaRPr lang="en-US" dirty="0"/>
+          </a:p>
+        </p:txBody>
+      </p:sp>
+      <p:sp>
+        <p:nvSpPr>
+          <p:cNvPr id="5" name="Content Placeholder 2">
+            <a:extLst>
+              <a:ext uri="{FF2B5EF4-FFF2-40B4-BE49-F238E27FC236}">
+                <a16:creationId xmlns:a16="http://schemas.microsoft.com/office/drawing/2014/main" id="{A5E2BAAC-7752-723B-510E-37285C9E5D70}"/>
+              </a:ext>
+            </a:extLst>
+          </p:cNvPr>
+          <p:cNvSpPr txBox="1">
+            <a:spLocks/>
+          </p:cNvSpPr>
+          <p:nvPr/>
+        </p:nvSpPr>
+        <p:spPr>
+          <a:xfrm>
+            <a:off x="1073150" y="2762250"/>
+            <a:ext cx="10045700" cy="4351338"/>
+          </a:xfrm>
+          <a:prstGeom prst="rect">
+            <a:avLst/>
+          </a:prstGeom>
+        </p:spPr>
+        <p:txBody>
+          <a:bodyPr vert="horz" lIns="91440" tIns="45720" rIns="91440" bIns="45720" rtlCol="0">
+            <a:normAutofit/>
+          </a:bodyPr>
+          <a:lstStyle>
+            <a:lvl1pPr marL="228600" indent="-228600" algn="l" defTabSz="914400" rtl="0" eaLnBrk="1" latinLnBrk="0" hangingPunct="1">
+              <a:lnSpc>
+                <a:spcPct val="90000"/>
+              </a:lnSpc>
+              <a:spcBef>
+                <a:spcPts val="1000"/>
+              </a:spcBef>
+              <a:buFont typeface="Arial" panose="020B0604020202020204" pitchFamily="34" charset="0"/>
+              <a:buChar char="•"/>
+              <a:defRPr sz="2800" kern="1200">
+                <a:solidFill>
+                  <a:schemeClr val="tx1"/>
+                </a:solidFill>
+                <a:latin typeface="+mn-lt"/>
+                <a:ea typeface="+mn-ea"/>
+                <a:cs typeface="+mn-cs"/>
+              </a:defRPr>
+            </a:lvl1pPr>
+            <a:lvl2pPr marL="685800" indent="-228600" algn="l" defTabSz="914400" rtl="0" eaLnBrk="1" latinLnBrk="0" hangingPunct="1">
+              <a:lnSpc>
+                <a:spcPct val="90000"/>
+              </a:lnSpc>
+              <a:spcBef>
+                <a:spcPts val="500"/>
+              </a:spcBef>
+              <a:buFont typeface="Arial" panose="020B0604020202020204" pitchFamily="34" charset="0"/>
+              <a:buChar char="•"/>
+              <a:defRPr sz="2400" kern="1200">
+                <a:solidFill>
+                  <a:schemeClr val="tx1"/>
+                </a:solidFill>
+                <a:latin typeface="+mn-lt"/>
+                <a:ea typeface="+mn-ea"/>
+                <a:cs typeface="+mn-cs"/>
+              </a:defRPr>
+            </a:lvl2pPr>
+            <a:lvl3pPr marL="1143000" indent="-228600" algn="l" defTabSz="914400" rtl="0" eaLnBrk="1" latinLnBrk="0" hangingPunct="1">
+              <a:lnSpc>
+                <a:spcPct val="90000"/>
+              </a:lnSpc>
+              <a:spcBef>
+                <a:spcPts val="500"/>
+              </a:spcBef>
+              <a:buFont typeface="Arial" panose="020B0604020202020204" pitchFamily="34" charset="0"/>
+              <a:buChar char="•"/>
+              <a:defRPr sz="2000" kern="1200">
+                <a:solidFill>
+                  <a:schemeClr val="tx1"/>
+                </a:solidFill>
+                <a:latin typeface="+mn-lt"/>
+                <a:ea typeface="+mn-ea"/>
+                <a:cs typeface="+mn-cs"/>
+              </a:defRPr>
+            </a:lvl3pPr>
+            <a:lvl4pPr marL="1600200" indent="-228600" algn="l" defTabSz="914400" rtl="0" eaLnBrk="1" latinLnBrk="0" hangingPunct="1">
+              <a:lnSpc>
+                <a:spcPct val="90000"/>
+              </a:lnSpc>
+              <a:spcBef>
+                <a:spcPts val="500"/>
+              </a:spcBef>
+              <a:buFont typeface="Arial" panose="020B0604020202020204" pitchFamily="34" charset="0"/>
+              <a:buChar char="•"/>
+              <a:defRPr sz="1800" kern="1200">
+                <a:solidFill>
+                  <a:schemeClr val="tx1"/>
+                </a:solidFill>
+                <a:latin typeface="+mn-lt"/>
+                <a:ea typeface="+mn-ea"/>
+                <a:cs typeface="+mn-cs"/>
+              </a:defRPr>
+            </a:lvl4pPr>
+            <a:lvl5pPr marL="2057400" indent="-228600" algn="l" defTabSz="914400" rtl="0" eaLnBrk="1" latinLnBrk="0" hangingPunct="1">
+              <a:lnSpc>
+                <a:spcPct val="90000"/>
+              </a:lnSpc>
+              <a:spcBef>
+                <a:spcPts val="500"/>
+              </a:spcBef>
+              <a:buFont typeface="Arial" panose="020B0604020202020204" pitchFamily="34" charset="0"/>
+              <a:buChar char="•"/>
+              <a:defRPr sz="1800" kern="1200">
+                <a:solidFill>
+                  <a:schemeClr val="tx1"/>
+                </a:solidFill>
+                <a:latin typeface="+mn-lt"/>
+                <a:ea typeface="+mn-ea"/>
+                <a:cs typeface="+mn-cs"/>
+              </a:defRPr>
+            </a:lvl5pPr>
+            <a:lvl6pPr marL="2514600" indent="-228600" algn="l" defTabSz="914400" rtl="0" eaLnBrk="1" latinLnBrk="0" hangingPunct="1">
+              <a:lnSpc>
+                <a:spcPct val="90000"/>
+              </a:lnSpc>
+              <a:spcBef>
+                <a:spcPts val="500"/>
+              </a:spcBef>
+              <a:buFont typeface="Arial" panose="020B0604020202020204" pitchFamily="34" charset="0"/>
+              <a:buChar char="•"/>
+              <a:defRPr sz="1800" kern="1200">
+                <a:solidFill>
+                  <a:schemeClr val="tx1"/>
+                </a:solidFill>
+                <a:latin typeface="+mn-lt"/>
+                <a:ea typeface="+mn-ea"/>
+                <a:cs typeface="+mn-cs"/>
+              </a:defRPr>
+            </a:lvl6pPr>
+            <a:lvl7pPr marL="2971800" indent="-228600" algn="l" defTabSz="914400" rtl="0" eaLnBrk="1" latinLnBrk="0" hangingPunct="1">
+              <a:lnSpc>
+                <a:spcPct val="90000"/>
+              </a:lnSpc>
+              <a:spcBef>
+                <a:spcPts val="500"/>
+              </a:spcBef>
+              <a:buFont typeface="Arial" panose="020B0604020202020204" pitchFamily="34" charset="0"/>
+              <a:buChar char="•"/>
+              <a:defRPr sz="1800" kern="1200">
+                <a:solidFill>
+                  <a:schemeClr val="tx1"/>
+                </a:solidFill>
+                <a:latin typeface="+mn-lt"/>
+                <a:ea typeface="+mn-ea"/>
+                <a:cs typeface="+mn-cs"/>
+              </a:defRPr>
+            </a:lvl7pPr>
+            <a:lvl8pPr marL="3429000" indent="-228600" algn="l" defTabSz="914400" rtl="0" eaLnBrk="1" latinLnBrk="0" hangingPunct="1">
+              <a:lnSpc>
+                <a:spcPct val="90000"/>
+              </a:lnSpc>
+              <a:spcBef>
+                <a:spcPts val="500"/>
+              </a:spcBef>
+              <a:buFont typeface="Arial" panose="020B0604020202020204" pitchFamily="34" charset="0"/>
+              <a:buChar char="•"/>
+              <a:defRPr sz="1800" kern="1200">
+                <a:solidFill>
+                  <a:schemeClr val="tx1"/>
+                </a:solidFill>
+                <a:latin typeface="+mn-lt"/>
+                <a:ea typeface="+mn-ea"/>
+                <a:cs typeface="+mn-cs"/>
+              </a:defRPr>
+            </a:lvl8pPr>
+            <a:lvl9pPr marL="3886200" indent="-228600" algn="l" defTabSz="914400" rtl="0" eaLnBrk="1" latinLnBrk="0" hangingPunct="1">
+              <a:lnSpc>
+                <a:spcPct val="90000"/>
+              </a:lnSpc>
+              <a:spcBef>
+                <a:spcPts val="500"/>
+              </a:spcBef>
+              <a:buFont typeface="Arial" panose="020B0604020202020204" pitchFamily="34" charset="0"/>
+              <a:buChar char="•"/>
+              <a:defRPr sz="1800" kern="1200">
+                <a:solidFill>
+                  <a:schemeClr val="tx1"/>
+                </a:solidFill>
+                <a:latin typeface="+mn-lt"/>
+                <a:ea typeface="+mn-ea"/>
+                <a:cs typeface="+mn-cs"/>
+              </a:defRPr>
+            </a:lvl9pPr>
+          </a:lstStyle>
+          <a:p>
+            <a:endParaRPr lang="en-US" b="1" dirty="0">
+              <a:latin typeface="Fira Code" pitchFamily="1" charset="0"/>
+              <a:ea typeface="Fira Code" pitchFamily="1" charset="0"/>
+              <a:cs typeface="Fira Code" pitchFamily="1" charset="0"/>
+            </a:endParaRPr>
+          </a:p>
+        </p:txBody>
+      </p:sp>
+    </p:spTree>
+    <p:extLst>
+      <p:ext uri="{BB962C8B-B14F-4D97-AF65-F5344CB8AC3E}">
+        <p14:creationId xmlns:p14="http://schemas.microsoft.com/office/powerpoint/2010/main" val="2821838126"/>
+      </p:ext>
+    </p:extLst>
+  </p:cSld>
+  <p:clrMapOvr>
+    <a:masterClrMapping/>
+  </p:clrMapOvr>
+</p:sld>
+</file>
+
+<file path=ppt/slides/slide5.xml><?xml version="1.0" encoding="utf-8"?>
+<p:sld xmlns:a="http://schemas.openxmlformats.org/drawingml/2006/main" xmlns:r="http://schemas.openxmlformats.org/officeDocument/2006/relationships" xmlns:p="http://schemas.openxmlformats.org/presentationml/2006/main">
+  <p:cSld>
+    <p:spTree>
+      <p:nvGrpSpPr>
+        <p:cNvPr id="1" name=""/>
+        <p:cNvGrpSpPr/>
+        <p:nvPr/>
+      </p:nvGrpSpPr>
+      <p:grpSpPr>
+        <a:xfrm>
+          <a:off x="0" y="0"/>
+          <a:ext cx="0" cy="0"/>
+          <a:chOff x="0" y="0"/>
+          <a:chExt cx="0" cy="0"/>
+        </a:xfrm>
+      </p:grpSpPr>
+      <p:sp>
+        <p:nvSpPr>
+          <p:cNvPr id="3" name="Content Placeholder 2">
+            <a:extLst>
+              <a:ext uri="{FF2B5EF4-FFF2-40B4-BE49-F238E27FC236}">
+                <a16:creationId xmlns:a16="http://schemas.microsoft.com/office/drawing/2014/main" id="{E8DE6AF6-6768-088A-DCDC-C36DF7DF89A8}"/>
+              </a:ext>
+            </a:extLst>
+          </p:cNvPr>
+          <p:cNvSpPr>
+            <a:spLocks noGrp="1"/>
+          </p:cNvSpPr>
+          <p:nvPr>
+            <p:ph idx="1"/>
+          </p:nvPr>
+        </p:nvSpPr>
+        <p:spPr/>
+        <p:txBody>
+          <a:bodyPr/>
+          <a:lstStyle/>
+          <a:p>
+            <a:r>
+              <a:rPr lang="en-US" dirty="0">
+                <a:latin typeface="Fira Code" pitchFamily="1" charset="0"/>
+                <a:ea typeface="Fira Code" pitchFamily="1" charset="0"/>
+                <a:cs typeface="Fira Code" pitchFamily="1" charset="0"/>
+              </a:rPr>
+              <a:t>Investigate RSA keys in use</a:t>
+            </a:r>
+          </a:p>
+          <a:p>
+            <a:r>
+              <a:rPr lang="en-US" dirty="0">
+                <a:latin typeface="Fira Code" pitchFamily="1" charset="0"/>
+                <a:ea typeface="Fira Code" pitchFamily="1" charset="0"/>
+                <a:cs typeface="Fira Code" pitchFamily="1" charset="0"/>
+              </a:rPr>
+              <a:t>How many RSA </a:t>
+            </a:r>
+            <a:r>
+              <a:rPr lang="en-US">
+                <a:latin typeface="Fira Code" pitchFamily="1" charset="0"/>
+                <a:ea typeface="Fira Code" pitchFamily="1" charset="0"/>
+                <a:cs typeface="Fira Code" pitchFamily="1" charset="0"/>
+              </a:rPr>
+              <a:t>keys are weak</a:t>
+            </a:r>
+            <a:endParaRPr lang="en-US" dirty="0">
+              <a:latin typeface="Fira Code" pitchFamily="1" charset="0"/>
+              <a:ea typeface="Fira Code" pitchFamily="1" charset="0"/>
+              <a:cs typeface="Fira Code" pitchFamily="1" charset="0"/>
+            </a:endParaRPr>
+          </a:p>
+          <a:p>
+            <a:r>
+              <a:rPr lang="en-US" dirty="0">
+                <a:latin typeface="Fira Code" pitchFamily="1" charset="0"/>
+                <a:ea typeface="Fira Code" pitchFamily="1" charset="0"/>
+                <a:cs typeface="Fira Code" pitchFamily="1" charset="0"/>
+              </a:rPr>
+              <a:t>Fast GCD algorithm by Bernstein</a:t>
+            </a:r>
+          </a:p>
+          <a:p>
+            <a:r>
+              <a:rPr lang="en-US" dirty="0">
+                <a:latin typeface="Fira Code" pitchFamily="1" charset="0"/>
+                <a:ea typeface="Fira Code" pitchFamily="1" charset="0"/>
+                <a:cs typeface="Fira Code" pitchFamily="1" charset="0"/>
+              </a:rPr>
+              <a:t>Work by N. </a:t>
+            </a:r>
+            <a:r>
+              <a:rPr lang="en-US" dirty="0" err="1">
+                <a:latin typeface="Fira Code" pitchFamily="1" charset="0"/>
+                <a:ea typeface="Fira Code" pitchFamily="1" charset="0"/>
+                <a:cs typeface="Fira Code" pitchFamily="1" charset="0"/>
+              </a:rPr>
+              <a:t>Henniger</a:t>
+            </a:r>
+            <a:r>
+              <a:rPr lang="en-US" dirty="0">
+                <a:latin typeface="Fira Code" pitchFamily="1" charset="0"/>
+                <a:ea typeface="Fira Code" pitchFamily="1" charset="0"/>
+                <a:cs typeface="Fira Code" pitchFamily="1" charset="0"/>
+              </a:rPr>
+              <a:t> et al</a:t>
+            </a:r>
+            <a:endParaRPr lang="en-US" dirty="0"/>
+          </a:p>
+        </p:txBody>
+      </p:sp>
+      <p:sp>
+        <p:nvSpPr>
+          <p:cNvPr id="4" name="Title 1">
+            <a:extLst>
+              <a:ext uri="{FF2B5EF4-FFF2-40B4-BE49-F238E27FC236}">
+                <a16:creationId xmlns:a16="http://schemas.microsoft.com/office/drawing/2014/main" id="{FC83FAA1-5D51-D1F3-10F3-02207BCDFEA0}"/>
+              </a:ext>
+            </a:extLst>
+          </p:cNvPr>
+          <p:cNvSpPr>
+            <a:spLocks noGrp="1"/>
+          </p:cNvSpPr>
+          <p:nvPr>
+            <p:ph type="title"/>
+          </p:nvPr>
+        </p:nvSpPr>
+        <p:spPr>
+          <a:xfrm>
+            <a:off x="838200" y="365125"/>
+            <a:ext cx="10515600" cy="1325563"/>
+          </a:xfrm>
+        </p:spPr>
+        <p:txBody>
+          <a:bodyPr/>
+          <a:lstStyle/>
+          <a:p>
+            <a:r>
+              <a:rPr lang="en-US" dirty="0">
+                <a:latin typeface="Fira Code SemiBold" pitchFamily="1" charset="0"/>
+                <a:ea typeface="Fira Code SemiBold" pitchFamily="1" charset="0"/>
+                <a:cs typeface="Fira Code SemiBold" pitchFamily="1" charset="0"/>
+              </a:rPr>
+              <a:t>Project aims</a:t>
+            </a:r>
+          </a:p>
+        </p:txBody>
+      </p:sp>
+    </p:spTree>
+    <p:extLst>
+      <p:ext uri="{BB962C8B-B14F-4D97-AF65-F5344CB8AC3E}">
+        <p14:creationId xmlns:p14="http://schemas.microsoft.com/office/powerpoint/2010/main" val="2984465437"/>
+      </p:ext>
+    </p:extLst>
+  </p:cSld>
+  <p:clrMapOvr>
+    <a:masterClrMapping/>
+  </p:clrMapOvr>
+</p:sld>
+</file>
+
 <file path=ppt/theme/theme1.xml><?xml version="1.0" encoding="utf-8"?>
 <a:theme xmlns:a="http://schemas.openxmlformats.org/drawingml/2006/main" name="Office Theme">
   <a:themeElements>
-    <a:clrScheme name="Office">
+    <a:clrScheme name="Office Theme">
       <a:dk1>
         <a:sysClr val="windowText" lastClr="000000"/>
       </a:dk1>
@@ -3552,7 +4401,7 @@
         <a:srgbClr val="954F72"/>
       </a:folHlink>
     </a:clrScheme>
-    <a:fontScheme name="Office">
+    <a:fontScheme name="Office Theme">
       <a:majorFont>
         <a:latin typeface="Calibri Light" panose="020F0302020204030204"/>
         <a:ea typeface=""/>
@@ -3587,23 +4436,6 @@
         <a:font script="Viet" typeface="Times New Roman"/>
         <a:font script="Uigh" typeface="Microsoft Uighur"/>
         <a:font script="Geor" typeface="Sylfaen"/>
-        <a:font script="Armn" typeface="Arial"/>
-        <a:font script="Bugi" typeface="Leelawadee UI"/>
-        <a:font script="Bopo" typeface="Microsoft JhengHei"/>
-        <a:font script="Java" typeface="Javanese Text"/>
-        <a:font script="Lisu" typeface="Segoe UI"/>
-        <a:font script="Mymr" typeface="Myanmar Text"/>
-        <a:font script="Nkoo" typeface="Ebrima"/>
-        <a:font script="Olck" typeface="Nirmala UI"/>
-        <a:font script="Osma" typeface="Ebrima"/>
-        <a:font script="Phag" typeface="Phagspa"/>
-        <a:font script="Syrn" typeface="Estrangelo Edessa"/>
-        <a:font script="Syrj" typeface="Estrangelo Edessa"/>
-        <a:font script="Syre" typeface="Estrangelo Edessa"/>
-        <a:font script="Sora" typeface="Nirmala UI"/>
-        <a:font script="Tale" typeface="Microsoft Tai Le"/>
-        <a:font script="Talu" typeface="Microsoft New Tai Lue"/>
-        <a:font script="Tfng" typeface="Ebrima"/>
       </a:majorFont>
       <a:minorFont>
         <a:latin typeface="Calibri" panose="020F0502020204030204"/>
@@ -3639,26 +4471,9 @@
         <a:font script="Viet" typeface="Arial"/>
         <a:font script="Uigh" typeface="Microsoft Uighur"/>
         <a:font script="Geor" typeface="Sylfaen"/>
-        <a:font script="Armn" typeface="Arial"/>
-        <a:font script="Bugi" typeface="Leelawadee UI"/>
-        <a:font script="Bopo" typeface="Microsoft JhengHei"/>
-        <a:font script="Java" typeface="Javanese Text"/>
-        <a:font script="Lisu" typeface="Segoe UI"/>
-        <a:font script="Mymr" typeface="Myanmar Text"/>
-        <a:font script="Nkoo" typeface="Ebrima"/>
-        <a:font script="Olck" typeface="Nirmala UI"/>
-        <a:font script="Osma" typeface="Ebrima"/>
-        <a:font script="Phag" typeface="Phagspa"/>
-        <a:font script="Syrn" typeface="Estrangelo Edessa"/>
-        <a:font script="Syrj" typeface="Estrangelo Edessa"/>
-        <a:font script="Syre" typeface="Estrangelo Edessa"/>
-        <a:font script="Sora" typeface="Nirmala UI"/>
-        <a:font script="Tale" typeface="Microsoft Tai Le"/>
-        <a:font script="Talu" typeface="Microsoft New Tai Lue"/>
-        <a:font script="Tfng" typeface="Ebrima"/>
       </a:minorFont>
     </a:fontScheme>
-    <a:fmtScheme name="Office">
+    <a:fmtScheme name="Office Theme">
       <a:fillStyleLst>
         <a:solidFill>
           <a:schemeClr val="phClr"/>
@@ -3800,7 +4615,7 @@
   <a:extraClrSchemeLst/>
   <a:extLst>
     <a:ext uri="{05A4C25C-085E-4340-85A3-A5531E510DB2}">
-      <thm15:themeFamily xmlns:thm15="http://schemas.microsoft.com/office/thememl/2012/main" name="Office Theme" id="{62F939B6-93AF-4DB8-9C6B-D6C7DFDC589F}" vid="{4A3C46E8-61CC-4603-A589-7422A47A8E4A}"/>
+      <thm15:themeFamily xmlns:thm15="http://schemas.microsoft.com/office/thememl/2012/main" name="Office Theme 2013 - 2022" id="{62F939B6-93AF-4DB8-9C6B-D6C7DFDC589F}" vid="{4F46216B-77A9-411A-B9D3-5023FCB70208}"/>
     </a:ext>
   </a:extLst>
 </a:theme>

--- a/Continued use of weak RSA keys.pptx
+++ b/Continued use of weak RSA keys.pptx
@@ -10,6 +10,7 @@
     <p:sldId id="258" r:id="rId4"/>
     <p:sldId id="259" r:id="rId5"/>
     <p:sldId id="260" r:id="rId6"/>
+    <p:sldId id="261" r:id="rId7"/>
   </p:sldIdLst>
   <p:sldSz cx="12192000" cy="6858000"/>
   <p:notesSz cx="6858000" cy="9144000"/>
@@ -3933,13 +3934,20 @@
               </a:rPr>
               <a:t>e</a:t>
             </a:r>
+            <a:endParaRPr lang="en-US" dirty="0">
+              <a:latin typeface="Fira Code" pitchFamily="1" charset="0"/>
+              <a:ea typeface="Fira Code" pitchFamily="1" charset="0"/>
+              <a:cs typeface="Fira Code" pitchFamily="1" charset="0"/>
+            </a:endParaRPr>
+          </a:p>
+          <a:p>
             <a:r>
               <a:rPr lang="en-US" dirty="0">
                 <a:latin typeface="Fira Code" pitchFamily="1" charset="0"/>
                 <a:ea typeface="Fira Code" pitchFamily="1" charset="0"/>
                 <a:cs typeface="Fira Code" pitchFamily="1" charset="0"/>
               </a:rPr>
-              <a:t>, </a:t>
+              <a:t>Random Number Generation/Entropy issues</a:t>
             </a:r>
           </a:p>
           <a:p>
@@ -3949,17 +3957,7 @@
                 <a:ea typeface="Fira Code" pitchFamily="1" charset="0"/>
                 <a:cs typeface="Fira Code" pitchFamily="1" charset="0"/>
               </a:rPr>
-              <a:t>Prime reuse</a:t>
-            </a:r>
-          </a:p>
-          <a:p>
-            <a:r>
-              <a:rPr lang="en-US" dirty="0">
-                <a:latin typeface="Fira Code" pitchFamily="1" charset="0"/>
-                <a:ea typeface="Fira Code" pitchFamily="1" charset="0"/>
-                <a:cs typeface="Fira Code" pitchFamily="1" charset="0"/>
-              </a:rPr>
-              <a:t>Random Number Generation issues</a:t>
+              <a:t>Hardware limitations</a:t>
             </a:r>
           </a:p>
           <a:p>
@@ -4255,16 +4253,59 @@
                 <a:ea typeface="Fira Code" pitchFamily="1" charset="0"/>
                 <a:cs typeface="Fira Code" pitchFamily="1" charset="0"/>
               </a:rPr>
-              <a:t>How many RSA </a:t>
-            </a:r>
-            <a:r>
-              <a:rPr lang="en-US">
-                <a:latin typeface="Fira Code" pitchFamily="1" charset="0"/>
-                <a:ea typeface="Fira Code" pitchFamily="1" charset="0"/>
-                <a:cs typeface="Fira Code" pitchFamily="1" charset="0"/>
-              </a:rPr>
-              <a:t>keys are weak</a:t>
-            </a:r>
+              <a:t>How many RSA keys are weak</a:t>
+            </a:r>
+          </a:p>
+          <a:p>
+            <a:r>
+              <a:rPr lang="en-US" dirty="0">
+                <a:latin typeface="Fira Code" pitchFamily="1" charset="0"/>
+                <a:ea typeface="Fira Code" pitchFamily="1" charset="0"/>
+                <a:cs typeface="Fira Code" pitchFamily="1" charset="0"/>
+              </a:rPr>
+              <a:t>Work by N. </a:t>
+            </a:r>
+            <a:r>
+              <a:rPr lang="en-US" dirty="0" err="1">
+                <a:latin typeface="Fira Code" pitchFamily="1" charset="0"/>
+                <a:ea typeface="Fira Code" pitchFamily="1" charset="0"/>
+                <a:cs typeface="Fira Code" pitchFamily="1" charset="0"/>
+              </a:rPr>
+              <a:t>Henniger</a:t>
+            </a:r>
+            <a:r>
+              <a:rPr lang="en-US" dirty="0">
+                <a:latin typeface="Fira Code" pitchFamily="1" charset="0"/>
+                <a:ea typeface="Fira Code" pitchFamily="1" charset="0"/>
+                <a:cs typeface="Fira Code" pitchFamily="1" charset="0"/>
+              </a:rPr>
+              <a:t> et al in 2012 showed that as many as 64000 TLS hosts and 108000 SSH hosts across the internet use weak keys</a:t>
+            </a:r>
+          </a:p>
+          <a:p>
+            <a:pPr lvl="1"/>
+            <a:r>
+              <a:rPr lang="en-US" dirty="0">
+                <a:latin typeface="Fira Code" pitchFamily="1" charset="0"/>
+                <a:ea typeface="Fira Code" pitchFamily="1" charset="0"/>
+                <a:cs typeface="Fira Code" pitchFamily="1" charset="0"/>
+              </a:rPr>
+              <a:t>Default settings/keys</a:t>
+            </a:r>
+          </a:p>
+          <a:p>
+            <a:pPr lvl="1"/>
+            <a:r>
+              <a:rPr lang="en-US" dirty="0">
+                <a:latin typeface="Fira Code" pitchFamily="1" charset="0"/>
+                <a:ea typeface="Fira Code" pitchFamily="1" charset="0"/>
+                <a:cs typeface="Fira Code" pitchFamily="1" charset="0"/>
+              </a:rPr>
+              <a:t>RNG issues</a:t>
+            </a:r>
+          </a:p>
+          <a:p>
+            <a:pPr lvl="1"/>
             <a:endParaRPr lang="en-US" dirty="0">
               <a:latin typeface="Fira Code" pitchFamily="1" charset="0"/>
               <a:ea typeface="Fira Code" pitchFamily="1" charset="0"/>
@@ -4272,40 +4313,7 @@
             </a:endParaRPr>
           </a:p>
           <a:p>
-            <a:r>
-              <a:rPr lang="en-US" dirty="0">
-                <a:latin typeface="Fira Code" pitchFamily="1" charset="0"/>
-                <a:ea typeface="Fira Code" pitchFamily="1" charset="0"/>
-                <a:cs typeface="Fira Code" pitchFamily="1" charset="0"/>
-              </a:rPr>
-              <a:t>Fast GCD algorithm by Bernstein</a:t>
-            </a:r>
-          </a:p>
-          <a:p>
-            <a:r>
-              <a:rPr lang="en-US" dirty="0">
-                <a:latin typeface="Fira Code" pitchFamily="1" charset="0"/>
-                <a:ea typeface="Fira Code" pitchFamily="1" charset="0"/>
-                <a:cs typeface="Fira Code" pitchFamily="1" charset="0"/>
-              </a:rPr>
-              <a:t>Work by N. </a:t>
-            </a:r>
-            <a:r>
-              <a:rPr lang="en-US" dirty="0" err="1">
-                <a:latin typeface="Fira Code" pitchFamily="1" charset="0"/>
-                <a:ea typeface="Fira Code" pitchFamily="1" charset="0"/>
-                <a:cs typeface="Fira Code" pitchFamily="1" charset="0"/>
-              </a:rPr>
-              <a:t>Henniger</a:t>
-            </a:r>
-            <a:r>
-              <a:rPr lang="en-US" dirty="0">
-                <a:latin typeface="Fira Code" pitchFamily="1" charset="0"/>
-                <a:ea typeface="Fira Code" pitchFamily="1" charset="0"/>
-                <a:cs typeface="Fira Code" pitchFamily="1" charset="0"/>
-              </a:rPr>
-              <a:t> et al</a:t>
-            </a:r>
+            <a:pPr lvl="1"/>
             <a:endParaRPr lang="en-US" dirty="0"/>
           </a:p>
         </p:txBody>
@@ -4351,6 +4359,154 @@
     <p:extLst>
       <p:ext uri="{BB962C8B-B14F-4D97-AF65-F5344CB8AC3E}">
         <p14:creationId xmlns:p14="http://schemas.microsoft.com/office/powerpoint/2010/main" val="2984465437"/>
+      </p:ext>
+    </p:extLst>
+  </p:cSld>
+  <p:clrMapOvr>
+    <a:masterClrMapping/>
+  </p:clrMapOvr>
+</p:sld>
+</file>
+
+<file path=ppt/slides/slide6.xml><?xml version="1.0" encoding="utf-8"?>
+<p:sld xmlns:a="http://schemas.openxmlformats.org/drawingml/2006/main" xmlns:r="http://schemas.openxmlformats.org/officeDocument/2006/relationships" xmlns:p="http://schemas.openxmlformats.org/presentationml/2006/main">
+  <p:cSld>
+    <p:spTree>
+      <p:nvGrpSpPr>
+        <p:cNvPr id="1" name=""/>
+        <p:cNvGrpSpPr/>
+        <p:nvPr/>
+      </p:nvGrpSpPr>
+      <p:grpSpPr>
+        <a:xfrm>
+          <a:off x="0" y="0"/>
+          <a:ext cx="0" cy="0"/>
+          <a:chOff x="0" y="0"/>
+          <a:chExt cx="0" cy="0"/>
+        </a:xfrm>
+      </p:grpSpPr>
+      <p:sp>
+        <p:nvSpPr>
+          <p:cNvPr id="2" name="Title 1">
+            <a:extLst>
+              <a:ext uri="{FF2B5EF4-FFF2-40B4-BE49-F238E27FC236}">
+                <a16:creationId xmlns:a16="http://schemas.microsoft.com/office/drawing/2014/main" id="{845CC615-06DC-B5C9-372D-A46EA860E79E}"/>
+              </a:ext>
+            </a:extLst>
+          </p:cNvPr>
+          <p:cNvSpPr>
+            <a:spLocks noGrp="1"/>
+          </p:cNvSpPr>
+          <p:nvPr>
+            <p:ph type="title"/>
+          </p:nvPr>
+        </p:nvSpPr>
+        <p:spPr/>
+        <p:txBody>
+          <a:bodyPr/>
+          <a:lstStyle/>
+          <a:p>
+            <a:r>
+              <a:rPr lang="en-US" dirty="0">
+                <a:latin typeface="Fira Code SemiBold" pitchFamily="1" charset="0"/>
+                <a:ea typeface="Fira Code SemiBold" pitchFamily="1" charset="0"/>
+                <a:cs typeface="Fira Code SemiBold" pitchFamily="1" charset="0"/>
+              </a:rPr>
+              <a:t>Work done so far</a:t>
+            </a:r>
+            <a:endParaRPr lang="en-US" dirty="0"/>
+          </a:p>
+        </p:txBody>
+      </p:sp>
+      <p:sp>
+        <p:nvSpPr>
+          <p:cNvPr id="3" name="Content Placeholder 2">
+            <a:extLst>
+              <a:ext uri="{FF2B5EF4-FFF2-40B4-BE49-F238E27FC236}">
+                <a16:creationId xmlns:a16="http://schemas.microsoft.com/office/drawing/2014/main" id="{9F9B8B46-381E-6A68-7386-6CFFFB3D418A}"/>
+              </a:ext>
+            </a:extLst>
+          </p:cNvPr>
+          <p:cNvSpPr>
+            <a:spLocks noGrp="1"/>
+          </p:cNvSpPr>
+          <p:nvPr>
+            <p:ph idx="1"/>
+          </p:nvPr>
+        </p:nvSpPr>
+        <p:spPr/>
+        <p:txBody>
+          <a:bodyPr/>
+          <a:lstStyle/>
+          <a:p>
+            <a:r>
+              <a:rPr lang="en-US" dirty="0">
+                <a:latin typeface="Fira Code" pitchFamily="1" charset="0"/>
+                <a:ea typeface="Fira Code" pitchFamily="1" charset="0"/>
+                <a:cs typeface="Fira Code" pitchFamily="1" charset="0"/>
+              </a:rPr>
+              <a:t>Study/simulation of “Textbook RSA”</a:t>
+            </a:r>
+          </a:p>
+          <a:p>
+            <a:r>
+              <a:rPr lang="en-US" dirty="0">
+                <a:latin typeface="Fira Code" pitchFamily="1" charset="0"/>
+                <a:ea typeface="Fira Code" pitchFamily="1" charset="0"/>
+                <a:cs typeface="Fira Code" pitchFamily="1" charset="0"/>
+              </a:rPr>
+              <a:t>Port of fast GCD computation into C++ with current version of GNU Multiple precision library</a:t>
+            </a:r>
+          </a:p>
+          <a:p>
+            <a:r>
+              <a:rPr lang="en-US" dirty="0">
+                <a:latin typeface="Fira Code" pitchFamily="1" charset="0"/>
+                <a:ea typeface="Fira Code" pitchFamily="1" charset="0"/>
+                <a:cs typeface="Fira Code" pitchFamily="1" charset="0"/>
+              </a:rPr>
+              <a:t>Working on code for Scanning IPs and </a:t>
+            </a:r>
+            <a:r>
+              <a:rPr lang="en-US">
+                <a:latin typeface="Fira Code" pitchFamily="1" charset="0"/>
+                <a:ea typeface="Fira Code" pitchFamily="1" charset="0"/>
+                <a:cs typeface="Fira Code" pitchFamily="1" charset="0"/>
+              </a:rPr>
+              <a:t>performing handshakes</a:t>
+            </a:r>
+          </a:p>
+          <a:p>
+            <a:pPr marL="0" indent="0">
+              <a:buNone/>
+            </a:pPr>
+            <a:endParaRPr lang="en-US" dirty="0">
+              <a:latin typeface="Fira Code" pitchFamily="1" charset="0"/>
+              <a:ea typeface="Fira Code" pitchFamily="1" charset="0"/>
+              <a:cs typeface="Fira Code" pitchFamily="1" charset="0"/>
+            </a:endParaRPr>
+          </a:p>
+          <a:p>
+            <a:pPr lvl="1"/>
+            <a:endParaRPr lang="en-US" dirty="0">
+              <a:latin typeface="Fira Code" pitchFamily="1" charset="0"/>
+              <a:ea typeface="Fira Code" pitchFamily="1" charset="0"/>
+              <a:cs typeface="Fira Code" pitchFamily="1" charset="0"/>
+            </a:endParaRPr>
+          </a:p>
+          <a:p>
+            <a:pPr lvl="1"/>
+            <a:endParaRPr lang="en-US" dirty="0"/>
+          </a:p>
+          <a:p>
+            <a:endParaRPr lang="en-US" dirty="0"/>
+          </a:p>
+        </p:txBody>
+      </p:sp>
+    </p:spTree>
+    <p:extLst>
+      <p:ext uri="{BB962C8B-B14F-4D97-AF65-F5344CB8AC3E}">
+        <p14:creationId xmlns:p14="http://schemas.microsoft.com/office/powerpoint/2010/main" val="1127506826"/>
       </p:ext>
     </p:extLst>
   </p:cSld>

--- a/Continued use of weak RSA keys.pptx
+++ b/Continued use of weak RSA keys.pptx
@@ -7,10 +7,13 @@
   <p:sldIdLst>
     <p:sldId id="256" r:id="rId2"/>
     <p:sldId id="257" r:id="rId3"/>
-    <p:sldId id="258" r:id="rId4"/>
-    <p:sldId id="259" r:id="rId5"/>
-    <p:sldId id="260" r:id="rId6"/>
-    <p:sldId id="261" r:id="rId7"/>
+    <p:sldId id="264" r:id="rId4"/>
+    <p:sldId id="258" r:id="rId5"/>
+    <p:sldId id="259" r:id="rId6"/>
+    <p:sldId id="263" r:id="rId7"/>
+    <p:sldId id="260" r:id="rId8"/>
+    <p:sldId id="261" r:id="rId9"/>
+    <p:sldId id="262" r:id="rId10"/>
   </p:sldIdLst>
   <p:sldSz cx="12192000" cy="6858000"/>
   <p:notesSz cx="6858000" cy="9144000"/>
@@ -248,7 +251,7 @@
           <a:p>
             <a:fld id="{8163C3DD-D8C3-4164-81E8-B3D71247B728}" type="datetimeFigureOut">
               <a:rPr lang="en-US" smtClean="0"/>
-              <a:t>7/13/2023</a:t>
+              <a:t>7/14/2023</a:t>
             </a:fld>
             <a:endParaRPr lang="en-US"/>
           </a:p>
@@ -418,7 +421,7 @@
           <a:p>
             <a:fld id="{8163C3DD-D8C3-4164-81E8-B3D71247B728}" type="datetimeFigureOut">
               <a:rPr lang="en-US" smtClean="0"/>
-              <a:t>7/13/2023</a:t>
+              <a:t>7/14/2023</a:t>
             </a:fld>
             <a:endParaRPr lang="en-US"/>
           </a:p>
@@ -598,7 +601,7 @@
           <a:p>
             <a:fld id="{8163C3DD-D8C3-4164-81E8-B3D71247B728}" type="datetimeFigureOut">
               <a:rPr lang="en-US" smtClean="0"/>
-              <a:t>7/13/2023</a:t>
+              <a:t>7/14/2023</a:t>
             </a:fld>
             <a:endParaRPr lang="en-US"/>
           </a:p>
@@ -768,7 +771,7 @@
           <a:p>
             <a:fld id="{8163C3DD-D8C3-4164-81E8-B3D71247B728}" type="datetimeFigureOut">
               <a:rPr lang="en-US" smtClean="0"/>
-              <a:t>7/13/2023</a:t>
+              <a:t>7/14/2023</a:t>
             </a:fld>
             <a:endParaRPr lang="en-US"/>
           </a:p>
@@ -1014,7 +1017,7 @@
           <a:p>
             <a:fld id="{8163C3DD-D8C3-4164-81E8-B3D71247B728}" type="datetimeFigureOut">
               <a:rPr lang="en-US" smtClean="0"/>
-              <a:t>7/13/2023</a:t>
+              <a:t>7/14/2023</a:t>
             </a:fld>
             <a:endParaRPr lang="en-US"/>
           </a:p>
@@ -1246,7 +1249,7 @@
           <a:p>
             <a:fld id="{8163C3DD-D8C3-4164-81E8-B3D71247B728}" type="datetimeFigureOut">
               <a:rPr lang="en-US" smtClean="0"/>
-              <a:t>7/13/2023</a:t>
+              <a:t>7/14/2023</a:t>
             </a:fld>
             <a:endParaRPr lang="en-US"/>
           </a:p>
@@ -1613,7 +1616,7 @@
           <a:p>
             <a:fld id="{8163C3DD-D8C3-4164-81E8-B3D71247B728}" type="datetimeFigureOut">
               <a:rPr lang="en-US" smtClean="0"/>
-              <a:t>7/13/2023</a:t>
+              <a:t>7/14/2023</a:t>
             </a:fld>
             <a:endParaRPr lang="en-US"/>
           </a:p>
@@ -1731,7 +1734,7 @@
           <a:p>
             <a:fld id="{8163C3DD-D8C3-4164-81E8-B3D71247B728}" type="datetimeFigureOut">
               <a:rPr lang="en-US" smtClean="0"/>
-              <a:t>7/13/2023</a:t>
+              <a:t>7/14/2023</a:t>
             </a:fld>
             <a:endParaRPr lang="en-US"/>
           </a:p>
@@ -1826,7 +1829,7 @@
           <a:p>
             <a:fld id="{8163C3DD-D8C3-4164-81E8-B3D71247B728}" type="datetimeFigureOut">
               <a:rPr lang="en-US" smtClean="0"/>
-              <a:t>7/13/2023</a:t>
+              <a:t>7/14/2023</a:t>
             </a:fld>
             <a:endParaRPr lang="en-US"/>
           </a:p>
@@ -2103,7 +2106,7 @@
           <a:p>
             <a:fld id="{8163C3DD-D8C3-4164-81E8-B3D71247B728}" type="datetimeFigureOut">
               <a:rPr lang="en-US" smtClean="0"/>
-              <a:t>7/13/2023</a:t>
+              <a:t>7/14/2023</a:t>
             </a:fld>
             <a:endParaRPr lang="en-US"/>
           </a:p>
@@ -2360,7 +2363,7 @@
           <a:p>
             <a:fld id="{8163C3DD-D8C3-4164-81E8-B3D71247B728}" type="datetimeFigureOut">
               <a:rPr lang="en-US" smtClean="0"/>
-              <a:t>7/13/2023</a:t>
+              <a:t>7/14/2023</a:t>
             </a:fld>
             <a:endParaRPr lang="en-US"/>
           </a:p>
@@ -2589,7 +2592,7 @@
           <a:p>
             <a:fld id="{8163C3DD-D8C3-4164-81E8-B3D71247B728}" type="datetimeFigureOut">
               <a:rPr lang="en-US" smtClean="0"/>
-              <a:t>7/13/2023</a:t>
+              <a:t>7/14/2023</a:t>
             </a:fld>
             <a:endParaRPr lang="en-US"/>
           </a:p>
@@ -3017,6 +3020,13 @@
           </a:bodyPr>
           <a:lstStyle/>
           <a:p>
+            <a:br>
+              <a:rPr lang="en-US" dirty="0">
+                <a:latin typeface="Fira Code SemiBold" pitchFamily="1" charset="0"/>
+                <a:ea typeface="Fira Code SemiBold" pitchFamily="1" charset="0"/>
+                <a:cs typeface="Fira Code SemiBold" pitchFamily="1" charset="0"/>
+              </a:rPr>
+            </a:br>
             <a:r>
               <a:rPr lang="en-US" dirty="0">
                 <a:latin typeface="Fira Code SemiBold" pitchFamily="1" charset="0"/>
@@ -3139,7 +3149,7 @@
                 <a:ea typeface="Fira Code SemiBold" pitchFamily="1" charset="0"/>
                 <a:cs typeface="Fira Code SemiBold" pitchFamily="1" charset="0"/>
               </a:rPr>
-              <a:t>Brief Overview of RSA</a:t>
+              <a:t>History of RSA</a:t>
             </a:r>
           </a:p>
         </p:txBody>
@@ -3196,17 +3206,7 @@
                 <a:ea typeface="Fira Code" pitchFamily="1" charset="0"/>
                 <a:cs typeface="Fira Code" pitchFamily="1" charset="0"/>
               </a:rPr>
-              <a:t>Public Key/Asymmetric</a:t>
-            </a:r>
-          </a:p>
-          <a:p>
-            <a:r>
-              <a:rPr lang="en-US" dirty="0">
-                <a:latin typeface="Fira Code" pitchFamily="1" charset="0"/>
-                <a:ea typeface="Fira Code" pitchFamily="1" charset="0"/>
-                <a:cs typeface="Fira Code" pitchFamily="1" charset="0"/>
-              </a:rPr>
-              <a:t>Fermat’s Little Theorem</a:t>
+              <a:t>Public Key/Asymmetric Encryption</a:t>
             </a:r>
           </a:p>
           <a:p>
@@ -3270,6 +3270,1301 @@
       </p:grpSpPr>
       <p:sp>
         <p:nvSpPr>
+          <p:cNvPr id="6" name="Rectangle: Folded Corner 5">
+            <a:extLst>
+              <a:ext uri="{FF2B5EF4-FFF2-40B4-BE49-F238E27FC236}">
+                <a16:creationId xmlns:a16="http://schemas.microsoft.com/office/drawing/2014/main" id="{55FA90B3-BECC-3502-8058-34305E7E5624}"/>
+              </a:ext>
+            </a:extLst>
+          </p:cNvPr>
+          <p:cNvSpPr/>
+          <p:nvPr/>
+        </p:nvSpPr>
+        <p:spPr>
+          <a:xfrm>
+            <a:off x="368748" y="2398923"/>
+            <a:ext cx="1255924" cy="859316"/>
+          </a:xfrm>
+          <a:prstGeom prst="foldedCorner">
+            <a:avLst/>
+          </a:prstGeom>
+        </p:spPr>
+        <p:style>
+          <a:lnRef idx="1">
+            <a:schemeClr val="accent2"/>
+          </a:lnRef>
+          <a:fillRef idx="2">
+            <a:schemeClr val="accent2"/>
+          </a:fillRef>
+          <a:effectRef idx="1">
+            <a:schemeClr val="accent2"/>
+          </a:effectRef>
+          <a:fontRef idx="minor">
+            <a:schemeClr val="dk1"/>
+          </a:fontRef>
+        </p:style>
+        <p:txBody>
+          <a:bodyPr rtlCol="0" anchor="ctr"/>
+          <a:lstStyle/>
+          <a:p>
+            <a:pPr algn="ctr"/>
+            <a:r>
+              <a:rPr lang="en-US" sz="1400" dirty="0">
+                <a:latin typeface="Fira Code Light" pitchFamily="1" charset="0"/>
+                <a:ea typeface="Fira Code Light" pitchFamily="1" charset="0"/>
+                <a:cs typeface="Fira Code Light" pitchFamily="1" charset="0"/>
+              </a:rPr>
+              <a:t>Plaintext</a:t>
+            </a:r>
+          </a:p>
+          <a:p>
+            <a:pPr algn="ctr"/>
+            <a:r>
+              <a:rPr lang="en-US" sz="1400" b="1" dirty="0">
+                <a:latin typeface="Fira Code Light" pitchFamily="1" charset="0"/>
+                <a:ea typeface="Fira Code Light" pitchFamily="1" charset="0"/>
+                <a:cs typeface="Fira Code Light" pitchFamily="1" charset="0"/>
+              </a:rPr>
+              <a:t>P</a:t>
+            </a:r>
+          </a:p>
+        </p:txBody>
+      </p:sp>
+      <p:sp>
+        <p:nvSpPr>
+          <p:cNvPr id="2" name="Title 1">
+            <a:extLst>
+              <a:ext uri="{FF2B5EF4-FFF2-40B4-BE49-F238E27FC236}">
+                <a16:creationId xmlns:a16="http://schemas.microsoft.com/office/drawing/2014/main" id="{3B341041-B5BB-5A11-8408-9174D47B67F2}"/>
+              </a:ext>
+            </a:extLst>
+          </p:cNvPr>
+          <p:cNvSpPr>
+            <a:spLocks noGrp="1"/>
+          </p:cNvSpPr>
+          <p:nvPr>
+            <p:ph type="title"/>
+          </p:nvPr>
+        </p:nvSpPr>
+        <p:spPr/>
+        <p:txBody>
+          <a:bodyPr/>
+          <a:lstStyle/>
+          <a:p>
+            <a:r>
+              <a:rPr lang="en-US" dirty="0">
+                <a:latin typeface="Fira Code SemiBold" pitchFamily="1" charset="0"/>
+                <a:ea typeface="Fira Code SemiBold" pitchFamily="1" charset="0"/>
+                <a:cs typeface="Fira Code SemiBold" pitchFamily="1" charset="0"/>
+              </a:rPr>
+              <a:t>Symmetric Encryption in RSA</a:t>
+            </a:r>
+            <a:endParaRPr lang="en-US" dirty="0"/>
+          </a:p>
+        </p:txBody>
+      </p:sp>
+      <p:sp>
+        <p:nvSpPr>
+          <p:cNvPr id="8" name="Rectangle: Folded Corner 7">
+            <a:extLst>
+              <a:ext uri="{FF2B5EF4-FFF2-40B4-BE49-F238E27FC236}">
+                <a16:creationId xmlns:a16="http://schemas.microsoft.com/office/drawing/2014/main" id="{186CE17E-8FB2-5731-9300-A2CFD7D24884}"/>
+              </a:ext>
+            </a:extLst>
+          </p:cNvPr>
+          <p:cNvSpPr/>
+          <p:nvPr/>
+        </p:nvSpPr>
+        <p:spPr>
+          <a:xfrm>
+            <a:off x="3064347" y="2394390"/>
+            <a:ext cx="1313440" cy="859316"/>
+          </a:xfrm>
+          <a:prstGeom prst="foldedCorner">
+            <a:avLst/>
+          </a:prstGeom>
+        </p:spPr>
+        <p:style>
+          <a:lnRef idx="2">
+            <a:schemeClr val="accent1">
+              <a:shade val="15000"/>
+            </a:schemeClr>
+          </a:lnRef>
+          <a:fillRef idx="1">
+            <a:schemeClr val="accent1"/>
+          </a:fillRef>
+          <a:effectRef idx="0">
+            <a:schemeClr val="accent1"/>
+          </a:effectRef>
+          <a:fontRef idx="minor">
+            <a:schemeClr val="lt1"/>
+          </a:fontRef>
+        </p:style>
+        <p:txBody>
+          <a:bodyPr rtlCol="0" anchor="ctr"/>
+          <a:lstStyle/>
+          <a:p>
+            <a:pPr algn="ctr"/>
+            <a:r>
+              <a:rPr lang="en-US" sz="1400" dirty="0">
+                <a:latin typeface="Fira Code Light" pitchFamily="1" charset="0"/>
+                <a:ea typeface="Fira Code Light" pitchFamily="1" charset="0"/>
+                <a:cs typeface="Fira Code Light" pitchFamily="1" charset="0"/>
+              </a:rPr>
+              <a:t>Ciphertext</a:t>
+            </a:r>
+          </a:p>
+          <a:p>
+            <a:pPr algn="ctr"/>
+            <a:r>
+              <a:rPr lang="en-US" sz="1400" b="1" dirty="0">
+                <a:latin typeface="Fira Code Light" pitchFamily="1" charset="0"/>
+                <a:ea typeface="Fira Code Light" pitchFamily="1" charset="0"/>
+                <a:cs typeface="Fira Code Light" pitchFamily="1" charset="0"/>
+              </a:rPr>
+              <a:t>C=P</a:t>
+            </a:r>
+            <a:r>
+              <a:rPr lang="en-US" sz="1400" b="1" baseline="30000" dirty="0">
+                <a:latin typeface="Fira Code Light" pitchFamily="1" charset="0"/>
+                <a:ea typeface="Fira Code Light" pitchFamily="1" charset="0"/>
+                <a:cs typeface="Fira Code Light" pitchFamily="1" charset="0"/>
+              </a:rPr>
+              <a:t>e</a:t>
+            </a:r>
+            <a:r>
+              <a:rPr lang="en-US" sz="1400" b="1" dirty="0">
+                <a:latin typeface="Fira Code Light" pitchFamily="1" charset="0"/>
+                <a:ea typeface="Fira Code Light" pitchFamily="1" charset="0"/>
+                <a:cs typeface="Fira Code Light" pitchFamily="1" charset="0"/>
+              </a:rPr>
+              <a:t> mod N</a:t>
+            </a:r>
+          </a:p>
+        </p:txBody>
+      </p:sp>
+      <p:sp>
+        <p:nvSpPr>
+          <p:cNvPr id="9" name="Flowchart: Summing Junction 8">
+            <a:extLst>
+              <a:ext uri="{FF2B5EF4-FFF2-40B4-BE49-F238E27FC236}">
+                <a16:creationId xmlns:a16="http://schemas.microsoft.com/office/drawing/2014/main" id="{96A2E84A-11CF-B0D1-89B2-359E8C97BC66}"/>
+              </a:ext>
+            </a:extLst>
+          </p:cNvPr>
+          <p:cNvSpPr/>
+          <p:nvPr/>
+        </p:nvSpPr>
+        <p:spPr>
+          <a:xfrm>
+            <a:off x="2128831" y="2531126"/>
+            <a:ext cx="615108" cy="594910"/>
+          </a:xfrm>
+          <a:prstGeom prst="flowChartSummingJunction">
+            <a:avLst/>
+          </a:prstGeom>
+          <a:ln w="28575"/>
+        </p:spPr>
+        <p:style>
+          <a:lnRef idx="2">
+            <a:schemeClr val="accent4">
+              <a:shade val="15000"/>
+            </a:schemeClr>
+          </a:lnRef>
+          <a:fillRef idx="1">
+            <a:schemeClr val="accent4"/>
+          </a:fillRef>
+          <a:effectRef idx="0">
+            <a:schemeClr val="accent4"/>
+          </a:effectRef>
+          <a:fontRef idx="minor">
+            <a:schemeClr val="lt1"/>
+          </a:fontRef>
+        </p:style>
+        <p:txBody>
+          <a:bodyPr rtlCol="0" anchor="ctr"/>
+          <a:lstStyle/>
+          <a:p>
+            <a:pPr algn="ctr"/>
+            <a:endParaRPr lang="en-US"/>
+          </a:p>
+        </p:txBody>
+      </p:sp>
+      <p:sp>
+        <p:nvSpPr>
+          <p:cNvPr id="10" name="Flowchart: Data 9">
+            <a:extLst>
+              <a:ext uri="{FF2B5EF4-FFF2-40B4-BE49-F238E27FC236}">
+                <a16:creationId xmlns:a16="http://schemas.microsoft.com/office/drawing/2014/main" id="{00629FEA-E071-420E-7678-855B96203641}"/>
+              </a:ext>
+            </a:extLst>
+          </p:cNvPr>
+          <p:cNvSpPr/>
+          <p:nvPr/>
+        </p:nvSpPr>
+        <p:spPr>
+          <a:xfrm>
+            <a:off x="326243" y="4029419"/>
+            <a:ext cx="1637334" cy="959444"/>
+          </a:xfrm>
+          <a:prstGeom prst="flowChartInputOutput">
+            <a:avLst/>
+          </a:prstGeom>
+        </p:spPr>
+        <p:style>
+          <a:lnRef idx="2">
+            <a:schemeClr val="accent6">
+              <a:shade val="15000"/>
+            </a:schemeClr>
+          </a:lnRef>
+          <a:fillRef idx="1">
+            <a:schemeClr val="accent6"/>
+          </a:fillRef>
+          <a:effectRef idx="0">
+            <a:schemeClr val="accent6"/>
+          </a:effectRef>
+          <a:fontRef idx="minor">
+            <a:schemeClr val="lt1"/>
+          </a:fontRef>
+        </p:style>
+        <p:txBody>
+          <a:bodyPr rtlCol="0" anchor="ctr"/>
+          <a:lstStyle/>
+          <a:p>
+            <a:pPr algn="ctr"/>
+            <a:r>
+              <a:rPr lang="en-US" sz="1400" dirty="0">
+                <a:latin typeface="Fira Code Light" pitchFamily="1" charset="0"/>
+                <a:ea typeface="Fira Code Light" pitchFamily="1" charset="0"/>
+                <a:cs typeface="Fira Code Light" pitchFamily="1" charset="0"/>
+              </a:rPr>
+              <a:t>Public key (</a:t>
+            </a:r>
+            <a:r>
+              <a:rPr lang="en-US" sz="1400" b="1" dirty="0">
+                <a:latin typeface="Fira Code Light" pitchFamily="1" charset="0"/>
+                <a:ea typeface="Fira Code Light" pitchFamily="1" charset="0"/>
+                <a:cs typeface="Fira Code Light" pitchFamily="1" charset="0"/>
+              </a:rPr>
+              <a:t>e</a:t>
+            </a:r>
+            <a:r>
+              <a:rPr lang="en-US" sz="1400" dirty="0">
+                <a:latin typeface="Fira Code Light" pitchFamily="1" charset="0"/>
+                <a:ea typeface="Fira Code Light" pitchFamily="1" charset="0"/>
+                <a:cs typeface="Fira Code Light" pitchFamily="1" charset="0"/>
+              </a:rPr>
+              <a:t>)</a:t>
+            </a:r>
+          </a:p>
+        </p:txBody>
+      </p:sp>
+      <p:cxnSp>
+        <p:nvCxnSpPr>
+          <p:cNvPr id="15" name="Connector: Elbow 14">
+            <a:extLst>
+              <a:ext uri="{FF2B5EF4-FFF2-40B4-BE49-F238E27FC236}">
+                <a16:creationId xmlns:a16="http://schemas.microsoft.com/office/drawing/2014/main" id="{14034C93-874A-6A72-2343-FBE9A2C083FA}"/>
+              </a:ext>
+            </a:extLst>
+          </p:cNvPr>
+          <p:cNvCxnSpPr>
+            <a:cxnSpLocks/>
+            <a:stCxn id="10" idx="5"/>
+            <a:endCxn id="9" idx="4"/>
+          </p:cNvCxnSpPr>
+          <p:nvPr/>
+        </p:nvCxnSpPr>
+        <p:spPr>
+          <a:xfrm flipV="1">
+            <a:off x="1799844" y="3126036"/>
+            <a:ext cx="636541" cy="1383105"/>
+          </a:xfrm>
+          <a:prstGeom prst="bentConnector2">
+            <a:avLst/>
+          </a:prstGeom>
+          <a:ln>
+            <a:tailEnd type="triangle"/>
+          </a:ln>
+        </p:spPr>
+        <p:style>
+          <a:lnRef idx="3">
+            <a:schemeClr val="dk1"/>
+          </a:lnRef>
+          <a:fillRef idx="0">
+            <a:schemeClr val="dk1"/>
+          </a:fillRef>
+          <a:effectRef idx="2">
+            <a:schemeClr val="dk1"/>
+          </a:effectRef>
+          <a:fontRef idx="minor">
+            <a:schemeClr val="tx1"/>
+          </a:fontRef>
+        </p:style>
+      </p:cxnSp>
+      <p:sp>
+        <p:nvSpPr>
+          <p:cNvPr id="24" name="Rectangle: Folded Corner 23">
+            <a:extLst>
+              <a:ext uri="{FF2B5EF4-FFF2-40B4-BE49-F238E27FC236}">
+                <a16:creationId xmlns:a16="http://schemas.microsoft.com/office/drawing/2014/main" id="{1B3CC9E1-2893-02EA-C563-EF5B892E3182}"/>
+              </a:ext>
+            </a:extLst>
+          </p:cNvPr>
+          <p:cNvSpPr/>
+          <p:nvPr/>
+        </p:nvSpPr>
+        <p:spPr>
+          <a:xfrm>
+            <a:off x="6053637" y="2394390"/>
+            <a:ext cx="1381645" cy="859316"/>
+          </a:xfrm>
+          <a:prstGeom prst="foldedCorner">
+            <a:avLst/>
+          </a:prstGeom>
+        </p:spPr>
+        <p:style>
+          <a:lnRef idx="2">
+            <a:schemeClr val="accent1">
+              <a:shade val="15000"/>
+            </a:schemeClr>
+          </a:lnRef>
+          <a:fillRef idx="1">
+            <a:schemeClr val="accent1"/>
+          </a:fillRef>
+          <a:effectRef idx="0">
+            <a:schemeClr val="accent1"/>
+          </a:effectRef>
+          <a:fontRef idx="minor">
+            <a:schemeClr val="lt1"/>
+          </a:fontRef>
+        </p:style>
+        <p:txBody>
+          <a:bodyPr rtlCol="0" anchor="ctr"/>
+          <a:lstStyle/>
+          <a:p>
+            <a:pPr algn="ctr"/>
+            <a:r>
+              <a:rPr lang="en-US" sz="1400" dirty="0">
+                <a:latin typeface="Fira Code Light" pitchFamily="1" charset="0"/>
+                <a:ea typeface="Fira Code Light" pitchFamily="1" charset="0"/>
+                <a:cs typeface="Fira Code Light" pitchFamily="1" charset="0"/>
+              </a:rPr>
+              <a:t>Ciphertext</a:t>
+            </a:r>
+          </a:p>
+          <a:p>
+            <a:pPr algn="ctr"/>
+            <a:r>
+              <a:rPr lang="en-US" sz="1400" b="1" dirty="0">
+                <a:latin typeface="Fira Code Light" pitchFamily="1" charset="0"/>
+                <a:ea typeface="Fira Code Light" pitchFamily="1" charset="0"/>
+                <a:cs typeface="Fira Code Light" pitchFamily="1" charset="0"/>
+              </a:rPr>
+              <a:t>C=P</a:t>
+            </a:r>
+            <a:r>
+              <a:rPr lang="en-US" sz="1400" b="1" baseline="30000" dirty="0">
+                <a:latin typeface="Fira Code Light" pitchFamily="1" charset="0"/>
+                <a:ea typeface="Fira Code Light" pitchFamily="1" charset="0"/>
+                <a:cs typeface="Fira Code Light" pitchFamily="1" charset="0"/>
+              </a:rPr>
+              <a:t>e</a:t>
+            </a:r>
+            <a:r>
+              <a:rPr lang="en-US" sz="1400" b="1" dirty="0">
+                <a:latin typeface="Fira Code Light" pitchFamily="1" charset="0"/>
+                <a:ea typeface="Fira Code Light" pitchFamily="1" charset="0"/>
+                <a:cs typeface="Fira Code Light" pitchFamily="1" charset="0"/>
+              </a:rPr>
+              <a:t> mod N</a:t>
+            </a:r>
+          </a:p>
+        </p:txBody>
+      </p:sp>
+      <p:sp>
+        <p:nvSpPr>
+          <p:cNvPr id="28" name="Flowchart: Data 27">
+            <a:extLst>
+              <a:ext uri="{FF2B5EF4-FFF2-40B4-BE49-F238E27FC236}">
+                <a16:creationId xmlns:a16="http://schemas.microsoft.com/office/drawing/2014/main" id="{A8F9B54A-7E77-EFC2-6F59-44D24813B548}"/>
+              </a:ext>
+            </a:extLst>
+          </p:cNvPr>
+          <p:cNvSpPr/>
+          <p:nvPr/>
+        </p:nvSpPr>
+        <p:spPr>
+          <a:xfrm>
+            <a:off x="5654127" y="4029419"/>
+            <a:ext cx="1637334" cy="959444"/>
+          </a:xfrm>
+          <a:prstGeom prst="flowChartInputOutput">
+            <a:avLst/>
+          </a:prstGeom>
+        </p:spPr>
+        <p:style>
+          <a:lnRef idx="2">
+            <a:schemeClr val="accent6">
+              <a:shade val="15000"/>
+            </a:schemeClr>
+          </a:lnRef>
+          <a:fillRef idx="1">
+            <a:schemeClr val="accent6"/>
+          </a:fillRef>
+          <a:effectRef idx="0">
+            <a:schemeClr val="accent6"/>
+          </a:effectRef>
+          <a:fontRef idx="minor">
+            <a:schemeClr val="lt1"/>
+          </a:fontRef>
+        </p:style>
+        <p:txBody>
+          <a:bodyPr rtlCol="0" anchor="ctr"/>
+          <a:lstStyle/>
+          <a:p>
+            <a:pPr algn="ctr"/>
+            <a:r>
+              <a:rPr lang="en-US" sz="1400" dirty="0">
+                <a:latin typeface="Fira Code Light" pitchFamily="1" charset="0"/>
+                <a:ea typeface="Fira Code Light" pitchFamily="1" charset="0"/>
+                <a:cs typeface="Fira Code Light" pitchFamily="1" charset="0"/>
+              </a:rPr>
+              <a:t>Private key (</a:t>
+            </a:r>
+            <a:r>
+              <a:rPr lang="en-US" sz="1400" b="1" dirty="0">
+                <a:latin typeface="Fira Code Light" pitchFamily="1" charset="0"/>
+                <a:ea typeface="Fira Code Light" pitchFamily="1" charset="0"/>
+                <a:cs typeface="Fira Code Light" pitchFamily="1" charset="0"/>
+              </a:rPr>
+              <a:t>d</a:t>
+            </a:r>
+            <a:r>
+              <a:rPr lang="en-US" sz="1400" dirty="0">
+                <a:latin typeface="Fira Code Light" pitchFamily="1" charset="0"/>
+                <a:ea typeface="Fira Code Light" pitchFamily="1" charset="0"/>
+                <a:cs typeface="Fira Code Light" pitchFamily="1" charset="0"/>
+              </a:rPr>
+              <a:t>)</a:t>
+            </a:r>
+          </a:p>
+        </p:txBody>
+      </p:sp>
+      <p:sp>
+        <p:nvSpPr>
+          <p:cNvPr id="29" name="Flowchart: Summing Junction 28">
+            <a:extLst>
+              <a:ext uri="{FF2B5EF4-FFF2-40B4-BE49-F238E27FC236}">
+                <a16:creationId xmlns:a16="http://schemas.microsoft.com/office/drawing/2014/main" id="{7D00B898-60A4-70ED-4A81-26D5E2DCB4C2}"/>
+              </a:ext>
+            </a:extLst>
+          </p:cNvPr>
+          <p:cNvSpPr/>
+          <p:nvPr/>
+        </p:nvSpPr>
+        <p:spPr>
+          <a:xfrm>
+            <a:off x="7677019" y="2526593"/>
+            <a:ext cx="615108" cy="594910"/>
+          </a:xfrm>
+          <a:prstGeom prst="flowChartSummingJunction">
+            <a:avLst/>
+          </a:prstGeom>
+          <a:ln w="28575"/>
+        </p:spPr>
+        <p:style>
+          <a:lnRef idx="2">
+            <a:schemeClr val="accent4">
+              <a:shade val="15000"/>
+            </a:schemeClr>
+          </a:lnRef>
+          <a:fillRef idx="1">
+            <a:schemeClr val="accent4"/>
+          </a:fillRef>
+          <a:effectRef idx="0">
+            <a:schemeClr val="accent4"/>
+          </a:effectRef>
+          <a:fontRef idx="minor">
+            <a:schemeClr val="lt1"/>
+          </a:fontRef>
+        </p:style>
+        <p:txBody>
+          <a:bodyPr rtlCol="0" anchor="ctr"/>
+          <a:lstStyle/>
+          <a:p>
+            <a:pPr algn="ctr"/>
+            <a:endParaRPr lang="en-US"/>
+          </a:p>
+        </p:txBody>
+      </p:sp>
+      <p:cxnSp>
+        <p:nvCxnSpPr>
+          <p:cNvPr id="30" name="Connector: Elbow 29">
+            <a:extLst>
+              <a:ext uri="{FF2B5EF4-FFF2-40B4-BE49-F238E27FC236}">
+                <a16:creationId xmlns:a16="http://schemas.microsoft.com/office/drawing/2014/main" id="{702B2DB5-D511-01E0-F4A9-14221836DDED}"/>
+              </a:ext>
+            </a:extLst>
+          </p:cNvPr>
+          <p:cNvCxnSpPr>
+            <a:cxnSpLocks/>
+            <a:stCxn id="28" idx="5"/>
+            <a:endCxn id="29" idx="4"/>
+          </p:cNvCxnSpPr>
+          <p:nvPr/>
+        </p:nvCxnSpPr>
+        <p:spPr>
+          <a:xfrm flipV="1">
+            <a:off x="7127728" y="3121503"/>
+            <a:ext cx="856845" cy="1387638"/>
+          </a:xfrm>
+          <a:prstGeom prst="bentConnector2">
+            <a:avLst/>
+          </a:prstGeom>
+          <a:ln>
+            <a:tailEnd type="triangle"/>
+          </a:ln>
+        </p:spPr>
+        <p:style>
+          <a:lnRef idx="3">
+            <a:schemeClr val="dk1"/>
+          </a:lnRef>
+          <a:fillRef idx="0">
+            <a:schemeClr val="dk1"/>
+          </a:fillRef>
+          <a:effectRef idx="2">
+            <a:schemeClr val="dk1"/>
+          </a:effectRef>
+          <a:fontRef idx="minor">
+            <a:schemeClr val="tx1"/>
+          </a:fontRef>
+        </p:style>
+      </p:cxnSp>
+      <p:sp>
+        <p:nvSpPr>
+          <p:cNvPr id="49" name="Rectangle: Folded Corner 48">
+            <a:extLst>
+              <a:ext uri="{FF2B5EF4-FFF2-40B4-BE49-F238E27FC236}">
+                <a16:creationId xmlns:a16="http://schemas.microsoft.com/office/drawing/2014/main" id="{46E576F3-D64D-AAAF-0474-49468785667B}"/>
+              </a:ext>
+            </a:extLst>
+          </p:cNvPr>
+          <p:cNvSpPr/>
+          <p:nvPr/>
+        </p:nvSpPr>
+        <p:spPr>
+          <a:xfrm>
+            <a:off x="9584675" y="2394390"/>
+            <a:ext cx="1461491" cy="859316"/>
+          </a:xfrm>
+          <a:prstGeom prst="foldedCorner">
+            <a:avLst/>
+          </a:prstGeom>
+        </p:spPr>
+        <p:style>
+          <a:lnRef idx="1">
+            <a:schemeClr val="accent2"/>
+          </a:lnRef>
+          <a:fillRef idx="2">
+            <a:schemeClr val="accent2"/>
+          </a:fillRef>
+          <a:effectRef idx="1">
+            <a:schemeClr val="accent2"/>
+          </a:effectRef>
+          <a:fontRef idx="minor">
+            <a:schemeClr val="dk1"/>
+          </a:fontRef>
+        </p:style>
+        <p:txBody>
+          <a:bodyPr rtlCol="0" anchor="ctr"/>
+          <a:lstStyle/>
+          <a:p>
+            <a:pPr algn="ctr"/>
+            <a:r>
+              <a:rPr lang="en-US" sz="1400" dirty="0">
+                <a:solidFill>
+                  <a:schemeClr val="dk1"/>
+                </a:solidFill>
+                <a:latin typeface="Fira Code Light" pitchFamily="1" charset="0"/>
+                <a:ea typeface="Fira Code Light" pitchFamily="1" charset="0"/>
+                <a:cs typeface="Fira Code Light" pitchFamily="1" charset="0"/>
+              </a:rPr>
+              <a:t>Plaintext</a:t>
+            </a:r>
+          </a:p>
+          <a:p>
+            <a:pPr algn="ctr"/>
+            <a:r>
+              <a:rPr lang="en-US" sz="1400" b="1" dirty="0">
+                <a:latin typeface="Fira Code Light" pitchFamily="1" charset="0"/>
+                <a:ea typeface="Fira Code Light" pitchFamily="1" charset="0"/>
+                <a:cs typeface="Fira Code Light" pitchFamily="1" charset="0"/>
+              </a:rPr>
+              <a:t>P=C</a:t>
+            </a:r>
+            <a:r>
+              <a:rPr lang="en-US" sz="1400" b="1" baseline="30000" dirty="0">
+                <a:latin typeface="Fira Code Light" pitchFamily="1" charset="0"/>
+                <a:ea typeface="Fira Code Light" pitchFamily="1" charset="0"/>
+                <a:cs typeface="Fira Code Light" pitchFamily="1" charset="0"/>
+              </a:rPr>
+              <a:t>d</a:t>
+            </a:r>
+            <a:r>
+              <a:rPr lang="en-US" sz="1400" b="1" dirty="0">
+                <a:latin typeface="Fira Code Light" pitchFamily="1" charset="0"/>
+                <a:ea typeface="Fira Code Light" pitchFamily="1" charset="0"/>
+                <a:cs typeface="Fira Code Light" pitchFamily="1" charset="0"/>
+              </a:rPr>
+              <a:t> mod N</a:t>
+            </a:r>
+          </a:p>
+        </p:txBody>
+      </p:sp>
+      <p:sp>
+        <p:nvSpPr>
+          <p:cNvPr id="57" name="Cloud 56">
+            <a:extLst>
+              <a:ext uri="{FF2B5EF4-FFF2-40B4-BE49-F238E27FC236}">
+                <a16:creationId xmlns:a16="http://schemas.microsoft.com/office/drawing/2014/main" id="{696C1EB4-EB0C-2D82-2016-8BA28F83BF34}"/>
+              </a:ext>
+            </a:extLst>
+          </p:cNvPr>
+          <p:cNvSpPr/>
+          <p:nvPr/>
+        </p:nvSpPr>
+        <p:spPr>
+          <a:xfrm>
+            <a:off x="4685341" y="2157641"/>
+            <a:ext cx="1255924" cy="1266539"/>
+          </a:xfrm>
+          <a:prstGeom prst="cloud">
+            <a:avLst/>
+          </a:prstGeom>
+        </p:spPr>
+        <p:style>
+          <a:lnRef idx="2">
+            <a:schemeClr val="accent5"/>
+          </a:lnRef>
+          <a:fillRef idx="1">
+            <a:schemeClr val="lt1"/>
+          </a:fillRef>
+          <a:effectRef idx="0">
+            <a:schemeClr val="accent5"/>
+          </a:effectRef>
+          <a:fontRef idx="minor">
+            <a:schemeClr val="dk1"/>
+          </a:fontRef>
+        </p:style>
+        <p:txBody>
+          <a:bodyPr rtlCol="0" anchor="ctr"/>
+          <a:lstStyle/>
+          <a:p>
+            <a:pPr algn="ctr"/>
+            <a:endParaRPr lang="en-US" dirty="0"/>
+          </a:p>
+        </p:txBody>
+      </p:sp>
+      <p:cxnSp>
+        <p:nvCxnSpPr>
+          <p:cNvPr id="71" name="Straight Arrow Connector 70">
+            <a:extLst>
+              <a:ext uri="{FF2B5EF4-FFF2-40B4-BE49-F238E27FC236}">
+                <a16:creationId xmlns:a16="http://schemas.microsoft.com/office/drawing/2014/main" id="{6928219F-27C3-6DB2-1F14-B009C3D1CDE0}"/>
+              </a:ext>
+            </a:extLst>
+          </p:cNvPr>
+          <p:cNvCxnSpPr>
+            <a:stCxn id="6" idx="3"/>
+            <a:endCxn id="9" idx="2"/>
+          </p:cNvCxnSpPr>
+          <p:nvPr/>
+        </p:nvCxnSpPr>
+        <p:spPr>
+          <a:xfrm>
+            <a:off x="1624672" y="2828581"/>
+            <a:ext cx="504159" cy="0"/>
+          </a:xfrm>
+          <a:prstGeom prst="straightConnector1">
+            <a:avLst/>
+          </a:prstGeom>
+          <a:ln>
+            <a:tailEnd type="triangle"/>
+          </a:ln>
+        </p:spPr>
+        <p:style>
+          <a:lnRef idx="3">
+            <a:schemeClr val="dk1"/>
+          </a:lnRef>
+          <a:fillRef idx="0">
+            <a:schemeClr val="dk1"/>
+          </a:fillRef>
+          <a:effectRef idx="2">
+            <a:schemeClr val="dk1"/>
+          </a:effectRef>
+          <a:fontRef idx="minor">
+            <a:schemeClr val="tx1"/>
+          </a:fontRef>
+        </p:style>
+      </p:cxnSp>
+      <p:cxnSp>
+        <p:nvCxnSpPr>
+          <p:cNvPr id="72" name="Straight Arrow Connector 71">
+            <a:extLst>
+              <a:ext uri="{FF2B5EF4-FFF2-40B4-BE49-F238E27FC236}">
+                <a16:creationId xmlns:a16="http://schemas.microsoft.com/office/drawing/2014/main" id="{8866CF8E-C11A-61A7-AF93-944DC1C8AB1D}"/>
+              </a:ext>
+            </a:extLst>
+          </p:cNvPr>
+          <p:cNvCxnSpPr>
+            <a:cxnSpLocks/>
+            <a:stCxn id="9" idx="6"/>
+            <a:endCxn id="8" idx="1"/>
+          </p:cNvCxnSpPr>
+          <p:nvPr/>
+        </p:nvCxnSpPr>
+        <p:spPr>
+          <a:xfrm flipV="1">
+            <a:off x="2743939" y="2824048"/>
+            <a:ext cx="320408" cy="4533"/>
+          </a:xfrm>
+          <a:prstGeom prst="straightConnector1">
+            <a:avLst/>
+          </a:prstGeom>
+          <a:ln>
+            <a:tailEnd type="triangle"/>
+          </a:ln>
+        </p:spPr>
+        <p:style>
+          <a:lnRef idx="3">
+            <a:schemeClr val="dk1"/>
+          </a:lnRef>
+          <a:fillRef idx="0">
+            <a:schemeClr val="dk1"/>
+          </a:fillRef>
+          <a:effectRef idx="2">
+            <a:schemeClr val="dk1"/>
+          </a:effectRef>
+          <a:fontRef idx="minor">
+            <a:schemeClr val="tx1"/>
+          </a:fontRef>
+        </p:style>
+      </p:cxnSp>
+      <p:cxnSp>
+        <p:nvCxnSpPr>
+          <p:cNvPr id="75" name="Straight Arrow Connector 74">
+            <a:extLst>
+              <a:ext uri="{FF2B5EF4-FFF2-40B4-BE49-F238E27FC236}">
+                <a16:creationId xmlns:a16="http://schemas.microsoft.com/office/drawing/2014/main" id="{02D70BC3-25B3-E4E6-FF69-4637F9DF4D3C}"/>
+              </a:ext>
+            </a:extLst>
+          </p:cNvPr>
+          <p:cNvCxnSpPr>
+            <a:cxnSpLocks/>
+            <a:stCxn id="24" idx="3"/>
+            <a:endCxn id="29" idx="2"/>
+          </p:cNvCxnSpPr>
+          <p:nvPr/>
+        </p:nvCxnSpPr>
+        <p:spPr>
+          <a:xfrm>
+            <a:off x="7435282" y="2824048"/>
+            <a:ext cx="241737" cy="0"/>
+          </a:xfrm>
+          <a:prstGeom prst="straightConnector1">
+            <a:avLst/>
+          </a:prstGeom>
+          <a:ln>
+            <a:tailEnd type="triangle"/>
+          </a:ln>
+        </p:spPr>
+        <p:style>
+          <a:lnRef idx="3">
+            <a:schemeClr val="dk1"/>
+          </a:lnRef>
+          <a:fillRef idx="0">
+            <a:schemeClr val="dk1"/>
+          </a:fillRef>
+          <a:effectRef idx="2">
+            <a:schemeClr val="dk1"/>
+          </a:effectRef>
+          <a:fontRef idx="minor">
+            <a:schemeClr val="tx1"/>
+          </a:fontRef>
+        </p:style>
+      </p:cxnSp>
+      <p:cxnSp>
+        <p:nvCxnSpPr>
+          <p:cNvPr id="78" name="Straight Arrow Connector 77">
+            <a:extLst>
+              <a:ext uri="{FF2B5EF4-FFF2-40B4-BE49-F238E27FC236}">
+                <a16:creationId xmlns:a16="http://schemas.microsoft.com/office/drawing/2014/main" id="{67ED2F88-1F4B-A217-BE19-7390C84B1878}"/>
+              </a:ext>
+            </a:extLst>
+          </p:cNvPr>
+          <p:cNvCxnSpPr>
+            <a:cxnSpLocks/>
+            <a:stCxn id="29" idx="6"/>
+            <a:endCxn id="49" idx="1"/>
+          </p:cNvCxnSpPr>
+          <p:nvPr/>
+        </p:nvCxnSpPr>
+        <p:spPr>
+          <a:xfrm>
+            <a:off x="8292127" y="2824048"/>
+            <a:ext cx="1292548" cy="0"/>
+          </a:xfrm>
+          <a:prstGeom prst="straightConnector1">
+            <a:avLst/>
+          </a:prstGeom>
+          <a:ln>
+            <a:tailEnd type="triangle"/>
+          </a:ln>
+        </p:spPr>
+        <p:style>
+          <a:lnRef idx="3">
+            <a:schemeClr val="dk1"/>
+          </a:lnRef>
+          <a:fillRef idx="0">
+            <a:schemeClr val="dk1"/>
+          </a:fillRef>
+          <a:effectRef idx="2">
+            <a:schemeClr val="dk1"/>
+          </a:effectRef>
+          <a:fontRef idx="minor">
+            <a:schemeClr val="tx1"/>
+          </a:fontRef>
+        </p:style>
+      </p:cxnSp>
+      <p:sp>
+        <p:nvSpPr>
+          <p:cNvPr id="81" name="Flowchart: Alternate Process 80">
+            <a:extLst>
+              <a:ext uri="{FF2B5EF4-FFF2-40B4-BE49-F238E27FC236}">
+                <a16:creationId xmlns:a16="http://schemas.microsoft.com/office/drawing/2014/main" id="{5372902B-73EA-F31C-46A5-01F6F049FFAB}"/>
+              </a:ext>
+            </a:extLst>
+          </p:cNvPr>
+          <p:cNvSpPr/>
+          <p:nvPr/>
+        </p:nvSpPr>
+        <p:spPr>
+          <a:xfrm>
+            <a:off x="8292127" y="3957409"/>
+            <a:ext cx="2754039" cy="2454408"/>
+          </a:xfrm>
+          <a:prstGeom prst="flowChartAlternateProcess">
+            <a:avLst/>
+          </a:prstGeom>
+        </p:spPr>
+        <p:style>
+          <a:lnRef idx="2">
+            <a:schemeClr val="accent6">
+              <a:shade val="15000"/>
+            </a:schemeClr>
+          </a:lnRef>
+          <a:fillRef idx="1">
+            <a:schemeClr val="accent6"/>
+          </a:fillRef>
+          <a:effectRef idx="0">
+            <a:schemeClr val="accent6"/>
+          </a:effectRef>
+          <a:fontRef idx="minor">
+            <a:schemeClr val="lt1"/>
+          </a:fontRef>
+        </p:style>
+        <p:txBody>
+          <a:bodyPr rtlCol="0" anchor="ctr"/>
+          <a:lstStyle/>
+          <a:p>
+            <a:pPr algn="ctr"/>
+            <a:r>
+              <a:rPr lang="en-US" sz="1100" b="1" dirty="0">
+                <a:latin typeface="Fira Code Light" pitchFamily="1" charset="0"/>
+                <a:ea typeface="Fira Code Light" pitchFamily="1" charset="0"/>
+                <a:cs typeface="Fira Code Light" pitchFamily="1" charset="0"/>
+              </a:rPr>
+              <a:t>Key generator:</a:t>
+            </a:r>
+          </a:p>
+          <a:p>
+            <a:pPr algn="ctr"/>
+            <a:r>
+              <a:rPr lang="en-US" sz="1100" dirty="0">
+                <a:latin typeface="Fira Code Light" pitchFamily="1" charset="0"/>
+                <a:ea typeface="Fira Code Light" pitchFamily="1" charset="0"/>
+                <a:cs typeface="Fira Code Light" pitchFamily="1" charset="0"/>
+              </a:rPr>
+              <a:t>Select primes </a:t>
+            </a:r>
+            <a:r>
+              <a:rPr lang="en-US" sz="1100" b="1" dirty="0">
+                <a:latin typeface="Fira Code Light" pitchFamily="1" charset="0"/>
+                <a:ea typeface="Fira Code Light" pitchFamily="1" charset="0"/>
+                <a:cs typeface="Fira Code Light" pitchFamily="1" charset="0"/>
+              </a:rPr>
+              <a:t>p</a:t>
+            </a:r>
+            <a:r>
+              <a:rPr lang="en-US" sz="1100" dirty="0">
+                <a:latin typeface="Fira Code Light" pitchFamily="1" charset="0"/>
+                <a:ea typeface="Fira Code Light" pitchFamily="1" charset="0"/>
+                <a:cs typeface="Fira Code Light" pitchFamily="1" charset="0"/>
+              </a:rPr>
+              <a:t>, </a:t>
+            </a:r>
+            <a:r>
+              <a:rPr lang="en-US" sz="1100" b="1" dirty="0">
+                <a:latin typeface="Fira Code Light" pitchFamily="1" charset="0"/>
+                <a:ea typeface="Fira Code Light" pitchFamily="1" charset="0"/>
+                <a:cs typeface="Fira Code Light" pitchFamily="1" charset="0"/>
+              </a:rPr>
+              <a:t>q</a:t>
+            </a:r>
+          </a:p>
+          <a:p>
+            <a:pPr algn="ctr"/>
+            <a:endParaRPr lang="en-US" sz="1100" dirty="0">
+              <a:latin typeface="Fira Code Light" pitchFamily="1" charset="0"/>
+              <a:ea typeface="Fira Code Light" pitchFamily="1" charset="0"/>
+              <a:cs typeface="Fira Code Light" pitchFamily="1" charset="0"/>
+            </a:endParaRPr>
+          </a:p>
+          <a:p>
+            <a:pPr algn="ctr"/>
+            <a:r>
+              <a:rPr lang="en-US" sz="1100" dirty="0">
+                <a:latin typeface="Fira Code Light" pitchFamily="1" charset="0"/>
+                <a:ea typeface="Fira Code Light" pitchFamily="1" charset="0"/>
+                <a:cs typeface="Fira Code Light" pitchFamily="1" charset="0"/>
+              </a:rPr>
+              <a:t>Calculate </a:t>
+            </a:r>
+            <a:r>
+              <a:rPr lang="en-US" sz="1100" b="1" dirty="0">
+                <a:latin typeface="Fira Code Light" pitchFamily="1" charset="0"/>
+                <a:ea typeface="Fira Code Light" pitchFamily="1" charset="0"/>
+                <a:cs typeface="Fira Code Light" pitchFamily="1" charset="0"/>
+              </a:rPr>
+              <a:t>N</a:t>
+            </a:r>
+            <a:r>
+              <a:rPr lang="en-US" sz="1100" dirty="0">
+                <a:latin typeface="Fira Code Light" pitchFamily="1" charset="0"/>
+                <a:ea typeface="Fira Code Light" pitchFamily="1" charset="0"/>
+                <a:cs typeface="Fira Code Light" pitchFamily="1" charset="0"/>
+              </a:rPr>
+              <a:t>=</a:t>
+            </a:r>
+            <a:r>
+              <a:rPr lang="en-US" sz="1100" b="1" dirty="0" err="1">
+                <a:latin typeface="Fira Code Light" pitchFamily="1" charset="0"/>
+                <a:ea typeface="Fira Code Light" pitchFamily="1" charset="0"/>
+                <a:cs typeface="Fira Code Light" pitchFamily="1" charset="0"/>
+              </a:rPr>
+              <a:t>pq</a:t>
+            </a:r>
+            <a:endParaRPr lang="en-US" sz="1100" b="1" dirty="0">
+              <a:latin typeface="Fira Code Light" pitchFamily="1" charset="0"/>
+              <a:ea typeface="Fira Code Light" pitchFamily="1" charset="0"/>
+              <a:cs typeface="Fira Code Light" pitchFamily="1" charset="0"/>
+            </a:endParaRPr>
+          </a:p>
+          <a:p>
+            <a:pPr algn="ctr"/>
+            <a:endParaRPr lang="en-US" sz="1100" b="1" dirty="0">
+              <a:latin typeface="Fira Code Light" pitchFamily="1" charset="0"/>
+              <a:ea typeface="Fira Code Light" pitchFamily="1" charset="0"/>
+              <a:cs typeface="Fira Code Light" pitchFamily="1" charset="0"/>
+            </a:endParaRPr>
+          </a:p>
+          <a:p>
+            <a:pPr algn="ctr"/>
+            <a:r>
+              <a:rPr lang="en-US" sz="1100">
+                <a:latin typeface="Fira Code Light" pitchFamily="1" charset="0"/>
+                <a:ea typeface="Fira Code Light" pitchFamily="1" charset="0"/>
+                <a:cs typeface="Fira Code Light" pitchFamily="1" charset="0"/>
+              </a:rPr>
+              <a:t>Calculate </a:t>
+            </a:r>
+            <a:r>
+              <a:rPr lang="el-GR" sz="1100" u="none" strike="noStrike" baseline="0" dirty="0">
+                <a:latin typeface="Fira Code Light" pitchFamily="1" charset="0"/>
+                <a:ea typeface="Fira Code Light" pitchFamily="1" charset="0"/>
+                <a:cs typeface="Fira Code Light" pitchFamily="1" charset="0"/>
+              </a:rPr>
+              <a:t>φ</a:t>
+            </a:r>
+            <a:r>
+              <a:rPr lang="en-US" sz="1100" u="none" strike="noStrike" baseline="0" dirty="0">
+                <a:latin typeface="Fira Code Light" pitchFamily="1" charset="0"/>
+                <a:ea typeface="Fira Code Light" pitchFamily="1" charset="0"/>
+                <a:cs typeface="Fira Code Light" pitchFamily="1" charset="0"/>
+              </a:rPr>
+              <a:t>(</a:t>
+            </a:r>
+            <a:r>
+              <a:rPr lang="en-US" sz="1100" b="1" u="none" strike="noStrike" baseline="0" dirty="0">
+                <a:latin typeface="Fira Code Light" pitchFamily="1" charset="0"/>
+                <a:ea typeface="Fira Code Light" pitchFamily="1" charset="0"/>
+                <a:cs typeface="Fira Code Light" pitchFamily="1" charset="0"/>
+              </a:rPr>
+              <a:t>N</a:t>
+            </a:r>
+            <a:r>
+              <a:rPr lang="en-US" sz="1100" u="none" strike="noStrike" baseline="0" dirty="0">
+                <a:latin typeface="Fira Code Light" pitchFamily="1" charset="0"/>
+                <a:ea typeface="Fira Code Light" pitchFamily="1" charset="0"/>
+                <a:cs typeface="Fira Code Light" pitchFamily="1" charset="0"/>
+              </a:rPr>
+              <a:t>)</a:t>
+            </a:r>
+            <a:r>
+              <a:rPr lang="en-US" sz="1100" b="1" u="none" strike="noStrike" baseline="0" dirty="0">
+                <a:latin typeface="Fira Code Light" pitchFamily="1" charset="0"/>
+                <a:ea typeface="Fira Code Light" pitchFamily="1" charset="0"/>
+                <a:cs typeface="Fira Code Light" pitchFamily="1" charset="0"/>
+              </a:rPr>
+              <a:t> </a:t>
+            </a:r>
+            <a:r>
+              <a:rPr lang="en-US" sz="1100" u="none" strike="noStrike" baseline="0" dirty="0">
+                <a:latin typeface="Fira Code Light" pitchFamily="1" charset="0"/>
+                <a:ea typeface="Fira Code Light" pitchFamily="1" charset="0"/>
+                <a:cs typeface="Fira Code Light" pitchFamily="1" charset="0"/>
+              </a:rPr>
+              <a:t>= (p-1)(q-1)</a:t>
+            </a:r>
+            <a:endParaRPr lang="en-US" sz="1100" dirty="0">
+              <a:latin typeface="Fira Code Light" pitchFamily="1" charset="0"/>
+              <a:ea typeface="Fira Code Light" pitchFamily="1" charset="0"/>
+              <a:cs typeface="Fira Code Light" pitchFamily="1" charset="0"/>
+            </a:endParaRPr>
+          </a:p>
+          <a:p>
+            <a:pPr algn="ctr"/>
+            <a:endParaRPr lang="en-US" sz="1100" dirty="0">
+              <a:latin typeface="Fira Code Light" pitchFamily="1" charset="0"/>
+              <a:ea typeface="Fira Code Light" pitchFamily="1" charset="0"/>
+              <a:cs typeface="Fira Code Light" pitchFamily="1" charset="0"/>
+            </a:endParaRPr>
+          </a:p>
+          <a:p>
+            <a:pPr algn="ctr"/>
+            <a:r>
+              <a:rPr lang="en-US" sz="1100" dirty="0">
+                <a:latin typeface="Fira Code Light" pitchFamily="1" charset="0"/>
+                <a:ea typeface="Fira Code Light" pitchFamily="1" charset="0"/>
+                <a:cs typeface="Fira Code Light" pitchFamily="1" charset="0"/>
+              </a:rPr>
+              <a:t>Pick public key (e) which is coprime with </a:t>
+            </a:r>
+            <a:r>
+              <a:rPr lang="el-GR" sz="1100" u="none" strike="noStrike" baseline="0" dirty="0">
+                <a:latin typeface="Fira Code Light" pitchFamily="1" charset="0"/>
+                <a:ea typeface="Fira Code Light" pitchFamily="1" charset="0"/>
+                <a:cs typeface="Fira Code Light" pitchFamily="1" charset="0"/>
+              </a:rPr>
+              <a:t>φ</a:t>
+            </a:r>
+            <a:r>
+              <a:rPr lang="en-US" sz="1100" u="none" strike="noStrike" baseline="0" dirty="0">
+                <a:latin typeface="Fira Code Light" pitchFamily="1" charset="0"/>
+                <a:ea typeface="Fira Code Light" pitchFamily="1" charset="0"/>
+                <a:cs typeface="Fira Code Light" pitchFamily="1" charset="0"/>
+              </a:rPr>
+              <a:t>(</a:t>
+            </a:r>
+            <a:r>
+              <a:rPr lang="en-US" sz="1100" b="1" u="none" strike="noStrike" baseline="0" dirty="0">
+                <a:latin typeface="Fira Code Light" pitchFamily="1" charset="0"/>
+                <a:ea typeface="Fira Code Light" pitchFamily="1" charset="0"/>
+                <a:cs typeface="Fira Code Light" pitchFamily="1" charset="0"/>
+              </a:rPr>
+              <a:t>N</a:t>
+            </a:r>
+            <a:r>
+              <a:rPr lang="en-US" sz="1100" u="none" strike="noStrike" baseline="0" dirty="0">
+                <a:latin typeface="Fira Code Light" pitchFamily="1" charset="0"/>
+                <a:ea typeface="Fira Code Light" pitchFamily="1" charset="0"/>
+                <a:cs typeface="Fira Code Light" pitchFamily="1" charset="0"/>
+              </a:rPr>
+              <a:t>)</a:t>
+            </a:r>
+            <a:endParaRPr lang="en-US" sz="1100" dirty="0">
+              <a:latin typeface="Fira Code Light" pitchFamily="1" charset="0"/>
+              <a:ea typeface="Fira Code Light" pitchFamily="1" charset="0"/>
+              <a:cs typeface="Fira Code Light" pitchFamily="1" charset="0"/>
+            </a:endParaRPr>
+          </a:p>
+          <a:p>
+            <a:pPr algn="ctr"/>
+            <a:endParaRPr lang="en-US" sz="1100" dirty="0">
+              <a:latin typeface="Fira Code Light" pitchFamily="1" charset="0"/>
+              <a:ea typeface="Fira Code Light" pitchFamily="1" charset="0"/>
+              <a:cs typeface="Fira Code Light" pitchFamily="1" charset="0"/>
+            </a:endParaRPr>
+          </a:p>
+          <a:p>
+            <a:pPr algn="ctr"/>
+            <a:r>
+              <a:rPr lang="en-US" sz="1100" dirty="0">
+                <a:latin typeface="Fira Code Light" pitchFamily="1" charset="0"/>
+                <a:ea typeface="Fira Code Light" pitchFamily="1" charset="0"/>
+                <a:cs typeface="Fira Code Light" pitchFamily="1" charset="0"/>
+              </a:rPr>
+              <a:t>Find private key (d) where e x d = 1 (mod </a:t>
+            </a:r>
+            <a:r>
+              <a:rPr lang="el-GR" sz="1100" u="none" strike="noStrike" baseline="0" dirty="0">
+                <a:latin typeface="Fira Code Light" pitchFamily="1" charset="0"/>
+                <a:ea typeface="Fira Code Light" pitchFamily="1" charset="0"/>
+                <a:cs typeface="Fira Code Light" pitchFamily="1" charset="0"/>
+              </a:rPr>
+              <a:t>φ</a:t>
+            </a:r>
+            <a:r>
+              <a:rPr lang="en-US" sz="1100" u="none" strike="noStrike" baseline="0" dirty="0">
+                <a:latin typeface="Fira Code Light" pitchFamily="1" charset="0"/>
+                <a:ea typeface="Fira Code Light" pitchFamily="1" charset="0"/>
+                <a:cs typeface="Fira Code Light" pitchFamily="1" charset="0"/>
+              </a:rPr>
+              <a:t>(N))</a:t>
+            </a:r>
+            <a:endParaRPr lang="en-US" sz="1100" dirty="0">
+              <a:latin typeface="Fira Code Light" pitchFamily="1" charset="0"/>
+              <a:ea typeface="Fira Code Light" pitchFamily="1" charset="0"/>
+              <a:cs typeface="Fira Code Light" pitchFamily="1" charset="0"/>
+            </a:endParaRPr>
+          </a:p>
+          <a:p>
+            <a:pPr algn="ctr"/>
+            <a:endParaRPr lang="en-US" sz="1100" dirty="0">
+              <a:latin typeface="Fira Code Light" pitchFamily="1" charset="0"/>
+              <a:ea typeface="Fira Code Light" pitchFamily="1" charset="0"/>
+              <a:cs typeface="Fira Code Light" pitchFamily="1" charset="0"/>
+            </a:endParaRPr>
+          </a:p>
+        </p:txBody>
+      </p:sp>
+      <p:cxnSp>
+        <p:nvCxnSpPr>
+          <p:cNvPr id="85" name="Connector: Elbow 84">
+            <a:extLst>
+              <a:ext uri="{FF2B5EF4-FFF2-40B4-BE49-F238E27FC236}">
+                <a16:creationId xmlns:a16="http://schemas.microsoft.com/office/drawing/2014/main" id="{0BAEF6FE-865A-3264-454F-1CA77599A5AB}"/>
+              </a:ext>
+            </a:extLst>
+          </p:cNvPr>
+          <p:cNvCxnSpPr>
+            <a:cxnSpLocks/>
+            <a:endCxn id="28" idx="3"/>
+          </p:cNvCxnSpPr>
+          <p:nvPr/>
+        </p:nvCxnSpPr>
+        <p:spPr>
+          <a:xfrm rot="10800000">
+            <a:off x="6309061" y="4988864"/>
+            <a:ext cx="1590532" cy="1135725"/>
+          </a:xfrm>
+          <a:prstGeom prst="bentConnector2">
+            <a:avLst/>
+          </a:prstGeom>
+          <a:ln>
+            <a:tailEnd type="triangle"/>
+          </a:ln>
+        </p:spPr>
+        <p:style>
+          <a:lnRef idx="3">
+            <a:schemeClr val="dk1"/>
+          </a:lnRef>
+          <a:fillRef idx="0">
+            <a:schemeClr val="dk1"/>
+          </a:fillRef>
+          <a:effectRef idx="2">
+            <a:schemeClr val="dk1"/>
+          </a:effectRef>
+          <a:fontRef idx="minor">
+            <a:schemeClr val="tx1"/>
+          </a:fontRef>
+        </p:style>
+      </p:cxnSp>
+      <p:cxnSp>
+        <p:nvCxnSpPr>
+          <p:cNvPr id="88" name="Connector: Elbow 87">
+            <a:extLst>
+              <a:ext uri="{FF2B5EF4-FFF2-40B4-BE49-F238E27FC236}">
+                <a16:creationId xmlns:a16="http://schemas.microsoft.com/office/drawing/2014/main" id="{56F2F66A-7B48-B9BD-C89A-CACAE366E2FA}"/>
+              </a:ext>
+            </a:extLst>
+          </p:cNvPr>
+          <p:cNvCxnSpPr>
+            <a:cxnSpLocks/>
+            <a:endCxn id="10" idx="3"/>
+          </p:cNvCxnSpPr>
+          <p:nvPr/>
+        </p:nvCxnSpPr>
+        <p:spPr>
+          <a:xfrm rot="10800000">
+            <a:off x="981177" y="4988863"/>
+            <a:ext cx="7310950" cy="1131184"/>
+          </a:xfrm>
+          <a:prstGeom prst="bentConnector2">
+            <a:avLst/>
+          </a:prstGeom>
+          <a:ln>
+            <a:tailEnd type="triangle"/>
+          </a:ln>
+        </p:spPr>
+        <p:style>
+          <a:lnRef idx="3">
+            <a:schemeClr val="dk1"/>
+          </a:lnRef>
+          <a:fillRef idx="0">
+            <a:schemeClr val="dk1"/>
+          </a:fillRef>
+          <a:effectRef idx="2">
+            <a:schemeClr val="dk1"/>
+          </a:effectRef>
+          <a:fontRef idx="minor">
+            <a:schemeClr val="tx1"/>
+          </a:fontRef>
+        </p:style>
+      </p:cxnSp>
+    </p:spTree>
+    <p:extLst>
+      <p:ext uri="{BB962C8B-B14F-4D97-AF65-F5344CB8AC3E}">
+        <p14:creationId xmlns:p14="http://schemas.microsoft.com/office/powerpoint/2010/main" val="2010870182"/>
+      </p:ext>
+    </p:extLst>
+  </p:cSld>
+  <p:clrMapOvr>
+    <a:masterClrMapping/>
+  </p:clrMapOvr>
+</p:sld>
+</file>
+
+<file path=ppt/slides/slide4.xml><?xml version="1.0" encoding="utf-8"?>
+<p:sld xmlns:a="http://schemas.openxmlformats.org/drawingml/2006/main" xmlns:r="http://schemas.openxmlformats.org/officeDocument/2006/relationships" xmlns:p="http://schemas.openxmlformats.org/presentationml/2006/main">
+  <p:cSld>
+    <p:spTree>
+      <p:nvGrpSpPr>
+        <p:cNvPr id="1" name=""/>
+        <p:cNvGrpSpPr/>
+        <p:nvPr/>
+      </p:nvGrpSpPr>
+      <p:grpSpPr>
+        <a:xfrm>
+          <a:off x="0" y="0"/>
+          <a:ext cx="0" cy="0"/>
+          <a:chOff x="0" y="0"/>
+          <a:chExt cx="0" cy="0"/>
+        </a:xfrm>
+      </p:grpSpPr>
+      <p:sp>
+        <p:nvSpPr>
           <p:cNvPr id="4" name="Title 1">
             <a:extLst>
               <a:ext uri="{FF2B5EF4-FFF2-40B4-BE49-F238E27FC236}">
@@ -3452,7 +4747,7 @@
                 <a:ea typeface="Fira Code" pitchFamily="1" charset="0"/>
                 <a:cs typeface="Fira Code" pitchFamily="1" charset="0"/>
               </a:rPr>
-              <a:t>Select </a:t>
+              <a:t>Pick</a:t>
             </a:r>
             <a:r>
               <a:rPr lang="en-US" b="1" dirty="0">
@@ -3460,7 +4755,7 @@
                 <a:ea typeface="Fira Code" pitchFamily="1" charset="0"/>
                 <a:cs typeface="Fira Code" pitchFamily="1" charset="0"/>
               </a:rPr>
-              <a:t>e</a:t>
+              <a:t> e</a:t>
             </a:r>
             <a:r>
               <a:rPr lang="en-US" dirty="0">
@@ -3518,7 +4813,7 @@
                 <a:ea typeface="Fira Code" pitchFamily="1" charset="0"/>
                 <a:cs typeface="Fira Code" pitchFamily="1" charset="0"/>
               </a:rPr>
-              <a:t>Calculate </a:t>
+              <a:t>Find</a:t>
             </a:r>
             <a:r>
               <a:rPr lang="en-US" b="1" dirty="0">
@@ -3526,7 +4821,7 @@
                 <a:ea typeface="Fira Code" pitchFamily="1" charset="0"/>
                 <a:cs typeface="Fira Code" pitchFamily="1" charset="0"/>
               </a:rPr>
-              <a:t>d</a:t>
+              <a:t> d</a:t>
             </a:r>
             <a:r>
               <a:rPr lang="en-US" dirty="0">
@@ -3722,7 +5017,7 @@
 </p:sld>
 </file>
 
-<file path=ppt/slides/slide4.xml><?xml version="1.0" encoding="utf-8"?>
+<file path=ppt/slides/slide5.xml><?xml version="1.0" encoding="utf-8"?>
 <p:sld xmlns:a="http://schemas.openxmlformats.org/drawingml/2006/main" xmlns:r="http://schemas.openxmlformats.org/officeDocument/2006/relationships" xmlns:p="http://schemas.openxmlformats.org/presentationml/2006/main">
   <p:cSld>
     <p:bg>
@@ -3786,7 +5081,7 @@
                 <a:ea typeface="Fira Code SemiBold" pitchFamily="1" charset="0"/>
                 <a:cs typeface="Fira Code SemiBold" pitchFamily="1" charset="0"/>
               </a:rPr>
-              <a:t>RSA in the real world</a:t>
+              <a:t>RSA Technical issues/Real world limitations</a:t>
             </a:r>
           </a:p>
         </p:txBody>
@@ -3932,7 +5227,7 @@
                 <a:ea typeface="Fira Code" pitchFamily="1" charset="0"/>
                 <a:cs typeface="Fira Code" pitchFamily="1" charset="0"/>
               </a:rPr>
-              <a:t>e</a:t>
+              <a:t>e </a:t>
             </a:r>
             <a:endParaRPr lang="en-US" dirty="0">
               <a:latin typeface="Fira Code" pitchFamily="1" charset="0"/>
@@ -3959,6 +5254,39 @@
               </a:rPr>
               <a:t>Hardware limitations</a:t>
             </a:r>
+          </a:p>
+          <a:p>
+            <a:r>
+              <a:rPr lang="en-US" dirty="0">
+                <a:latin typeface="Fira Code" pitchFamily="1" charset="0"/>
+                <a:ea typeface="Fira Code" pitchFamily="1" charset="0"/>
+                <a:cs typeface="Fira Code" pitchFamily="1" charset="0"/>
+              </a:rPr>
+              <a:t>Inertia</a:t>
+            </a:r>
+          </a:p>
+          <a:p>
+            <a:r>
+              <a:rPr lang="en-US" dirty="0">
+                <a:latin typeface="Fira Code" pitchFamily="1" charset="0"/>
+                <a:ea typeface="Fira Code" pitchFamily="1" charset="0"/>
+                <a:cs typeface="Fira Code" pitchFamily="1" charset="0"/>
+              </a:rPr>
+              <a:t>Intimidated by </a:t>
+            </a:r>
+            <a:r>
+              <a:rPr lang="en-US" dirty="0" err="1">
+                <a:latin typeface="Fira Code" pitchFamily="1" charset="0"/>
+                <a:ea typeface="Fira Code" pitchFamily="1" charset="0"/>
+                <a:cs typeface="Fira Code" pitchFamily="1" charset="0"/>
+              </a:rPr>
+              <a:t>Maths</a:t>
+            </a:r>
+            <a:endParaRPr lang="en-US" dirty="0">
+              <a:latin typeface="Fira Code" pitchFamily="1" charset="0"/>
+              <a:ea typeface="Fira Code" pitchFamily="1" charset="0"/>
+              <a:cs typeface="Fira Code" pitchFamily="1" charset="0"/>
+            </a:endParaRPr>
           </a:p>
           <a:p>
             <a:endParaRPr lang="en-US" dirty="0">
@@ -4199,7 +5527,421 @@
 </p:sld>
 </file>
 
-<file path=ppt/slides/slide5.xml><?xml version="1.0" encoding="utf-8"?>
+<file path=ppt/slides/slide6.xml><?xml version="1.0" encoding="utf-8"?>
+<p:sld xmlns:a="http://schemas.openxmlformats.org/drawingml/2006/main" xmlns:r="http://schemas.openxmlformats.org/officeDocument/2006/relationships" xmlns:p="http://schemas.openxmlformats.org/presentationml/2006/main">
+  <p:cSld>
+    <p:bg>
+      <p:bgPr>
+        <a:gradFill>
+          <a:gsLst>
+            <a:gs pos="8000">
+              <a:schemeClr val="bg2">
+                <a:lumMod val="50000"/>
+              </a:schemeClr>
+            </a:gs>
+            <a:gs pos="79000">
+              <a:schemeClr val="accent5">
+                <a:lumMod val="75000"/>
+              </a:schemeClr>
+            </a:gs>
+          </a:gsLst>
+          <a:lin ang="5400000" scaled="0"/>
+        </a:gradFill>
+        <a:effectLst/>
+      </p:bgPr>
+    </p:bg>
+    <p:spTree>
+      <p:nvGrpSpPr>
+        <p:cNvPr id="1" name=""/>
+        <p:cNvGrpSpPr/>
+        <p:nvPr/>
+      </p:nvGrpSpPr>
+      <p:grpSpPr>
+        <a:xfrm>
+          <a:off x="0" y="0"/>
+          <a:ext cx="0" cy="0"/>
+          <a:chOff x="0" y="0"/>
+          <a:chExt cx="0" cy="0"/>
+        </a:xfrm>
+      </p:grpSpPr>
+      <p:sp>
+        <p:nvSpPr>
+          <p:cNvPr id="4" name="Title 1">
+            <a:extLst>
+              <a:ext uri="{FF2B5EF4-FFF2-40B4-BE49-F238E27FC236}">
+                <a16:creationId xmlns:a16="http://schemas.microsoft.com/office/drawing/2014/main" id="{9F98250A-136B-883D-00B2-E48BA019F49A}"/>
+              </a:ext>
+            </a:extLst>
+          </p:cNvPr>
+          <p:cNvSpPr>
+            <a:spLocks noGrp="1"/>
+          </p:cNvSpPr>
+          <p:nvPr>
+            <p:ph type="title"/>
+          </p:nvPr>
+        </p:nvSpPr>
+        <p:spPr/>
+        <p:txBody>
+          <a:bodyPr/>
+          <a:lstStyle/>
+          <a:p>
+            <a:r>
+              <a:rPr lang="en-US" dirty="0">
+                <a:latin typeface="Fira Code SemiBold" pitchFamily="1" charset="0"/>
+                <a:ea typeface="Fira Code SemiBold" pitchFamily="1" charset="0"/>
+                <a:cs typeface="Fira Code SemiBold" pitchFamily="1" charset="0"/>
+              </a:rPr>
+              <a:t>RSA Technical issues/Real world limitations</a:t>
+            </a:r>
+          </a:p>
+        </p:txBody>
+      </p:sp>
+      <p:sp>
+        <p:nvSpPr>
+          <p:cNvPr id="3" name="Content Placeholder 2">
+            <a:extLst>
+              <a:ext uri="{FF2B5EF4-FFF2-40B4-BE49-F238E27FC236}">
+                <a16:creationId xmlns:a16="http://schemas.microsoft.com/office/drawing/2014/main" id="{E51D34EC-CE77-3522-E865-814E643B0A43}"/>
+              </a:ext>
+            </a:extLst>
+          </p:cNvPr>
+          <p:cNvSpPr>
+            <a:spLocks noGrp="1"/>
+          </p:cNvSpPr>
+          <p:nvPr>
+            <p:ph idx="1"/>
+          </p:nvPr>
+        </p:nvSpPr>
+        <p:spPr/>
+        <p:txBody>
+          <a:bodyPr/>
+          <a:lstStyle/>
+          <a:p>
+            <a:r>
+              <a:rPr lang="en-US" dirty="0">
+                <a:latin typeface="Fira Code" pitchFamily="1" charset="0"/>
+                <a:ea typeface="Fira Code" pitchFamily="1" charset="0"/>
+                <a:cs typeface="Fira Code" pitchFamily="1" charset="0"/>
+              </a:rPr>
+              <a:t>Work by N. </a:t>
+            </a:r>
+            <a:r>
+              <a:rPr lang="en-US" dirty="0" err="1">
+                <a:latin typeface="Fira Code" pitchFamily="1" charset="0"/>
+                <a:ea typeface="Fira Code" pitchFamily="1" charset="0"/>
+                <a:cs typeface="Fira Code" pitchFamily="1" charset="0"/>
+              </a:rPr>
+              <a:t>Henniger</a:t>
+            </a:r>
+            <a:r>
+              <a:rPr lang="en-US" dirty="0">
+                <a:latin typeface="Fira Code" pitchFamily="1" charset="0"/>
+                <a:ea typeface="Fira Code" pitchFamily="1" charset="0"/>
+                <a:cs typeface="Fira Code" pitchFamily="1" charset="0"/>
+              </a:rPr>
+              <a:t> et al (2012) showed that as many as 64000 TLS hosts and 108000 SSH hosts across the internet use weak keys</a:t>
+            </a:r>
+          </a:p>
+          <a:p>
+            <a:pPr lvl="1"/>
+            <a:r>
+              <a:rPr lang="en-US" dirty="0">
+                <a:latin typeface="Fira Code" pitchFamily="1" charset="0"/>
+                <a:ea typeface="Fira Code" pitchFamily="1" charset="0"/>
+                <a:cs typeface="Fira Code" pitchFamily="1" charset="0"/>
+              </a:rPr>
+              <a:t>Default settings/keys</a:t>
+            </a:r>
+          </a:p>
+          <a:p>
+            <a:pPr lvl="1"/>
+            <a:r>
+              <a:rPr lang="en-US" dirty="0">
+                <a:latin typeface="Fira Code" pitchFamily="1" charset="0"/>
+                <a:ea typeface="Fira Code" pitchFamily="1" charset="0"/>
+                <a:cs typeface="Fira Code" pitchFamily="1" charset="0"/>
+              </a:rPr>
+              <a:t>RNG issues</a:t>
+            </a:r>
+          </a:p>
+          <a:p>
+            <a:r>
+              <a:rPr lang="en-US" dirty="0">
+                <a:latin typeface="Fira Code" pitchFamily="1" charset="0"/>
+                <a:ea typeface="Fira Code" pitchFamily="1" charset="0"/>
+                <a:cs typeface="Fira Code" pitchFamily="1" charset="0"/>
+              </a:rPr>
+              <a:t>Work by </a:t>
+            </a:r>
+            <a:r>
+              <a:rPr lang="en-US" dirty="0" err="1">
+                <a:latin typeface="Fira Code" pitchFamily="1" charset="0"/>
+                <a:ea typeface="Fira Code" pitchFamily="1" charset="0"/>
+                <a:cs typeface="Fira Code" pitchFamily="1" charset="0"/>
+              </a:rPr>
+              <a:t>Knockel</a:t>
+            </a:r>
+            <a:r>
+              <a:rPr lang="en-US" dirty="0">
+                <a:latin typeface="Fira Code" pitchFamily="1" charset="0"/>
+                <a:ea typeface="Fira Code" pitchFamily="1" charset="0"/>
+                <a:cs typeface="Fira Code" pitchFamily="1" charset="0"/>
+              </a:rPr>
+              <a:t> et al (2018) showed that weak RSA implementations are still out in the wild</a:t>
+            </a:r>
+          </a:p>
+          <a:p>
+            <a:pPr lvl="1"/>
+            <a:r>
+              <a:rPr lang="en-US" dirty="0">
+                <a:latin typeface="Fira Code" pitchFamily="1" charset="0"/>
+                <a:ea typeface="Fira Code" pitchFamily="1" charset="0"/>
+                <a:cs typeface="Fira Code" pitchFamily="1" charset="0"/>
+              </a:rPr>
+              <a:t>Browsers</a:t>
+            </a:r>
+          </a:p>
+          <a:p>
+            <a:pPr lvl="1"/>
+            <a:endParaRPr lang="en-US" dirty="0">
+              <a:latin typeface="Fira Code" pitchFamily="1" charset="0"/>
+              <a:ea typeface="Fira Code" pitchFamily="1" charset="0"/>
+              <a:cs typeface="Fira Code" pitchFamily="1" charset="0"/>
+            </a:endParaRPr>
+          </a:p>
+          <a:p>
+            <a:endParaRPr lang="en-US" dirty="0">
+              <a:latin typeface="Fira Code" pitchFamily="1" charset="0"/>
+              <a:ea typeface="Fira Code" pitchFamily="1" charset="0"/>
+              <a:cs typeface="Fira Code" pitchFamily="1" charset="0"/>
+            </a:endParaRPr>
+          </a:p>
+          <a:p>
+            <a:endParaRPr lang="en-US" b="1" dirty="0">
+              <a:latin typeface="Fira Code" pitchFamily="1" charset="0"/>
+              <a:ea typeface="Fira Code" pitchFamily="1" charset="0"/>
+              <a:cs typeface="Fira Code" pitchFamily="1" charset="0"/>
+            </a:endParaRPr>
+          </a:p>
+          <a:p>
+            <a:endParaRPr lang="en-US" dirty="0"/>
+          </a:p>
+        </p:txBody>
+      </p:sp>
+      <p:sp>
+        <p:nvSpPr>
+          <p:cNvPr id="5" name="Content Placeholder 2">
+            <a:extLst>
+              <a:ext uri="{FF2B5EF4-FFF2-40B4-BE49-F238E27FC236}">
+                <a16:creationId xmlns:a16="http://schemas.microsoft.com/office/drawing/2014/main" id="{A5E2BAAC-7752-723B-510E-37285C9E5D70}"/>
+              </a:ext>
+            </a:extLst>
+          </p:cNvPr>
+          <p:cNvSpPr txBox="1">
+            <a:spLocks/>
+          </p:cNvSpPr>
+          <p:nvPr/>
+        </p:nvSpPr>
+        <p:spPr>
+          <a:xfrm>
+            <a:off x="1073150" y="2762250"/>
+            <a:ext cx="10045700" cy="4351338"/>
+          </a:xfrm>
+          <a:prstGeom prst="rect">
+            <a:avLst/>
+          </a:prstGeom>
+        </p:spPr>
+        <p:txBody>
+          <a:bodyPr vert="horz" lIns="91440" tIns="45720" rIns="91440" bIns="45720" rtlCol="0">
+            <a:normAutofit/>
+          </a:bodyPr>
+          <a:lstStyle>
+            <a:lvl1pPr marL="228600" indent="-228600" algn="l" defTabSz="914400" rtl="0" eaLnBrk="1" latinLnBrk="0" hangingPunct="1">
+              <a:lnSpc>
+                <a:spcPct val="90000"/>
+              </a:lnSpc>
+              <a:spcBef>
+                <a:spcPts val="1000"/>
+              </a:spcBef>
+              <a:buFont typeface="Arial" panose="020B0604020202020204" pitchFamily="34" charset="0"/>
+              <a:buChar char="•"/>
+              <a:defRPr sz="2800" kern="1200">
+                <a:solidFill>
+                  <a:schemeClr val="tx1"/>
+                </a:solidFill>
+                <a:latin typeface="+mn-lt"/>
+                <a:ea typeface="+mn-ea"/>
+                <a:cs typeface="+mn-cs"/>
+              </a:defRPr>
+            </a:lvl1pPr>
+            <a:lvl2pPr marL="685800" indent="-228600" algn="l" defTabSz="914400" rtl="0" eaLnBrk="1" latinLnBrk="0" hangingPunct="1">
+              <a:lnSpc>
+                <a:spcPct val="90000"/>
+              </a:lnSpc>
+              <a:spcBef>
+                <a:spcPts val="500"/>
+              </a:spcBef>
+              <a:buFont typeface="Arial" panose="020B0604020202020204" pitchFamily="34" charset="0"/>
+              <a:buChar char="•"/>
+              <a:defRPr sz="2400" kern="1200">
+                <a:solidFill>
+                  <a:schemeClr val="tx1"/>
+                </a:solidFill>
+                <a:latin typeface="+mn-lt"/>
+                <a:ea typeface="+mn-ea"/>
+                <a:cs typeface="+mn-cs"/>
+              </a:defRPr>
+            </a:lvl2pPr>
+            <a:lvl3pPr marL="1143000" indent="-228600" algn="l" defTabSz="914400" rtl="0" eaLnBrk="1" latinLnBrk="0" hangingPunct="1">
+              <a:lnSpc>
+                <a:spcPct val="90000"/>
+              </a:lnSpc>
+              <a:spcBef>
+                <a:spcPts val="500"/>
+              </a:spcBef>
+              <a:buFont typeface="Arial" panose="020B0604020202020204" pitchFamily="34" charset="0"/>
+              <a:buChar char="•"/>
+              <a:defRPr sz="2000" kern="1200">
+                <a:solidFill>
+                  <a:schemeClr val="tx1"/>
+                </a:solidFill>
+                <a:latin typeface="+mn-lt"/>
+                <a:ea typeface="+mn-ea"/>
+                <a:cs typeface="+mn-cs"/>
+              </a:defRPr>
+            </a:lvl3pPr>
+            <a:lvl4pPr marL="1600200" indent="-228600" algn="l" defTabSz="914400" rtl="0" eaLnBrk="1" latinLnBrk="0" hangingPunct="1">
+              <a:lnSpc>
+                <a:spcPct val="90000"/>
+              </a:lnSpc>
+              <a:spcBef>
+                <a:spcPts val="500"/>
+              </a:spcBef>
+              <a:buFont typeface="Arial" panose="020B0604020202020204" pitchFamily="34" charset="0"/>
+              <a:buChar char="•"/>
+              <a:defRPr sz="1800" kern="1200">
+                <a:solidFill>
+                  <a:schemeClr val="tx1"/>
+                </a:solidFill>
+                <a:latin typeface="+mn-lt"/>
+                <a:ea typeface="+mn-ea"/>
+                <a:cs typeface="+mn-cs"/>
+              </a:defRPr>
+            </a:lvl4pPr>
+            <a:lvl5pPr marL="2057400" indent="-228600" algn="l" defTabSz="914400" rtl="0" eaLnBrk="1" latinLnBrk="0" hangingPunct="1">
+              <a:lnSpc>
+                <a:spcPct val="90000"/>
+              </a:lnSpc>
+              <a:spcBef>
+                <a:spcPts val="500"/>
+              </a:spcBef>
+              <a:buFont typeface="Arial" panose="020B0604020202020204" pitchFamily="34" charset="0"/>
+              <a:buChar char="•"/>
+              <a:defRPr sz="1800" kern="1200">
+                <a:solidFill>
+                  <a:schemeClr val="tx1"/>
+                </a:solidFill>
+                <a:latin typeface="+mn-lt"/>
+                <a:ea typeface="+mn-ea"/>
+                <a:cs typeface="+mn-cs"/>
+              </a:defRPr>
+            </a:lvl5pPr>
+            <a:lvl6pPr marL="2514600" indent="-228600" algn="l" defTabSz="914400" rtl="0" eaLnBrk="1" latinLnBrk="0" hangingPunct="1">
+              <a:lnSpc>
+                <a:spcPct val="90000"/>
+              </a:lnSpc>
+              <a:spcBef>
+                <a:spcPts val="500"/>
+              </a:spcBef>
+              <a:buFont typeface="Arial" panose="020B0604020202020204" pitchFamily="34" charset="0"/>
+              <a:buChar char="•"/>
+              <a:defRPr sz="1800" kern="1200">
+                <a:solidFill>
+                  <a:schemeClr val="tx1"/>
+                </a:solidFill>
+                <a:latin typeface="+mn-lt"/>
+                <a:ea typeface="+mn-ea"/>
+                <a:cs typeface="+mn-cs"/>
+              </a:defRPr>
+            </a:lvl6pPr>
+            <a:lvl7pPr marL="2971800" indent="-228600" algn="l" defTabSz="914400" rtl="0" eaLnBrk="1" latinLnBrk="0" hangingPunct="1">
+              <a:lnSpc>
+                <a:spcPct val="90000"/>
+              </a:lnSpc>
+              <a:spcBef>
+                <a:spcPts val="500"/>
+              </a:spcBef>
+              <a:buFont typeface="Arial" panose="020B0604020202020204" pitchFamily="34" charset="0"/>
+              <a:buChar char="•"/>
+              <a:defRPr sz="1800" kern="1200">
+                <a:solidFill>
+                  <a:schemeClr val="tx1"/>
+                </a:solidFill>
+                <a:latin typeface="+mn-lt"/>
+                <a:ea typeface="+mn-ea"/>
+                <a:cs typeface="+mn-cs"/>
+              </a:defRPr>
+            </a:lvl7pPr>
+            <a:lvl8pPr marL="3429000" indent="-228600" algn="l" defTabSz="914400" rtl="0" eaLnBrk="1" latinLnBrk="0" hangingPunct="1">
+              <a:lnSpc>
+                <a:spcPct val="90000"/>
+              </a:lnSpc>
+              <a:spcBef>
+                <a:spcPts val="500"/>
+              </a:spcBef>
+              <a:buFont typeface="Arial" panose="020B0604020202020204" pitchFamily="34" charset="0"/>
+              <a:buChar char="•"/>
+              <a:defRPr sz="1800" kern="1200">
+                <a:solidFill>
+                  <a:schemeClr val="tx1"/>
+                </a:solidFill>
+                <a:latin typeface="+mn-lt"/>
+                <a:ea typeface="+mn-ea"/>
+                <a:cs typeface="+mn-cs"/>
+              </a:defRPr>
+            </a:lvl8pPr>
+            <a:lvl9pPr marL="3886200" indent="-228600" algn="l" defTabSz="914400" rtl="0" eaLnBrk="1" latinLnBrk="0" hangingPunct="1">
+              <a:lnSpc>
+                <a:spcPct val="90000"/>
+              </a:lnSpc>
+              <a:spcBef>
+                <a:spcPts val="500"/>
+              </a:spcBef>
+              <a:buFont typeface="Arial" panose="020B0604020202020204" pitchFamily="34" charset="0"/>
+              <a:buChar char="•"/>
+              <a:defRPr sz="1800" kern="1200">
+                <a:solidFill>
+                  <a:schemeClr val="tx1"/>
+                </a:solidFill>
+                <a:latin typeface="+mn-lt"/>
+                <a:ea typeface="+mn-ea"/>
+                <a:cs typeface="+mn-cs"/>
+              </a:defRPr>
+            </a:lvl9pPr>
+          </a:lstStyle>
+          <a:p>
+            <a:endParaRPr lang="en-US" b="1" dirty="0">
+              <a:latin typeface="Fira Code" pitchFamily="1" charset="0"/>
+              <a:ea typeface="Fira Code" pitchFamily="1" charset="0"/>
+              <a:cs typeface="Fira Code" pitchFamily="1" charset="0"/>
+            </a:endParaRPr>
+          </a:p>
+        </p:txBody>
+      </p:sp>
+    </p:spTree>
+    <p:extLst>
+      <p:ext uri="{BB962C8B-B14F-4D97-AF65-F5344CB8AC3E}">
+        <p14:creationId xmlns:p14="http://schemas.microsoft.com/office/powerpoint/2010/main" val="1868016921"/>
+      </p:ext>
+    </p:extLst>
+  </p:cSld>
+  <p:clrMapOvr>
+    <a:masterClrMapping/>
+  </p:clrMapOvr>
+</p:sld>
+</file>
+
+<file path=ppt/slides/slide7.xml><?xml version="1.0" encoding="utf-8"?>
 <p:sld xmlns:a="http://schemas.openxmlformats.org/drawingml/2006/main" xmlns:r="http://schemas.openxmlformats.org/officeDocument/2006/relationships" xmlns:p="http://schemas.openxmlformats.org/presentationml/2006/main">
   <p:cSld>
     <p:spTree>
@@ -4253,33 +5995,40 @@
                 <a:ea typeface="Fira Code" pitchFamily="1" charset="0"/>
                 <a:cs typeface="Fira Code" pitchFamily="1" charset="0"/>
               </a:rPr>
-              <a:t>How many RSA keys are weak</a:t>
-            </a:r>
-          </a:p>
-          <a:p>
+              <a:t>How much have things changed since </a:t>
+            </a:r>
+            <a:r>
+              <a:rPr lang="en-US" dirty="0" err="1">
+                <a:latin typeface="Fira Code" pitchFamily="1" charset="0"/>
+                <a:ea typeface="Fira Code" pitchFamily="1" charset="0"/>
+                <a:cs typeface="Fira Code" pitchFamily="1" charset="0"/>
+              </a:rPr>
+              <a:t>Heninger</a:t>
+            </a:r>
             <a:r>
               <a:rPr lang="en-US" dirty="0">
                 <a:latin typeface="Fira Code" pitchFamily="1" charset="0"/>
                 <a:ea typeface="Fira Code" pitchFamily="1" charset="0"/>
                 <a:cs typeface="Fira Code" pitchFamily="1" charset="0"/>
               </a:rPr>
-              <a:t>Work by N. </a:t>
-            </a:r>
-            <a:r>
-              <a:rPr lang="en-US" dirty="0" err="1">
-                <a:latin typeface="Fira Code" pitchFamily="1" charset="0"/>
-                <a:ea typeface="Fira Code" pitchFamily="1" charset="0"/>
-                <a:cs typeface="Fira Code" pitchFamily="1" charset="0"/>
-              </a:rPr>
-              <a:t>Henniger</a:t>
-            </a:r>
+              <a:t> et al (2012) and </a:t>
+            </a:r>
+          </a:p>
+          <a:p>
+            <a:endParaRPr lang="en-US" dirty="0">
+              <a:latin typeface="Fira Code" pitchFamily="1" charset="0"/>
+              <a:ea typeface="Fira Code" pitchFamily="1" charset="0"/>
+              <a:cs typeface="Fira Code" pitchFamily="1" charset="0"/>
+            </a:endParaRPr>
+          </a:p>
+          <a:p>
             <a:r>
               <a:rPr lang="en-US" dirty="0">
                 <a:latin typeface="Fira Code" pitchFamily="1" charset="0"/>
                 <a:ea typeface="Fira Code" pitchFamily="1" charset="0"/>
                 <a:cs typeface="Fira Code" pitchFamily="1" charset="0"/>
               </a:rPr>
-              <a:t> et al in 2012 showed that as many as 64000 TLS hosts and 108000 SSH hosts across the internet use weak keys</a:t>
+              <a:t>How many are weak and easily attacked</a:t>
             </a:r>
           </a:p>
           <a:p>
@@ -4290,7 +6039,7 @@
                 <a:ea typeface="Fira Code" pitchFamily="1" charset="0"/>
                 <a:cs typeface="Fira Code" pitchFamily="1" charset="0"/>
               </a:rPr>
-              <a:t>Default settings/keys</a:t>
+              <a:t>What kinds of devices use these keys?</a:t>
             </a:r>
           </a:p>
           <a:p>
@@ -4301,8 +6050,18 @@
                 <a:ea typeface="Fira Code" pitchFamily="1" charset="0"/>
                 <a:cs typeface="Fira Code" pitchFamily="1" charset="0"/>
               </a:rPr>
-              <a:t>RNG issues</a:t>
-            </a:r>
+              <a:t>Where are they being used?</a:t>
+            </a:r>
+          </a:p>
+          <a:p>
+            <a:pPr marL="457200" lvl="1" indent="0">
+              <a:buNone/>
+            </a:pPr>
+            <a:endParaRPr lang="en-US" dirty="0">
+              <a:latin typeface="Fira Code" pitchFamily="1" charset="0"/>
+              <a:ea typeface="Fira Code" pitchFamily="1" charset="0"/>
+              <a:cs typeface="Fira Code" pitchFamily="1" charset="0"/>
+            </a:endParaRPr>
           </a:p>
           <a:p>
             <a:pPr lvl="1"/>
@@ -4368,7 +6127,7 @@
 </p:sld>
 </file>
 
-<file path=ppt/slides/slide6.xml><?xml version="1.0" encoding="utf-8"?>
+<file path=ppt/slides/slide8.xml><?xml version="1.0" encoding="utf-8"?>
 <p:sld xmlns:a="http://schemas.openxmlformats.org/drawingml/2006/main" xmlns:r="http://schemas.openxmlformats.org/officeDocument/2006/relationships" xmlns:p="http://schemas.openxmlformats.org/presentationml/2006/main">
   <p:cSld>
     <p:spTree>
@@ -4507,6 +6266,281 @@
     <p:extLst>
       <p:ext uri="{BB962C8B-B14F-4D97-AF65-F5344CB8AC3E}">
         <p14:creationId xmlns:p14="http://schemas.microsoft.com/office/powerpoint/2010/main" val="1127506826"/>
+      </p:ext>
+    </p:extLst>
+  </p:cSld>
+  <p:clrMapOvr>
+    <a:masterClrMapping/>
+  </p:clrMapOvr>
+</p:sld>
+</file>
+
+<file path=ppt/slides/slide9.xml><?xml version="1.0" encoding="utf-8"?>
+<p:sld xmlns:a="http://schemas.openxmlformats.org/drawingml/2006/main" xmlns:r="http://schemas.openxmlformats.org/officeDocument/2006/relationships" xmlns:p="http://schemas.openxmlformats.org/presentationml/2006/main">
+  <p:cSld>
+    <p:spTree>
+      <p:nvGrpSpPr>
+        <p:cNvPr id="1" name=""/>
+        <p:cNvGrpSpPr/>
+        <p:nvPr/>
+      </p:nvGrpSpPr>
+      <p:grpSpPr>
+        <a:xfrm>
+          <a:off x="0" y="0"/>
+          <a:ext cx="0" cy="0"/>
+          <a:chOff x="0" y="0"/>
+          <a:chExt cx="0" cy="0"/>
+        </a:xfrm>
+      </p:grpSpPr>
+      <p:sp>
+        <p:nvSpPr>
+          <p:cNvPr id="2" name="Title 1">
+            <a:extLst>
+              <a:ext uri="{FF2B5EF4-FFF2-40B4-BE49-F238E27FC236}">
+                <a16:creationId xmlns:a16="http://schemas.microsoft.com/office/drawing/2014/main" id="{DA2E4D1B-5E52-F14B-6A2E-E8D400D77DF7}"/>
+              </a:ext>
+            </a:extLst>
+          </p:cNvPr>
+          <p:cNvSpPr>
+            <a:spLocks noGrp="1"/>
+          </p:cNvSpPr>
+          <p:nvPr>
+            <p:ph type="title"/>
+          </p:nvPr>
+        </p:nvSpPr>
+        <p:spPr/>
+        <p:txBody>
+          <a:bodyPr/>
+          <a:lstStyle/>
+          <a:p>
+            <a:r>
+              <a:rPr lang="en-US" dirty="0">
+                <a:latin typeface="Fira Code SemiBold" pitchFamily="1" charset="0"/>
+                <a:ea typeface="Fira Code SemiBold" pitchFamily="1" charset="0"/>
+                <a:cs typeface="Fira Code SemiBold" pitchFamily="1" charset="0"/>
+              </a:rPr>
+              <a:t>References</a:t>
+            </a:r>
+            <a:endParaRPr lang="en-US" dirty="0"/>
+          </a:p>
+        </p:txBody>
+      </p:sp>
+      <p:sp>
+        <p:nvSpPr>
+          <p:cNvPr id="3" name="Content Placeholder 2">
+            <a:extLst>
+              <a:ext uri="{FF2B5EF4-FFF2-40B4-BE49-F238E27FC236}">
+                <a16:creationId xmlns:a16="http://schemas.microsoft.com/office/drawing/2014/main" id="{F6240192-3AC2-A300-2E22-6004BC2CFE39}"/>
+              </a:ext>
+            </a:extLst>
+          </p:cNvPr>
+          <p:cNvSpPr>
+            <a:spLocks noGrp="1"/>
+          </p:cNvSpPr>
+          <p:nvPr>
+            <p:ph idx="1"/>
+          </p:nvPr>
+        </p:nvSpPr>
+        <p:spPr/>
+        <p:txBody>
+          <a:bodyPr>
+            <a:normAutofit fontScale="85000" lnSpcReduction="10000"/>
+          </a:bodyPr>
+          <a:lstStyle/>
+          <a:p>
+            <a:r>
+              <a:rPr lang="en-US" sz="2400" dirty="0">
+                <a:latin typeface="Fira Code" pitchFamily="1" charset="0"/>
+                <a:ea typeface="Fira Code" pitchFamily="1" charset="0"/>
+                <a:cs typeface="Fira Code" pitchFamily="1" charset="0"/>
+              </a:rPr>
+              <a:t>Nadia </a:t>
+            </a:r>
+            <a:r>
+              <a:rPr lang="en-US" sz="2400" dirty="0" err="1">
+                <a:latin typeface="Fira Code" pitchFamily="1" charset="0"/>
+                <a:ea typeface="Fira Code" pitchFamily="1" charset="0"/>
+                <a:cs typeface="Fira Code" pitchFamily="1" charset="0"/>
+              </a:rPr>
+              <a:t>Heninger</a:t>
+            </a:r>
+            <a:r>
+              <a:rPr lang="en-US" sz="2400" dirty="0">
+                <a:latin typeface="Fira Code" pitchFamily="1" charset="0"/>
+                <a:ea typeface="Fira Code" pitchFamily="1" charset="0"/>
+                <a:cs typeface="Fira Code" pitchFamily="1" charset="0"/>
+              </a:rPr>
+              <a:t>, Zakir </a:t>
+            </a:r>
+            <a:r>
+              <a:rPr lang="en-US" sz="2400" dirty="0" err="1">
+                <a:latin typeface="Fira Code" pitchFamily="1" charset="0"/>
+                <a:ea typeface="Fira Code" pitchFamily="1" charset="0"/>
+                <a:cs typeface="Fira Code" pitchFamily="1" charset="0"/>
+              </a:rPr>
+              <a:t>Durumeric</a:t>
+            </a:r>
+            <a:r>
+              <a:rPr lang="en-US" sz="2400" dirty="0">
+                <a:latin typeface="Fira Code" pitchFamily="1" charset="0"/>
+                <a:ea typeface="Fira Code" pitchFamily="1" charset="0"/>
+                <a:cs typeface="Fira Code" pitchFamily="1" charset="0"/>
+              </a:rPr>
+              <a:t>, Eric </a:t>
+            </a:r>
+            <a:r>
+              <a:rPr lang="en-US" sz="2400" dirty="0" err="1">
+                <a:latin typeface="Fira Code" pitchFamily="1" charset="0"/>
+                <a:ea typeface="Fira Code" pitchFamily="1" charset="0"/>
+                <a:cs typeface="Fira Code" pitchFamily="1" charset="0"/>
+              </a:rPr>
+              <a:t>Wustrow</a:t>
+            </a:r>
+            <a:r>
+              <a:rPr lang="en-US" sz="2400" dirty="0">
+                <a:latin typeface="Fira Code" pitchFamily="1" charset="0"/>
+                <a:ea typeface="Fira Code" pitchFamily="1" charset="0"/>
+                <a:cs typeface="Fira Code" pitchFamily="1" charset="0"/>
+              </a:rPr>
+              <a:t> (2012). “Mining Your Ps and Qs: Detection of Widespread Weak Keys in Network Device”.</a:t>
+            </a:r>
+          </a:p>
+          <a:p>
+            <a:pPr algn="l"/>
+            <a:r>
+              <a:rPr lang="en-US" sz="2400" b="0" i="0" u="none" strike="noStrike" baseline="0" dirty="0">
+                <a:latin typeface="Fira Code" pitchFamily="1" charset="0"/>
+                <a:ea typeface="Fira Code" pitchFamily="1" charset="0"/>
+                <a:cs typeface="Fira Code" pitchFamily="1" charset="0"/>
+              </a:rPr>
+              <a:t>Cocks, Clifford (1973). “A note on ”Non-secret encryption””</a:t>
+            </a:r>
+          </a:p>
+          <a:p>
+            <a:pPr algn="l"/>
+            <a:r>
+              <a:rPr lang="en-US" sz="2400" b="0" i="0" u="none" strike="noStrike" baseline="0" dirty="0">
+                <a:latin typeface="Fira Code" pitchFamily="1" charset="0"/>
+                <a:ea typeface="Fira Code" pitchFamily="1" charset="0"/>
+                <a:cs typeface="Fira Code" pitchFamily="1" charset="0"/>
+              </a:rPr>
+              <a:t>R.L Rivest A. Shamir, L. Adleman (1978). “A Method for Obtaining Digital Signatures and Public Key Cryptosystems”. </a:t>
+            </a:r>
+          </a:p>
+          <a:p>
+            <a:pPr algn="l"/>
+            <a:r>
+              <a:rPr lang="en-US" sz="2400" b="0" i="0" u="none" strike="noStrike" baseline="0" dirty="0">
+                <a:latin typeface="Fira Code" pitchFamily="1" charset="0"/>
+                <a:ea typeface="Fira Code" pitchFamily="1" charset="0"/>
+                <a:cs typeface="Fira Code" pitchFamily="1" charset="0"/>
+              </a:rPr>
+              <a:t>Xin Zhou, </a:t>
+            </a:r>
+            <a:r>
+              <a:rPr lang="en-US" sz="2400" b="0" i="0" u="none" strike="noStrike" baseline="0" dirty="0" err="1">
+                <a:latin typeface="Fira Code" pitchFamily="1" charset="0"/>
+                <a:ea typeface="Fira Code" pitchFamily="1" charset="0"/>
+                <a:cs typeface="Fira Code" pitchFamily="1" charset="0"/>
+              </a:rPr>
+              <a:t>Xiaofei</a:t>
+            </a:r>
+            <a:r>
+              <a:rPr lang="en-US" sz="2400" b="0" i="0" u="none" strike="noStrike" baseline="0" dirty="0">
+                <a:latin typeface="Fira Code" pitchFamily="1" charset="0"/>
+                <a:ea typeface="Fira Code" pitchFamily="1" charset="0"/>
+                <a:cs typeface="Fira Code" pitchFamily="1" charset="0"/>
+              </a:rPr>
+              <a:t> Tang (2011). “Research and Implementation of RSA Algorithm for Encryption and Decryption”.</a:t>
+            </a:r>
+          </a:p>
+          <a:p>
+            <a:pPr algn="l"/>
+            <a:r>
+              <a:rPr lang="en-US" sz="2400" dirty="0" err="1">
+                <a:latin typeface="Fira Code" pitchFamily="1" charset="0"/>
+                <a:ea typeface="Fira Code" pitchFamily="1" charset="0"/>
+                <a:cs typeface="Fira Code" pitchFamily="1" charset="0"/>
+              </a:rPr>
+              <a:t>Siqi</a:t>
+            </a:r>
+            <a:r>
+              <a:rPr lang="en-US" sz="2400" dirty="0">
+                <a:latin typeface="Fira Code" pitchFamily="1" charset="0"/>
+                <a:ea typeface="Fira Code" pitchFamily="1" charset="0"/>
+                <a:cs typeface="Fira Code" pitchFamily="1" charset="0"/>
+              </a:rPr>
+              <a:t> Chen, </a:t>
+            </a:r>
+            <a:r>
+              <a:rPr lang="en-US" sz="2400" dirty="0" err="1">
+                <a:latin typeface="Fira Code" pitchFamily="1" charset="0"/>
+                <a:ea typeface="Fira Code" pitchFamily="1" charset="0"/>
+                <a:cs typeface="Fira Code" pitchFamily="1" charset="0"/>
+              </a:rPr>
+              <a:t>Yunfei</a:t>
+            </a:r>
+            <a:r>
+              <a:rPr lang="en-US" sz="2400" dirty="0">
+                <a:latin typeface="Fira Code" pitchFamily="1" charset="0"/>
+                <a:ea typeface="Fira Code" pitchFamily="1" charset="0"/>
+                <a:cs typeface="Fira Code" pitchFamily="1" charset="0"/>
+              </a:rPr>
+              <a:t> Lin, Connie Siu, Elise Xue (2017).  “Fast Bulk GCD Implementation in Go to Detect Shared Primes in RSA Keys”</a:t>
+            </a:r>
+          </a:p>
+          <a:p>
+            <a:pPr algn="l"/>
+            <a:r>
+              <a:rPr lang="en-US" sz="2400" dirty="0">
+                <a:latin typeface="Fira Code" pitchFamily="1" charset="0"/>
+                <a:ea typeface="Fira Code" pitchFamily="1" charset="0"/>
+                <a:cs typeface="Fira Code" pitchFamily="1" charset="0"/>
+              </a:rPr>
+              <a:t>J. </a:t>
+            </a:r>
+            <a:r>
+              <a:rPr lang="en-US" sz="2400" dirty="0" err="1">
+                <a:latin typeface="Fira Code" pitchFamily="1" charset="0"/>
+                <a:ea typeface="Fira Code" pitchFamily="1" charset="0"/>
+                <a:cs typeface="Fira Code" pitchFamily="1" charset="0"/>
+              </a:rPr>
+              <a:t>Knockel</a:t>
+            </a:r>
+            <a:r>
+              <a:rPr lang="en-US" sz="2400" dirty="0">
+                <a:latin typeface="Fira Code" pitchFamily="1" charset="0"/>
+                <a:ea typeface="Fira Code" pitchFamily="1" charset="0"/>
+                <a:cs typeface="Fira Code" pitchFamily="1" charset="0"/>
+              </a:rPr>
+              <a:t> T. </a:t>
+            </a:r>
+            <a:r>
+              <a:rPr lang="en-US" sz="2400" dirty="0" err="1">
+                <a:latin typeface="Fira Code" pitchFamily="1" charset="0"/>
+                <a:ea typeface="Fira Code" pitchFamily="1" charset="0"/>
+                <a:cs typeface="Fira Code" pitchFamily="1" charset="0"/>
+              </a:rPr>
+              <a:t>Ristenpart</a:t>
+            </a:r>
+            <a:r>
+              <a:rPr lang="en-US" sz="2400" dirty="0">
+                <a:latin typeface="Fira Code" pitchFamily="1" charset="0"/>
+                <a:ea typeface="Fira Code" pitchFamily="1" charset="0"/>
+                <a:cs typeface="Fira Code" pitchFamily="1" charset="0"/>
+              </a:rPr>
+              <a:t>, J. Crandall (2018). “When Textbook RSA is Used to Protect the Privacy of Hundreds of Millions of Users”</a:t>
+            </a:r>
+          </a:p>
+          <a:p>
+            <a:endParaRPr lang="en-US" dirty="0"/>
+          </a:p>
+        </p:txBody>
+      </p:sp>
+    </p:spTree>
+    <p:extLst>
+      <p:ext uri="{BB962C8B-B14F-4D97-AF65-F5344CB8AC3E}">
+        <p14:creationId xmlns:p14="http://schemas.microsoft.com/office/powerpoint/2010/main" val="2786707376"/>
       </p:ext>
     </p:extLst>
   </p:cSld>
